--- a/swar_learn_duel.pptx
+++ b/swar_learn_duel.pptx
@@ -118,11 +118,12 @@
       </a:defRPr>
     </a:lvl9pPr>
   </p:defaultTextStyle>
+  <p:extLst>
+    <p:ext uri="{EFAFB233-063F-42B5-8137-9DF3F51BA10A}">
+      <p15:sldGuideLst xmlns:p15="http://schemas.microsoft.com/office/powerpoint/2012/main"/>
+    </p:ext>
+  </p:extLst>
 </p:presentation>
-</file>
-
-<file path=ppt/revisionInfo.xml><?xml version="1.0" encoding="utf-8"?>
-<p1510:revInfo xmlns:a="http://schemas.openxmlformats.org/drawingml/2006/main" xmlns:r="http://schemas.openxmlformats.org/officeDocument/2006/relationships" xmlns:p1510="http://schemas.microsoft.com/office/powerpoint/2015/10/main"/>
 </file>
 
 <file path=ppt/notesMasters/notesMaster1.xml><?xml version="1.0" encoding="utf-8"?>
@@ -207,7 +208,7 @@
           <a:p>
             <a:fld id="{00415DF2-79BD-4C64-A5B8-D9BBB90DCD43}" type="datetimeFigureOut">
               <a:rPr lang="de-DE" smtClean="0"/>
-              <a:t>13.06.2018</a:t>
+              <a:t>19.06.18</a:t>
             </a:fld>
             <a:endParaRPr lang="de-DE"/>
           </a:p>
@@ -624,7 +625,7 @@
           <a:p>
             <a:fld id="{78ED61D8-61CA-4D1F-9555-82B6FF3A8AB5}" type="datetimeFigureOut">
               <a:rPr lang="de-DE" smtClean="0"/>
-              <a:t>13.06.2018</a:t>
+              <a:t>19.06.18</a:t>
             </a:fld>
             <a:endParaRPr lang="de-DE"/>
           </a:p>
@@ -848,7 +849,7 @@
           <a:p>
             <a:fld id="{78ED61D8-61CA-4D1F-9555-82B6FF3A8AB5}" type="datetimeFigureOut">
               <a:rPr lang="de-DE" smtClean="0"/>
-              <a:t>13.06.2018</a:t>
+              <a:t>19.06.18</a:t>
             </a:fld>
             <a:endParaRPr lang="de-DE"/>
           </a:p>
@@ -1058,7 +1059,7 @@
           <a:p>
             <a:fld id="{78ED61D8-61CA-4D1F-9555-82B6FF3A8AB5}" type="datetimeFigureOut">
               <a:rPr lang="de-DE" smtClean="0"/>
-              <a:t>13.06.2018</a:t>
+              <a:t>19.06.18</a:t>
             </a:fld>
             <a:endParaRPr lang="de-DE"/>
           </a:p>
@@ -1258,7 +1259,7 @@
           <a:p>
             <a:fld id="{78ED61D8-61CA-4D1F-9555-82B6FF3A8AB5}" type="datetimeFigureOut">
               <a:rPr lang="de-DE" smtClean="0"/>
-              <a:t>13.06.2018</a:t>
+              <a:t>19.06.18</a:t>
             </a:fld>
             <a:endParaRPr lang="de-DE"/>
           </a:p>
@@ -1534,7 +1535,7 @@
           <a:p>
             <a:fld id="{78ED61D8-61CA-4D1F-9555-82B6FF3A8AB5}" type="datetimeFigureOut">
               <a:rPr lang="de-DE" smtClean="0"/>
-              <a:t>13.06.2018</a:t>
+              <a:t>19.06.18</a:t>
             </a:fld>
             <a:endParaRPr lang="de-DE"/>
           </a:p>
@@ -1802,7 +1803,7 @@
           <a:p>
             <a:fld id="{78ED61D8-61CA-4D1F-9555-82B6FF3A8AB5}" type="datetimeFigureOut">
               <a:rPr lang="de-DE" smtClean="0"/>
-              <a:t>13.06.2018</a:t>
+              <a:t>19.06.18</a:t>
             </a:fld>
             <a:endParaRPr lang="de-DE"/>
           </a:p>
@@ -2217,7 +2218,7 @@
           <a:p>
             <a:fld id="{78ED61D8-61CA-4D1F-9555-82B6FF3A8AB5}" type="datetimeFigureOut">
               <a:rPr lang="de-DE" smtClean="0"/>
-              <a:t>13.06.2018</a:t>
+              <a:t>19.06.18</a:t>
             </a:fld>
             <a:endParaRPr lang="de-DE"/>
           </a:p>
@@ -2359,7 +2360,7 @@
           <a:p>
             <a:fld id="{78ED61D8-61CA-4D1F-9555-82B6FF3A8AB5}" type="datetimeFigureOut">
               <a:rPr lang="de-DE" smtClean="0"/>
-              <a:t>13.06.2018</a:t>
+              <a:t>19.06.18</a:t>
             </a:fld>
             <a:endParaRPr lang="de-DE"/>
           </a:p>
@@ -2472,7 +2473,7 @@
           <a:p>
             <a:fld id="{78ED61D8-61CA-4D1F-9555-82B6FF3A8AB5}" type="datetimeFigureOut">
               <a:rPr lang="de-DE" smtClean="0"/>
-              <a:t>13.06.2018</a:t>
+              <a:t>19.06.18</a:t>
             </a:fld>
             <a:endParaRPr lang="de-DE"/>
           </a:p>
@@ -2785,7 +2786,7 @@
           <a:p>
             <a:fld id="{78ED61D8-61CA-4D1F-9555-82B6FF3A8AB5}" type="datetimeFigureOut">
               <a:rPr lang="de-DE" smtClean="0"/>
-              <a:t>13.06.2018</a:t>
+              <a:t>19.06.18</a:t>
             </a:fld>
             <a:endParaRPr lang="de-DE"/>
           </a:p>
@@ -3074,7 +3075,7 @@
           <a:p>
             <a:fld id="{78ED61D8-61CA-4D1F-9555-82B6FF3A8AB5}" type="datetimeFigureOut">
               <a:rPr lang="de-DE" smtClean="0"/>
-              <a:t>13.06.2018</a:t>
+              <a:t>19.06.18</a:t>
             </a:fld>
             <a:endParaRPr lang="de-DE"/>
           </a:p>
@@ -3317,7 +3318,7 @@
           <a:p>
             <a:fld id="{78ED61D8-61CA-4D1F-9555-82B6FF3A8AB5}" type="datetimeFigureOut">
               <a:rPr lang="de-DE" smtClean="0"/>
-              <a:t>13.06.2018</a:t>
+              <a:t>19.06.18</a:t>
             </a:fld>
             <a:endParaRPr lang="de-DE"/>
           </a:p>
@@ -3790,7 +3791,7 @@
                 <a16:creationId xmlns:a16="http://schemas.microsoft.com/office/drawing/2014/main" id="{793EF0C2-EE57-40DD-B754-BF1477FABABB}"/>
               </a:ext>
               <a:ext uri="{C183D7F6-B498-43B3-948B-1728B52AA6E4}">
-                <adec:decorative xmlns="" xmlns:adec="http://schemas.microsoft.com/office/drawing/2017/decorative" val="1"/>
+                <adec:decorative xmlns:adec="http://schemas.microsoft.com/office/drawing/2017/decorative" val="1"/>
               </a:ext>
             </a:extLst>
           </p:cNvPr>
@@ -3979,7 +3980,7 @@
                 <a16:creationId xmlns:a16="http://schemas.microsoft.com/office/drawing/2014/main" id="{EA67B5B4-3A24-436E-B663-1B2EBFF8A0CD}"/>
               </a:ext>
               <a:ext uri="{C183D7F6-B498-43B3-948B-1728B52AA6E4}">
-                <adec:decorative xmlns="" xmlns:adec="http://schemas.microsoft.com/office/drawing/2017/decorative" val="1"/>
+                <adec:decorative xmlns:adec="http://schemas.microsoft.com/office/drawing/2017/decorative" val="1"/>
               </a:ext>
             </a:extLst>
           </p:cNvPr>
@@ -4042,7 +4043,7 @@
                 <a16:creationId xmlns:a16="http://schemas.microsoft.com/office/drawing/2014/main" id="{987FDF89-C993-41F4-A1B8-DBAFF16008A9}"/>
               </a:ext>
               <a:ext uri="{C183D7F6-B498-43B3-948B-1728B52AA6E4}">
-                <adec:decorative xmlns="" xmlns:adec="http://schemas.microsoft.com/office/drawing/2017/decorative" val="1"/>
+                <adec:decorative xmlns:adec="http://schemas.microsoft.com/office/drawing/2017/decorative" val="1"/>
               </a:ext>
             </a:extLst>
           </p:cNvPr>
@@ -4150,7 +4151,7 @@
                 <a16:creationId xmlns:a16="http://schemas.microsoft.com/office/drawing/2014/main" id="{64E585EA-75FD-4025-8270-F66A58A15CDA}"/>
               </a:ext>
               <a:ext uri="{C183D7F6-B498-43B3-948B-1728B52AA6E4}">
-                <adec:decorative xmlns="" xmlns:adec="http://schemas.microsoft.com/office/drawing/2017/decorative" val="1"/>
+                <adec:decorative xmlns:adec="http://schemas.microsoft.com/office/drawing/2017/decorative" val="1"/>
               </a:ext>
             </a:extLst>
           </p:cNvPr>
@@ -4330,16 +4331,67 @@
                   <a:srgbClr val="FFFFFF"/>
                 </a:solidFill>
               </a:rPr>
-              <a:t>MongoDB</a:t>
-            </a:r>
-            <a:endParaRPr lang="de-DE" sz="2000" dirty="0">
-              <a:solidFill>
-                <a:srgbClr val="FFFFFF"/>
-              </a:solidFill>
-            </a:endParaRPr>
-          </a:p>
-        </p:txBody>
-      </p:sp>
+              <a:t>Database: MongoDB</a:t>
+            </a:r>
+          </a:p>
+          <a:p>
+            <a:r>
+              <a:rPr lang="en-GB" sz="2000" dirty="0">
+                <a:solidFill>
+                  <a:srgbClr val="FFFFFF"/>
+                </a:solidFill>
+              </a:rPr>
+              <a:t>Test: write to the database 1000 times (game results) </a:t>
+            </a:r>
+          </a:p>
+          <a:p>
+            <a:r>
+              <a:rPr lang="en-GB" sz="2000" dirty="0">
+                <a:solidFill>
+                  <a:srgbClr val="FFFFFF"/>
+                </a:solidFill>
+              </a:rPr>
+              <a:t>Timing</a:t>
+            </a:r>
+          </a:p>
+        </p:txBody>
+      </p:sp>
+      <p:pic>
+        <p:nvPicPr>
+          <p:cNvPr id="12" name="Picture 11">
+            <a:extLst>
+              <a:ext uri="{FF2B5EF4-FFF2-40B4-BE49-F238E27FC236}">
+                <a16:creationId xmlns:a16="http://schemas.microsoft.com/office/drawing/2014/main" id="{0B8EE2E1-DF00-6946-ABF4-EE27CA61E7C2}"/>
+              </a:ext>
+            </a:extLst>
+          </p:cNvPr>
+          <p:cNvPicPr>
+            <a:picLocks noChangeAspect="1"/>
+          </p:cNvPicPr>
+          <p:nvPr/>
+        </p:nvPicPr>
+        <p:blipFill>
+          <a:blip r:embed="rId2">
+            <a:extLst>
+              <a:ext uri="{28A0092B-C50C-407E-A947-70E740481C1C}">
+                <a14:useLocalDpi xmlns:a14="http://schemas.microsoft.com/office/drawing/2010/main" val="0"/>
+              </a:ext>
+            </a:extLst>
+          </a:blip>
+          <a:stretch>
+            <a:fillRect/>
+          </a:stretch>
+        </p:blipFill>
+        <p:spPr>
+          <a:xfrm>
+            <a:off x="827808" y="3227408"/>
+            <a:ext cx="10515593" cy="2084589"/>
+          </a:xfrm>
+          <a:prstGeom prst="rect">
+            <a:avLst/>
+          </a:prstGeom>
+        </p:spPr>
+      </p:pic>
     </p:spTree>
     <p:extLst>
       <p:ext uri="{BB962C8B-B14F-4D97-AF65-F5344CB8AC3E}">
@@ -4386,7 +4438,7 @@
                 <a16:creationId xmlns:a16="http://schemas.microsoft.com/office/drawing/2014/main" id="{EA67B5B4-3A24-436E-B663-1B2EBFF8A0CD}"/>
               </a:ext>
               <a:ext uri="{C183D7F6-B498-43B3-948B-1728B52AA6E4}">
-                <adec:decorative xmlns="" xmlns:adec="http://schemas.microsoft.com/office/drawing/2017/decorative" val="1"/>
+                <adec:decorative xmlns:adec="http://schemas.microsoft.com/office/drawing/2017/decorative" val="1"/>
               </a:ext>
             </a:extLst>
           </p:cNvPr>
@@ -4449,7 +4501,7 @@
                 <a16:creationId xmlns:a16="http://schemas.microsoft.com/office/drawing/2014/main" id="{987FDF89-C993-41F4-A1B8-DBAFF16008A9}"/>
               </a:ext>
               <a:ext uri="{C183D7F6-B498-43B3-948B-1728B52AA6E4}">
-                <adec:decorative xmlns="" xmlns:adec="http://schemas.microsoft.com/office/drawing/2017/decorative" val="1"/>
+                <adec:decorative xmlns:adec="http://schemas.microsoft.com/office/drawing/2017/decorative" val="1"/>
               </a:ext>
             </a:extLst>
           </p:cNvPr>
@@ -4557,7 +4609,7 @@
                 <a16:creationId xmlns:a16="http://schemas.microsoft.com/office/drawing/2014/main" id="{64E585EA-75FD-4025-8270-F66A58A15CDA}"/>
               </a:ext>
               <a:ext uri="{C183D7F6-B498-43B3-948B-1728B52AA6E4}">
-                <adec:decorative xmlns="" xmlns:adec="http://schemas.microsoft.com/office/drawing/2017/decorative" val="1"/>
+                <adec:decorative xmlns:adec="http://schemas.microsoft.com/office/drawing/2017/decorative" val="1"/>
               </a:ext>
             </a:extLst>
           </p:cNvPr>
@@ -4688,14 +4740,14 @@
           <a:lstStyle/>
           <a:p>
             <a:r>
-              <a:rPr lang="en-GB">
+              <a:rPr lang="en-GB" dirty="0">
                 <a:solidFill>
                   <a:srgbClr val="FFFFFF"/>
                 </a:solidFill>
               </a:rPr>
               <a:t>Performance Testing</a:t>
             </a:r>
-            <a:endParaRPr lang="de-DE">
+            <a:endParaRPr lang="de-DE" dirty="0">
               <a:solidFill>
                 <a:srgbClr val="FFFFFF"/>
               </a:solidFill>
@@ -4705,10 +4757,10 @@
       </p:sp>
       <p:sp>
         <p:nvSpPr>
-          <p:cNvPr id="3" name="Content Placeholder 2">
-            <a:extLst>
-              <a:ext uri="{FF2B5EF4-FFF2-40B4-BE49-F238E27FC236}">
-                <a16:creationId xmlns:a16="http://schemas.microsoft.com/office/drawing/2014/main" id="{28C27B4B-ACD4-45BA-A576-ADEB5F08A5FC}"/>
+          <p:cNvPr id="14" name="Content Placeholder 2">
+            <a:extLst>
+              <a:ext uri="{FF2B5EF4-FFF2-40B4-BE49-F238E27FC236}">
+                <a16:creationId xmlns:a16="http://schemas.microsoft.com/office/drawing/2014/main" id="{A1BE1607-0F4C-8548-BAF3-104FB2EA63AB}"/>
               </a:ext>
             </a:extLst>
           </p:cNvPr>
@@ -4731,7 +4783,7 @@
           </a:bodyPr>
           <a:lstStyle/>
           <a:p>
-            <a:endParaRPr lang="de-DE" sz="2000">
+            <a:endParaRPr lang="de-DE" sz="2000" dirty="0">
               <a:solidFill>
                 <a:srgbClr val="FFFFFF"/>
               </a:solidFill>
@@ -4785,7 +4837,7 @@
                 <a16:creationId xmlns:a16="http://schemas.microsoft.com/office/drawing/2014/main" id="{EA67B5B4-3A24-436E-B663-1B2EBFF8A0CD}"/>
               </a:ext>
               <a:ext uri="{C183D7F6-B498-43B3-948B-1728B52AA6E4}">
-                <adec:decorative xmlns="" xmlns:adec="http://schemas.microsoft.com/office/drawing/2017/decorative" val="1"/>
+                <adec:decorative xmlns:adec="http://schemas.microsoft.com/office/drawing/2017/decorative" val="1"/>
               </a:ext>
             </a:extLst>
           </p:cNvPr>
@@ -4848,7 +4900,7 @@
                 <a16:creationId xmlns:a16="http://schemas.microsoft.com/office/drawing/2014/main" id="{987FDF89-C993-41F4-A1B8-DBAFF16008A9}"/>
               </a:ext>
               <a:ext uri="{C183D7F6-B498-43B3-948B-1728B52AA6E4}">
-                <adec:decorative xmlns="" xmlns:adec="http://schemas.microsoft.com/office/drawing/2017/decorative" val="1"/>
+                <adec:decorative xmlns:adec="http://schemas.microsoft.com/office/drawing/2017/decorative" val="1"/>
               </a:ext>
             </a:extLst>
           </p:cNvPr>
@@ -4956,7 +5008,7 @@
                 <a16:creationId xmlns:a16="http://schemas.microsoft.com/office/drawing/2014/main" id="{64E585EA-75FD-4025-8270-F66A58A15CDA}"/>
               </a:ext>
               <a:ext uri="{C183D7F6-B498-43B3-948B-1728B52AA6E4}">
-                <adec:decorative xmlns="" xmlns:adec="http://schemas.microsoft.com/office/drawing/2017/decorative" val="1"/>
+                <adec:decorative xmlns:adec="http://schemas.microsoft.com/office/drawing/2017/decorative" val="1"/>
               </a:ext>
             </a:extLst>
           </p:cNvPr>
@@ -5130,7 +5182,7 @@
           </a:bodyPr>
           <a:lstStyle/>
           <a:p>
-            <a:endParaRPr lang="de-DE" sz="2000">
+            <a:endParaRPr lang="de-DE" sz="2000" dirty="0">
               <a:solidFill>
                 <a:srgbClr val="FFFFFF"/>
               </a:solidFill>
@@ -5184,7 +5236,7 @@
                 <a16:creationId xmlns:a16="http://schemas.microsoft.com/office/drawing/2014/main" id="{EA67B5B4-3A24-436E-B663-1B2EBFF8A0CD}"/>
               </a:ext>
               <a:ext uri="{C183D7F6-B498-43B3-948B-1728B52AA6E4}">
-                <adec:decorative xmlns="" xmlns:adec="http://schemas.microsoft.com/office/drawing/2017/decorative" val="1"/>
+                <adec:decorative xmlns:adec="http://schemas.microsoft.com/office/drawing/2017/decorative" val="1"/>
               </a:ext>
             </a:extLst>
           </p:cNvPr>
@@ -5247,7 +5299,7 @@
                 <a16:creationId xmlns:a16="http://schemas.microsoft.com/office/drawing/2014/main" id="{987FDF89-C993-41F4-A1B8-DBAFF16008A9}"/>
               </a:ext>
               <a:ext uri="{C183D7F6-B498-43B3-948B-1728B52AA6E4}">
-                <adec:decorative xmlns="" xmlns:adec="http://schemas.microsoft.com/office/drawing/2017/decorative" val="1"/>
+                <adec:decorative xmlns:adec="http://schemas.microsoft.com/office/drawing/2017/decorative" val="1"/>
               </a:ext>
             </a:extLst>
           </p:cNvPr>
@@ -5355,7 +5407,7 @@
                 <a16:creationId xmlns:a16="http://schemas.microsoft.com/office/drawing/2014/main" id="{64E585EA-75FD-4025-8270-F66A58A15CDA}"/>
               </a:ext>
               <a:ext uri="{C183D7F6-B498-43B3-948B-1728B52AA6E4}">
-                <adec:decorative xmlns="" xmlns:adec="http://schemas.microsoft.com/office/drawing/2017/decorative" val="1"/>
+                <adec:decorative xmlns:adec="http://schemas.microsoft.com/office/drawing/2017/decorative" val="1"/>
               </a:ext>
             </a:extLst>
           </p:cNvPr>
@@ -5583,7 +5635,7 @@
                 <a16:creationId xmlns:a16="http://schemas.microsoft.com/office/drawing/2014/main" id="{EA67B5B4-3A24-436E-B663-1B2EBFF8A0CD}"/>
               </a:ext>
               <a:ext uri="{C183D7F6-B498-43B3-948B-1728B52AA6E4}">
-                <adec:decorative xmlns="" xmlns:adec="http://schemas.microsoft.com/office/drawing/2017/decorative" val="1"/>
+                <adec:decorative xmlns:adec="http://schemas.microsoft.com/office/drawing/2017/decorative" val="1"/>
               </a:ext>
             </a:extLst>
           </p:cNvPr>
@@ -5646,7 +5698,7 @@
                 <a16:creationId xmlns:a16="http://schemas.microsoft.com/office/drawing/2014/main" id="{987FDF89-C993-41F4-A1B8-DBAFF16008A9}"/>
               </a:ext>
               <a:ext uri="{C183D7F6-B498-43B3-948B-1728B52AA6E4}">
-                <adec:decorative xmlns="" xmlns:adec="http://schemas.microsoft.com/office/drawing/2017/decorative" val="1"/>
+                <adec:decorative xmlns:adec="http://schemas.microsoft.com/office/drawing/2017/decorative" val="1"/>
               </a:ext>
             </a:extLst>
           </p:cNvPr>
@@ -5754,7 +5806,7 @@
                 <a16:creationId xmlns:a16="http://schemas.microsoft.com/office/drawing/2014/main" id="{64E585EA-75FD-4025-8270-F66A58A15CDA}"/>
               </a:ext>
               <a:ext uri="{C183D7F6-B498-43B3-948B-1728B52AA6E4}">
-                <adec:decorative xmlns="" xmlns:adec="http://schemas.microsoft.com/office/drawing/2017/decorative" val="1"/>
+                <adec:decorative xmlns:adec="http://schemas.microsoft.com/office/drawing/2017/decorative" val="1"/>
               </a:ext>
             </a:extLst>
           </p:cNvPr>
@@ -5982,7 +6034,7 @@
                 <a16:creationId xmlns:a16="http://schemas.microsoft.com/office/drawing/2014/main" id="{EA67B5B4-3A24-436E-B663-1B2EBFF8A0CD}"/>
               </a:ext>
               <a:ext uri="{C183D7F6-B498-43B3-948B-1728B52AA6E4}">
-                <adec:decorative xmlns="" xmlns:adec="http://schemas.microsoft.com/office/drawing/2017/decorative" val="1"/>
+                <adec:decorative xmlns:adec="http://schemas.microsoft.com/office/drawing/2017/decorative" val="1"/>
               </a:ext>
             </a:extLst>
           </p:cNvPr>
@@ -6045,7 +6097,7 @@
                 <a16:creationId xmlns:a16="http://schemas.microsoft.com/office/drawing/2014/main" id="{987FDF89-C993-41F4-A1B8-DBAFF16008A9}"/>
               </a:ext>
               <a:ext uri="{C183D7F6-B498-43B3-948B-1728B52AA6E4}">
-                <adec:decorative xmlns="" xmlns:adec="http://schemas.microsoft.com/office/drawing/2017/decorative" val="1"/>
+                <adec:decorative xmlns:adec="http://schemas.microsoft.com/office/drawing/2017/decorative" val="1"/>
               </a:ext>
             </a:extLst>
           </p:cNvPr>
@@ -6153,7 +6205,7 @@
                 <a16:creationId xmlns:a16="http://schemas.microsoft.com/office/drawing/2014/main" id="{64E585EA-75FD-4025-8270-F66A58A15CDA}"/>
               </a:ext>
               <a:ext uri="{C183D7F6-B498-43B3-948B-1728B52AA6E4}">
-                <adec:decorative xmlns="" xmlns:adec="http://schemas.microsoft.com/office/drawing/2017/decorative" val="1"/>
+                <adec:decorative xmlns:adec="http://schemas.microsoft.com/office/drawing/2017/decorative" val="1"/>
               </a:ext>
             </a:extLst>
           </p:cNvPr>
@@ -6381,7 +6433,7 @@
                 <a16:creationId xmlns:a16="http://schemas.microsoft.com/office/drawing/2014/main" id="{EA67B5B4-3A24-436E-B663-1B2EBFF8A0CD}"/>
               </a:ext>
               <a:ext uri="{C183D7F6-B498-43B3-948B-1728B52AA6E4}">
-                <adec:decorative xmlns="" xmlns:adec="http://schemas.microsoft.com/office/drawing/2017/decorative" val="1"/>
+                <adec:decorative xmlns:adec="http://schemas.microsoft.com/office/drawing/2017/decorative" val="1"/>
               </a:ext>
             </a:extLst>
           </p:cNvPr>
@@ -6444,7 +6496,7 @@
                 <a16:creationId xmlns:a16="http://schemas.microsoft.com/office/drawing/2014/main" id="{987FDF89-C993-41F4-A1B8-DBAFF16008A9}"/>
               </a:ext>
               <a:ext uri="{C183D7F6-B498-43B3-948B-1728B52AA6E4}">
-                <adec:decorative xmlns="" xmlns:adec="http://schemas.microsoft.com/office/drawing/2017/decorative" val="1"/>
+                <adec:decorative xmlns:adec="http://schemas.microsoft.com/office/drawing/2017/decorative" val="1"/>
               </a:ext>
             </a:extLst>
           </p:cNvPr>
@@ -6552,7 +6604,7 @@
                 <a16:creationId xmlns:a16="http://schemas.microsoft.com/office/drawing/2014/main" id="{64E585EA-75FD-4025-8270-F66A58A15CDA}"/>
               </a:ext>
               <a:ext uri="{C183D7F6-B498-43B3-948B-1728B52AA6E4}">
-                <adec:decorative xmlns="" xmlns:adec="http://schemas.microsoft.com/office/drawing/2017/decorative" val="1"/>
+                <adec:decorative xmlns:adec="http://schemas.microsoft.com/office/drawing/2017/decorative" val="1"/>
               </a:ext>
             </a:extLst>
           </p:cNvPr>
@@ -6780,7 +6832,7 @@
                 <a16:creationId xmlns:a16="http://schemas.microsoft.com/office/drawing/2014/main" id="{EA67B5B4-3A24-436E-B663-1B2EBFF8A0CD}"/>
               </a:ext>
               <a:ext uri="{C183D7F6-B498-43B3-948B-1728B52AA6E4}">
-                <adec:decorative xmlns="" xmlns:adec="http://schemas.microsoft.com/office/drawing/2017/decorative" val="1"/>
+                <adec:decorative xmlns:adec="http://schemas.microsoft.com/office/drawing/2017/decorative" val="1"/>
               </a:ext>
             </a:extLst>
           </p:cNvPr>
@@ -6843,7 +6895,7 @@
                 <a16:creationId xmlns:a16="http://schemas.microsoft.com/office/drawing/2014/main" id="{987FDF89-C993-41F4-A1B8-DBAFF16008A9}"/>
               </a:ext>
               <a:ext uri="{C183D7F6-B498-43B3-948B-1728B52AA6E4}">
-                <adec:decorative xmlns="" xmlns:adec="http://schemas.microsoft.com/office/drawing/2017/decorative" val="1"/>
+                <adec:decorative xmlns:adec="http://schemas.microsoft.com/office/drawing/2017/decorative" val="1"/>
               </a:ext>
             </a:extLst>
           </p:cNvPr>
@@ -6951,7 +7003,7 @@
                 <a16:creationId xmlns:a16="http://schemas.microsoft.com/office/drawing/2014/main" id="{64E585EA-75FD-4025-8270-F66A58A15CDA}"/>
               </a:ext>
               <a:ext uri="{C183D7F6-B498-43B3-948B-1728B52AA6E4}">
-                <adec:decorative xmlns="" xmlns:adec="http://schemas.microsoft.com/office/drawing/2017/decorative" val="1"/>
+                <adec:decorative xmlns:adec="http://schemas.microsoft.com/office/drawing/2017/decorative" val="1"/>
               </a:ext>
             </a:extLst>
           </p:cNvPr>
@@ -7179,7 +7231,7 @@
                 <a16:creationId xmlns:a16="http://schemas.microsoft.com/office/drawing/2014/main" id="{EA67B5B4-3A24-436E-B663-1B2EBFF8A0CD}"/>
               </a:ext>
               <a:ext uri="{C183D7F6-B498-43B3-948B-1728B52AA6E4}">
-                <adec:decorative xmlns="" xmlns:adec="http://schemas.microsoft.com/office/drawing/2017/decorative" val="1"/>
+                <adec:decorative xmlns:adec="http://schemas.microsoft.com/office/drawing/2017/decorative" val="1"/>
               </a:ext>
             </a:extLst>
           </p:cNvPr>
@@ -7242,7 +7294,7 @@
                 <a16:creationId xmlns:a16="http://schemas.microsoft.com/office/drawing/2014/main" id="{987FDF89-C993-41F4-A1B8-DBAFF16008A9}"/>
               </a:ext>
               <a:ext uri="{C183D7F6-B498-43B3-948B-1728B52AA6E4}">
-                <adec:decorative xmlns="" xmlns:adec="http://schemas.microsoft.com/office/drawing/2017/decorative" val="1"/>
+                <adec:decorative xmlns:adec="http://schemas.microsoft.com/office/drawing/2017/decorative" val="1"/>
               </a:ext>
             </a:extLst>
           </p:cNvPr>
@@ -7350,7 +7402,7 @@
                 <a16:creationId xmlns:a16="http://schemas.microsoft.com/office/drawing/2014/main" id="{64E585EA-75FD-4025-8270-F66A58A15CDA}"/>
               </a:ext>
               <a:ext uri="{C183D7F6-B498-43B3-948B-1728B52AA6E4}">
-                <adec:decorative xmlns="" xmlns:adec="http://schemas.microsoft.com/office/drawing/2017/decorative" val="1"/>
+                <adec:decorative xmlns:adec="http://schemas.microsoft.com/office/drawing/2017/decorative" val="1"/>
               </a:ext>
             </a:extLst>
           </p:cNvPr>
@@ -7578,7 +7630,7 @@
                 <a16:creationId xmlns:a16="http://schemas.microsoft.com/office/drawing/2014/main" id="{EA67B5B4-3A24-436E-B663-1B2EBFF8A0CD}"/>
               </a:ext>
               <a:ext uri="{C183D7F6-B498-43B3-948B-1728B52AA6E4}">
-                <adec:decorative xmlns="" xmlns:adec="http://schemas.microsoft.com/office/drawing/2017/decorative" val="1"/>
+                <adec:decorative xmlns:adec="http://schemas.microsoft.com/office/drawing/2017/decorative" val="1"/>
               </a:ext>
             </a:extLst>
           </p:cNvPr>
@@ -7641,7 +7693,7 @@
                 <a16:creationId xmlns:a16="http://schemas.microsoft.com/office/drawing/2014/main" id="{987FDF89-C993-41F4-A1B8-DBAFF16008A9}"/>
               </a:ext>
               <a:ext uri="{C183D7F6-B498-43B3-948B-1728B52AA6E4}">
-                <adec:decorative xmlns="" xmlns:adec="http://schemas.microsoft.com/office/drawing/2017/decorative" val="1"/>
+                <adec:decorative xmlns:adec="http://schemas.microsoft.com/office/drawing/2017/decorative" val="1"/>
               </a:ext>
             </a:extLst>
           </p:cNvPr>
@@ -7749,7 +7801,7 @@
                 <a16:creationId xmlns:a16="http://schemas.microsoft.com/office/drawing/2014/main" id="{64E585EA-75FD-4025-8270-F66A58A15CDA}"/>
               </a:ext>
               <a:ext uri="{C183D7F6-B498-43B3-948B-1728B52AA6E4}">
-                <adec:decorative xmlns="" xmlns:adec="http://schemas.microsoft.com/office/drawing/2017/decorative" val="1"/>
+                <adec:decorative xmlns:adec="http://schemas.microsoft.com/office/drawing/2017/decorative" val="1"/>
               </a:ext>
             </a:extLst>
           </p:cNvPr>
@@ -7977,7 +8029,7 @@
                 <a16:creationId xmlns:a16="http://schemas.microsoft.com/office/drawing/2014/main" id="{EA67B5B4-3A24-436E-B663-1B2EBFF8A0CD}"/>
               </a:ext>
               <a:ext uri="{C183D7F6-B498-43B3-948B-1728B52AA6E4}">
-                <adec:decorative xmlns="" xmlns:adec="http://schemas.microsoft.com/office/drawing/2017/decorative" val="1"/>
+                <adec:decorative xmlns:adec="http://schemas.microsoft.com/office/drawing/2017/decorative" val="1"/>
               </a:ext>
             </a:extLst>
           </p:cNvPr>
@@ -8040,7 +8092,7 @@
                 <a16:creationId xmlns:a16="http://schemas.microsoft.com/office/drawing/2014/main" id="{987FDF89-C993-41F4-A1B8-DBAFF16008A9}"/>
               </a:ext>
               <a:ext uri="{C183D7F6-B498-43B3-948B-1728B52AA6E4}">
-                <adec:decorative xmlns="" xmlns:adec="http://schemas.microsoft.com/office/drawing/2017/decorative" val="1"/>
+                <adec:decorative xmlns:adec="http://schemas.microsoft.com/office/drawing/2017/decorative" val="1"/>
               </a:ext>
             </a:extLst>
           </p:cNvPr>
@@ -8148,7 +8200,7 @@
                 <a16:creationId xmlns:a16="http://schemas.microsoft.com/office/drawing/2014/main" id="{64E585EA-75FD-4025-8270-F66A58A15CDA}"/>
               </a:ext>
               <a:ext uri="{C183D7F6-B498-43B3-948B-1728B52AA6E4}">
-                <adec:decorative xmlns="" xmlns:adec="http://schemas.microsoft.com/office/drawing/2017/decorative" val="1"/>
+                <adec:decorative xmlns:adec="http://schemas.microsoft.com/office/drawing/2017/decorative" val="1"/>
               </a:ext>
             </a:extLst>
           </p:cNvPr>
@@ -8328,16 +8380,67 @@
                   <a:srgbClr val="FFFFFF"/>
                 </a:solidFill>
               </a:rPr>
-              <a:t>H2</a:t>
-            </a:r>
-            <a:endParaRPr lang="de-DE" sz="2000" dirty="0">
-              <a:solidFill>
-                <a:srgbClr val="FFFFFF"/>
-              </a:solidFill>
-            </a:endParaRPr>
-          </a:p>
-        </p:txBody>
-      </p:sp>
+              <a:t>Database: H2</a:t>
+            </a:r>
+          </a:p>
+          <a:p>
+            <a:r>
+              <a:rPr lang="en-GB" sz="2000" dirty="0">
+                <a:solidFill>
+                  <a:srgbClr val="FFFFFF"/>
+                </a:solidFill>
+              </a:rPr>
+              <a:t>Test: write to the database 1000 times (game results) </a:t>
+            </a:r>
+          </a:p>
+          <a:p>
+            <a:r>
+              <a:rPr lang="de-DE" sz="2000" dirty="0">
+                <a:solidFill>
+                  <a:srgbClr val="FFFFFF"/>
+                </a:solidFill>
+              </a:rPr>
+              <a:t>Timing: </a:t>
+            </a:r>
+          </a:p>
+        </p:txBody>
+      </p:sp>
+      <p:pic>
+        <p:nvPicPr>
+          <p:cNvPr id="8" name="Content Placeholder 6">
+            <a:extLst>
+              <a:ext uri="{FF2B5EF4-FFF2-40B4-BE49-F238E27FC236}">
+                <a16:creationId xmlns:a16="http://schemas.microsoft.com/office/drawing/2014/main" id="{5036CE63-7B1F-884D-A49A-EB17B6B99349}"/>
+              </a:ext>
+            </a:extLst>
+          </p:cNvPr>
+          <p:cNvPicPr>
+            <a:picLocks noChangeAspect="1"/>
+          </p:cNvPicPr>
+          <p:nvPr/>
+        </p:nvPicPr>
+        <p:blipFill>
+          <a:blip r:embed="rId2">
+            <a:extLst>
+              <a:ext uri="{28A0092B-C50C-407E-A947-70E740481C1C}">
+                <a14:useLocalDpi xmlns:a14="http://schemas.microsoft.com/office/drawing/2010/main" val="0"/>
+              </a:ext>
+            </a:extLst>
+          </a:blip>
+          <a:stretch>
+            <a:fillRect/>
+          </a:stretch>
+        </p:blipFill>
+        <p:spPr>
+          <a:xfrm>
+            <a:off x="833004" y="3227408"/>
+            <a:ext cx="10515596" cy="2093872"/>
+          </a:xfrm>
+          <a:prstGeom prst="rect">
+            <a:avLst/>
+          </a:prstGeom>
+        </p:spPr>
+      </p:pic>
     </p:spTree>
     <p:extLst>
       <p:ext uri="{BB962C8B-B14F-4D97-AF65-F5344CB8AC3E}">

--- a/swar_learn_duel.pptx
+++ b/swar_learn_duel.pptx
@@ -5,7 +5,7 @@
     <p:sldMasterId id="2147483648" r:id="rId1"/>
   </p:sldMasterIdLst>
   <p:notesMasterIdLst>
-    <p:notesMasterId r:id="rId23"/>
+    <p:notesMasterId r:id="rId22"/>
   </p:notesMasterIdLst>
   <p:sldIdLst>
     <p:sldId id="256" r:id="rId2"/>
@@ -25,10 +25,9 @@
     <p:sldId id="266" r:id="rId16"/>
     <p:sldId id="268" r:id="rId17"/>
     <p:sldId id="270" r:id="rId18"/>
-    <p:sldId id="269" r:id="rId19"/>
-    <p:sldId id="267" r:id="rId20"/>
-    <p:sldId id="275" r:id="rId21"/>
-    <p:sldId id="276" r:id="rId22"/>
+    <p:sldId id="267" r:id="rId19"/>
+    <p:sldId id="275" r:id="rId20"/>
+    <p:sldId id="276" r:id="rId21"/>
   </p:sldIdLst>
   <p:sldSz cx="12192000" cy="6858000"/>
   <p:notesSz cx="6858000" cy="9144000"/>
@@ -135,10 +134,6 @@
 </p:presentation>
 </file>
 
-<file path=ppt/revisionInfo.xml><?xml version="1.0" encoding="utf-8"?>
-<p1510:revInfo xmlns:a="http://schemas.openxmlformats.org/drawingml/2006/main" xmlns:r="http://schemas.openxmlformats.org/officeDocument/2006/relationships" xmlns:p1510="http://schemas.microsoft.com/office/powerpoint/2015/10/main"/>
-</file>
-
 <file path=ppt/notesMasters/notesMaster1.xml><?xml version="1.0" encoding="utf-8"?>
 <p:notesMaster xmlns:a="http://schemas.openxmlformats.org/drawingml/2006/main" xmlns:r="http://schemas.openxmlformats.org/officeDocument/2006/relationships" xmlns:p="http://schemas.openxmlformats.org/presentationml/2006/main">
   <p:cSld>
@@ -221,7 +216,7 @@
           <a:p>
             <a:fld id="{00415DF2-79BD-4C64-A5B8-D9BBB90DCD43}" type="datetimeFigureOut">
               <a:rPr lang="de-DE" smtClean="0"/>
-              <a:t>26.06.2018</a:t>
+              <a:t>26.06.18</a:t>
             </a:fld>
             <a:endParaRPr lang="de-DE"/>
           </a:p>
@@ -2376,10 +2371,17 @@
               <a:buChar char="-"/>
             </a:pPr>
             <a:r>
-              <a:rPr lang="en-GB" dirty="0"/>
-              <a:t>TODO LIO</a:t>
-            </a:r>
-            <a:endParaRPr lang="de-DE" dirty="0"/>
+              <a:rPr lang="de-DE" dirty="0"/>
+              <a:t>Ein </a:t>
+            </a:r>
+            <a:r>
+              <a:rPr lang="de-DE" dirty="0" err="1"/>
+              <a:t>Spielergenis</a:t>
+            </a:r>
+            <a:r>
+              <a:rPr lang="de-DE" dirty="0"/>
+              <a:t> mit zwei Spielern wird in den Tests angelegt und 1000 mal in der Datenbank hinterlegt.</a:t>
+            </a:r>
           </a:p>
         </p:txBody>
       </p:sp>
@@ -2480,9 +2482,119 @@
             </a:pPr>
             <a:r>
               <a:rPr lang="en-GB" dirty="0"/>
-              <a:t>TODO LIO</a:t>
-            </a:r>
-            <a:endParaRPr lang="de-DE" dirty="0"/>
+              <a:t>Der </a:t>
+            </a:r>
+            <a:r>
+              <a:rPr lang="en-GB" dirty="0" err="1"/>
+              <a:t>Vergleich</a:t>
+            </a:r>
+            <a:r>
+              <a:rPr lang="en-GB" dirty="0"/>
+              <a:t> </a:t>
+            </a:r>
+            <a:r>
+              <a:rPr lang="en-GB" dirty="0" err="1"/>
+              <a:t>wurde</a:t>
+            </a:r>
+            <a:r>
+              <a:rPr lang="en-GB" dirty="0"/>
+              <a:t> </a:t>
+            </a:r>
+            <a:r>
+              <a:rPr lang="en-GB" dirty="0" err="1"/>
+              <a:t>über</a:t>
+            </a:r>
+            <a:r>
+              <a:rPr lang="en-GB" dirty="0"/>
+              <a:t> die </a:t>
+            </a:r>
+            <a:r>
+              <a:rPr lang="en-GB" dirty="0" err="1"/>
+              <a:t>Testoberfläche</a:t>
+            </a:r>
+            <a:r>
+              <a:rPr lang="en-GB" dirty="0"/>
+              <a:t> von Idea und </a:t>
+            </a:r>
+            <a:r>
+              <a:rPr lang="en-GB" dirty="0" err="1"/>
+              <a:t>dem</a:t>
+            </a:r>
+            <a:r>
+              <a:rPr lang="en-GB" dirty="0"/>
+              <a:t> Tool </a:t>
+            </a:r>
+            <a:r>
+              <a:rPr lang="en-GB" dirty="0" err="1"/>
+              <a:t>visualvm</a:t>
+            </a:r>
+            <a:r>
+              <a:rPr lang="en-GB" dirty="0"/>
+              <a:t> </a:t>
+            </a:r>
+            <a:r>
+              <a:rPr lang="en-GB" dirty="0" err="1"/>
+              <a:t>durchgeführt</a:t>
+            </a:r>
+            <a:endParaRPr lang="en-GB" dirty="0"/>
+          </a:p>
+          <a:p>
+            <a:pPr marL="171450" indent="-171450">
+              <a:buFontTx/>
+              <a:buChar char="-"/>
+            </a:pPr>
+            <a:r>
+              <a:rPr lang="en-GB" dirty="0"/>
+              <a:t>Die </a:t>
+            </a:r>
+            <a:r>
+              <a:rPr lang="en-GB" dirty="0" err="1"/>
+              <a:t>Datenbank</a:t>
+            </a:r>
+            <a:r>
+              <a:rPr lang="en-GB" dirty="0"/>
+              <a:t> h2 hat in den </a:t>
+            </a:r>
+            <a:r>
+              <a:rPr lang="en-GB" dirty="0" err="1"/>
+              <a:t>Testläufen</a:t>
+            </a:r>
+            <a:r>
+              <a:rPr lang="en-GB" dirty="0"/>
+              <a:t> ca. 40 </a:t>
+            </a:r>
+            <a:r>
+              <a:rPr lang="en-GB" dirty="0" err="1"/>
+              <a:t>Sekunden</a:t>
+            </a:r>
+            <a:r>
+              <a:rPr lang="en-GB" dirty="0"/>
+              <a:t> </a:t>
+            </a:r>
+            <a:r>
+              <a:rPr lang="en-GB" dirty="0" err="1"/>
+              <a:t>benötigt</a:t>
+            </a:r>
+            <a:r>
+              <a:rPr lang="en-GB" dirty="0"/>
+              <a:t> um 1000 </a:t>
+            </a:r>
+            <a:r>
+              <a:rPr lang="en-GB" dirty="0" err="1"/>
+              <a:t>Einträge</a:t>
+            </a:r>
+            <a:r>
+              <a:rPr lang="en-GB" dirty="0"/>
+              <a:t> </a:t>
+            </a:r>
+            <a:r>
+              <a:rPr lang="en-GB" dirty="0" err="1"/>
+              <a:t>abzusichern</a:t>
+            </a:r>
+            <a:r>
+              <a:rPr lang="en-GB" dirty="0"/>
+              <a:t>.</a:t>
+            </a:r>
           </a:p>
         </p:txBody>
       </p:sp>
@@ -2582,10 +2694,85 @@
               <a:buChar char="-"/>
             </a:pPr>
             <a:r>
-              <a:rPr lang="en-GB" dirty="0"/>
-              <a:t>TODO LIO</a:t>
-            </a:r>
-            <a:endParaRPr lang="de-DE" dirty="0"/>
+              <a:rPr lang="en-GB" dirty="0" err="1"/>
+              <a:t>Im</a:t>
+            </a:r>
+            <a:r>
+              <a:rPr lang="en-GB" dirty="0"/>
+              <a:t> </a:t>
+            </a:r>
+            <a:r>
+              <a:rPr lang="en-GB" dirty="0" err="1"/>
+              <a:t>Vergleich</a:t>
+            </a:r>
+            <a:r>
+              <a:rPr lang="en-GB" dirty="0"/>
+              <a:t> </a:t>
+            </a:r>
+            <a:r>
+              <a:rPr lang="en-GB" dirty="0" err="1"/>
+              <a:t>zu</a:t>
+            </a:r>
+            <a:r>
+              <a:rPr lang="en-GB" dirty="0"/>
+              <a:t> </a:t>
+            </a:r>
+            <a:r>
+              <a:rPr lang="en-GB" dirty="0" err="1"/>
+              <a:t>Mongodb</a:t>
+            </a:r>
+            <a:r>
+              <a:rPr lang="en-GB" dirty="0"/>
+              <a:t> </a:t>
+            </a:r>
+            <a:r>
+              <a:rPr lang="en-GB" dirty="0" err="1"/>
+              <a:t>ist</a:t>
+            </a:r>
+            <a:r>
+              <a:rPr lang="en-GB" dirty="0"/>
+              <a:t> h2 out of the Box </a:t>
+            </a:r>
+            <a:r>
+              <a:rPr lang="en-GB" dirty="0" err="1"/>
+              <a:t>deutlich</a:t>
+            </a:r>
+            <a:r>
+              <a:rPr lang="en-GB" dirty="0"/>
+              <a:t> </a:t>
+            </a:r>
+            <a:r>
+              <a:rPr lang="en-GB" dirty="0" err="1"/>
+              <a:t>langsamer</a:t>
+            </a:r>
+            <a:r>
+              <a:rPr lang="en-GB" dirty="0"/>
+              <a:t> auf </a:t>
+            </a:r>
+            <a:r>
+              <a:rPr lang="en-GB" dirty="0" err="1"/>
+              <a:t>unserem</a:t>
+            </a:r>
+            <a:r>
+              <a:rPr lang="en-GB" dirty="0"/>
+              <a:t> </a:t>
+            </a:r>
+            <a:r>
+              <a:rPr lang="en-GB" dirty="0" err="1"/>
+              <a:t>Testsystem</a:t>
+            </a:r>
+            <a:r>
+              <a:rPr lang="en-GB" dirty="0"/>
+              <a:t> </a:t>
+            </a:r>
+            <a:r>
+              <a:rPr lang="en-GB" dirty="0" err="1"/>
+              <a:t>gewesen</a:t>
+            </a:r>
+            <a:r>
+              <a:rPr lang="en-GB" dirty="0"/>
+              <a:t>.</a:t>
+            </a:r>
           </a:p>
         </p:txBody>
       </p:sp>
@@ -2686,9 +2873,58 @@
             </a:pPr>
             <a:r>
               <a:rPr lang="en-GB" dirty="0"/>
-              <a:t>TODO LIO</a:t>
-            </a:r>
-            <a:endParaRPr lang="de-DE" dirty="0"/>
+              <a:t>Das Performance Profiling </a:t>
+            </a:r>
+            <a:r>
+              <a:rPr lang="en-GB" dirty="0" err="1"/>
+              <a:t>haben</a:t>
+            </a:r>
+            <a:r>
+              <a:rPr lang="en-GB" dirty="0"/>
+              <a:t> </a:t>
+            </a:r>
+            <a:r>
+              <a:rPr lang="en-GB" dirty="0" err="1"/>
+              <a:t>wir</a:t>
+            </a:r>
+            <a:r>
+              <a:rPr lang="en-GB" dirty="0"/>
+              <a:t> </a:t>
+            </a:r>
+            <a:r>
+              <a:rPr lang="en-GB" dirty="0" err="1"/>
+              <a:t>über</a:t>
+            </a:r>
+            <a:r>
+              <a:rPr lang="en-GB" dirty="0"/>
+              <a:t> Gatling </a:t>
+            </a:r>
+            <a:r>
+              <a:rPr lang="en-GB" dirty="0" err="1"/>
+              <a:t>realisiert</a:t>
+            </a:r>
+            <a:r>
+              <a:rPr lang="de-DE" dirty="0"/>
+              <a:t>.</a:t>
+            </a:r>
+          </a:p>
+          <a:p>
+            <a:pPr marL="171450" indent="-171450">
+              <a:buFontTx/>
+              <a:buChar char="-"/>
+            </a:pPr>
+            <a:r>
+              <a:rPr lang="de-DE" dirty="0"/>
+              <a:t>Unseren Controller haben wir über einen Zeitraum von 15 Sekunden mit unterschiedlich vielen Nutzern bzw. Anfragen beschäftigt, um die Grenzen des Systems herauszufinden. </a:t>
+            </a:r>
+            <a:endParaRPr lang="en-GB" dirty="0"/>
+          </a:p>
+          <a:p>
+            <a:pPr marL="171450" indent="-171450">
+              <a:buFontTx/>
+              <a:buChar char="-"/>
+            </a:pPr>
+            <a:endParaRPr lang="en-GB" dirty="0"/>
           </a:p>
         </p:txBody>
       </p:sp>
@@ -2718,7 +2954,7 @@
     </p:spTree>
     <p:extLst>
       <p:ext uri="{BB962C8B-B14F-4D97-AF65-F5344CB8AC3E}">
-        <p14:creationId xmlns:p14="http://schemas.microsoft.com/office/powerpoint/2010/main" val="1928228923"/>
+        <p14:creationId xmlns:p14="http://schemas.microsoft.com/office/powerpoint/2010/main" val="104225147"/>
       </p:ext>
     </p:extLst>
   </p:cSld>
@@ -2788,10 +3024,69 @@
               <a:buChar char="-"/>
             </a:pPr>
             <a:r>
-              <a:rPr lang="en-GB" dirty="0"/>
-              <a:t>TODO LIO</a:t>
-            </a:r>
-            <a:endParaRPr lang="de-DE" dirty="0"/>
+              <a:rPr lang="en-GB" dirty="0" err="1"/>
+              <a:t>Mit</a:t>
+            </a:r>
+            <a:r>
+              <a:rPr lang="en-GB" dirty="0"/>
+              <a:t> </a:t>
+            </a:r>
+            <a:r>
+              <a:rPr lang="en-GB" dirty="0" err="1"/>
+              <a:t>dem</a:t>
+            </a:r>
+            <a:r>
+              <a:rPr lang="en-GB" dirty="0"/>
+              <a:t> Recorder von Gatling </a:t>
+            </a:r>
+            <a:r>
+              <a:rPr lang="en-GB" dirty="0" err="1"/>
+              <a:t>haben</a:t>
+            </a:r>
+            <a:r>
+              <a:rPr lang="en-GB" dirty="0"/>
+              <a:t> </a:t>
+            </a:r>
+            <a:r>
+              <a:rPr lang="en-GB" dirty="0" err="1"/>
+              <a:t>wir</a:t>
+            </a:r>
+            <a:r>
+              <a:rPr lang="en-GB" dirty="0"/>
+              <a:t> </a:t>
+            </a:r>
+            <a:r>
+              <a:rPr lang="en-GB" dirty="0" err="1"/>
+              <a:t>eine</a:t>
+            </a:r>
+            <a:r>
+              <a:rPr lang="en-GB" dirty="0"/>
+              <a:t> Simulation </a:t>
+            </a:r>
+            <a:r>
+              <a:rPr lang="en-GB" dirty="0" err="1"/>
+              <a:t>aufgenommen</a:t>
+            </a:r>
+            <a:r>
+              <a:rPr lang="en-GB" dirty="0"/>
+              <a:t> und </a:t>
+            </a:r>
+            <a:r>
+              <a:rPr lang="en-GB" dirty="0" err="1"/>
+              <a:t>anschließend</a:t>
+            </a:r>
+            <a:r>
+              <a:rPr lang="en-GB" dirty="0"/>
+              <a:t> </a:t>
+            </a:r>
+            <a:r>
+              <a:rPr lang="en-GB" dirty="0" err="1"/>
+              <a:t>erweitert</a:t>
+            </a:r>
+            <a:r>
+              <a:rPr lang="en-GB" dirty="0"/>
+              <a:t>.</a:t>
+            </a:r>
           </a:p>
         </p:txBody>
       </p:sp>
@@ -2821,7 +3116,7 @@
     </p:spTree>
     <p:extLst>
       <p:ext uri="{BB962C8B-B14F-4D97-AF65-F5344CB8AC3E}">
-        <p14:creationId xmlns:p14="http://schemas.microsoft.com/office/powerpoint/2010/main" val="104225147"/>
+        <p14:creationId xmlns:p14="http://schemas.microsoft.com/office/powerpoint/2010/main" val="2113096567"/>
       </p:ext>
     </p:extLst>
   </p:cSld>
@@ -2972,9 +3267,68 @@
             </a:pPr>
             <a:r>
               <a:rPr lang="en-GB" dirty="0" err="1"/>
-              <a:t>Lio</a:t>
-            </a:r>
-            <a:endParaRPr lang="en-GB" dirty="0"/>
+              <a:t>Wir</a:t>
+            </a:r>
+            <a:r>
+              <a:rPr lang="en-GB" dirty="0"/>
+              <a:t> </a:t>
+            </a:r>
+            <a:r>
+              <a:rPr lang="en-GB" dirty="0" err="1"/>
+              <a:t>durchlaufen</a:t>
+            </a:r>
+            <a:r>
+              <a:rPr lang="en-GB" dirty="0"/>
+              <a:t> </a:t>
+            </a:r>
+            <a:r>
+              <a:rPr lang="en-GB" dirty="0" err="1"/>
+              <a:t>jeweils</a:t>
+            </a:r>
+            <a:r>
+              <a:rPr lang="en-GB" dirty="0"/>
+              <a:t> </a:t>
+            </a:r>
+            <a:r>
+              <a:rPr lang="en-GB" dirty="0" err="1"/>
+              <a:t>ein</a:t>
+            </a:r>
+            <a:r>
+              <a:rPr lang="en-GB" dirty="0"/>
+              <a:t> </a:t>
+            </a:r>
+            <a:r>
+              <a:rPr lang="en-GB" dirty="0" err="1"/>
+              <a:t>Spielszenario</a:t>
+            </a:r>
+            <a:r>
+              <a:rPr lang="en-GB" dirty="0"/>
+              <a:t>, </a:t>
+            </a:r>
+            <a:r>
+              <a:rPr lang="en-GB" dirty="0" err="1"/>
+              <a:t>bei</a:t>
+            </a:r>
+            <a:r>
+              <a:rPr lang="en-GB" dirty="0"/>
+              <a:t> </a:t>
+            </a:r>
+            <a:r>
+              <a:rPr lang="en-GB" dirty="0" err="1"/>
+              <a:t>dem</a:t>
+            </a:r>
+            <a:r>
+              <a:rPr lang="en-GB" dirty="0"/>
+              <a:t> </a:t>
+            </a:r>
+            <a:r>
+              <a:rPr lang="en-GB" dirty="0" err="1"/>
+              <a:t>sich</a:t>
+            </a:r>
+            <a:r>
+              <a:rPr lang="en-GB" dirty="0"/>
+              <a:t> </a:t>
+            </a:r>
           </a:p>
           <a:p>
             <a:pPr marL="171450" indent="-171450">
@@ -2983,91 +3337,25 @@
             </a:pPr>
             <a:r>
               <a:rPr lang="en-GB" dirty="0"/>
-              <a:t>TODO LIO</a:t>
-            </a:r>
-            <a:endParaRPr lang="de-DE" dirty="0"/>
-          </a:p>
-        </p:txBody>
-      </p:sp>
-      <p:sp>
-        <p:nvSpPr>
-          <p:cNvPr id="4" name="Slide Number Placeholder 3"/>
-          <p:cNvSpPr>
-            <a:spLocks noGrp="1"/>
-          </p:cNvSpPr>
-          <p:nvPr>
-            <p:ph type="sldNum" sz="quarter" idx="10"/>
-          </p:nvPr>
-        </p:nvSpPr>
-        <p:spPr/>
-        <p:txBody>
-          <a:bodyPr/>
-          <a:lstStyle/>
-          <a:p>
-            <a:fld id="{CFD91270-E865-4658-8F82-5675740E705C}" type="slidenum">
-              <a:rPr lang="de-DE" smtClean="0"/>
-              <a:t>20</a:t>
-            </a:fld>
-            <a:endParaRPr lang="de-DE"/>
-          </a:p>
-        </p:txBody>
-      </p:sp>
-    </p:spTree>
-    <p:extLst>
-      <p:ext uri="{BB962C8B-B14F-4D97-AF65-F5344CB8AC3E}">
-        <p14:creationId xmlns:p14="http://schemas.microsoft.com/office/powerpoint/2010/main" val="2113096567"/>
-      </p:ext>
-    </p:extLst>
-  </p:cSld>
-  <p:clrMapOvr>
-    <a:masterClrMapping/>
-  </p:clrMapOvr>
-</p:notes>
-</file>
-
-<file path=ppt/notesSlides/notesSlide21.xml><?xml version="1.0" encoding="utf-8"?>
-<p:notes xmlns:a="http://schemas.openxmlformats.org/drawingml/2006/main" xmlns:r="http://schemas.openxmlformats.org/officeDocument/2006/relationships" xmlns:p="http://schemas.openxmlformats.org/presentationml/2006/main">
-  <p:cSld>
-    <p:spTree>
-      <p:nvGrpSpPr>
-        <p:cNvPr id="1" name=""/>
-        <p:cNvGrpSpPr/>
-        <p:nvPr/>
-      </p:nvGrpSpPr>
-      <p:grpSpPr>
-        <a:xfrm>
-          <a:off x="0" y="0"/>
-          <a:ext cx="0" cy="0"/>
-          <a:chOff x="0" y="0"/>
-          <a:chExt cx="0" cy="0"/>
-        </a:xfrm>
-      </p:grpSpPr>
-      <p:sp>
-        <p:nvSpPr>
-          <p:cNvPr id="2" name="Slide Image Placeholder 1"/>
-          <p:cNvSpPr>
-            <a:spLocks noGrp="1" noRot="1" noChangeAspect="1"/>
-          </p:cNvSpPr>
-          <p:nvPr>
-            <p:ph type="sldImg"/>
-          </p:nvPr>
-        </p:nvSpPr>
-        <p:spPr/>
-      </p:sp>
-      <p:sp>
-        <p:nvSpPr>
-          <p:cNvPr id="3" name="Notes Placeholder 2"/>
-          <p:cNvSpPr>
-            <a:spLocks noGrp="1"/>
-          </p:cNvSpPr>
-          <p:nvPr>
-            <p:ph type="body" idx="1"/>
-          </p:nvPr>
-        </p:nvSpPr>
-        <p:spPr/>
-        <p:txBody>
-          <a:bodyPr/>
-          <a:lstStyle/>
+              <a:t>der </a:t>
+            </a:r>
+            <a:r>
+              <a:rPr lang="en-GB" dirty="0" err="1"/>
+              <a:t>Nutzer</a:t>
+            </a:r>
+            <a:r>
+              <a:rPr lang="en-GB" dirty="0"/>
+              <a:t> </a:t>
+            </a:r>
+            <a:r>
+              <a:rPr lang="en-GB" dirty="0" err="1"/>
+              <a:t>registriert</a:t>
+            </a:r>
+            <a:r>
+              <a:rPr lang="en-GB" dirty="0"/>
+              <a:t>, </a:t>
+            </a:r>
+          </a:p>
           <a:p>
             <a:pPr marL="171450" indent="-171450">
               <a:buFontTx/>
@@ -3075,9 +3363,44 @@
             </a:pPr>
             <a:r>
               <a:rPr lang="en-GB" dirty="0" err="1"/>
-              <a:t>Lio</a:t>
-            </a:r>
-            <a:endParaRPr lang="en-GB" dirty="0"/>
+              <a:t>ein</a:t>
+            </a:r>
+            <a:r>
+              <a:rPr lang="en-GB" dirty="0"/>
+              <a:t> </a:t>
+            </a:r>
+            <a:r>
+              <a:rPr lang="en-GB" dirty="0" err="1"/>
+              <a:t>zweiter</a:t>
+            </a:r>
+            <a:r>
+              <a:rPr lang="en-GB" dirty="0"/>
+              <a:t> </a:t>
+            </a:r>
+            <a:r>
+              <a:rPr lang="en-GB" dirty="0" err="1"/>
+              <a:t>Spieler</a:t>
+            </a:r>
+            <a:r>
+              <a:rPr lang="en-GB" dirty="0"/>
+              <a:t> </a:t>
+            </a:r>
+            <a:r>
+              <a:rPr lang="en-GB" dirty="0" err="1"/>
+              <a:t>hinzugefügt</a:t>
+            </a:r>
+            <a:r>
+              <a:rPr lang="en-GB" dirty="0"/>
+              <a:t> </a:t>
+            </a:r>
+            <a:r>
+              <a:rPr lang="en-GB" dirty="0" err="1"/>
+              <a:t>wird</a:t>
+            </a:r>
+            <a:r>
+              <a:rPr lang="en-GB" dirty="0"/>
+              <a:t>, </a:t>
+            </a:r>
           </a:p>
           <a:p>
             <a:pPr marL="171450" indent="-171450">
@@ -3086,9 +3409,235 @@
             </a:pPr>
             <a:r>
               <a:rPr lang="en-GB" dirty="0"/>
-              <a:t>TODO LIO</a:t>
-            </a:r>
-            <a:endParaRPr lang="de-DE" dirty="0"/>
+              <a:t>der </a:t>
+            </a:r>
+            <a:r>
+              <a:rPr lang="en-GB" dirty="0" err="1"/>
+              <a:t>zweite</a:t>
+            </a:r>
+            <a:r>
+              <a:rPr lang="en-GB" dirty="0"/>
+              <a:t> </a:t>
+            </a:r>
+            <a:r>
+              <a:rPr lang="en-GB" dirty="0" err="1"/>
+              <a:t>Spieler</a:t>
+            </a:r>
+            <a:r>
+              <a:rPr lang="en-GB" dirty="0"/>
+              <a:t> </a:t>
+            </a:r>
+            <a:r>
+              <a:rPr lang="en-GB" dirty="0" err="1"/>
+              <a:t>wieder</a:t>
+            </a:r>
+            <a:r>
+              <a:rPr lang="en-GB" dirty="0"/>
+              <a:t> </a:t>
+            </a:r>
+            <a:r>
+              <a:rPr lang="en-GB" dirty="0" err="1"/>
+              <a:t>gelöscht</a:t>
+            </a:r>
+            <a:r>
+              <a:rPr lang="en-GB" dirty="0"/>
+              <a:t> </a:t>
+            </a:r>
+            <a:r>
+              <a:rPr lang="en-GB" dirty="0" err="1"/>
+              <a:t>wird</a:t>
+            </a:r>
+            <a:endParaRPr lang="en-GB" dirty="0"/>
+          </a:p>
+          <a:p>
+            <a:pPr marL="171450" indent="-171450">
+              <a:buFontTx/>
+              <a:buChar char="-"/>
+            </a:pPr>
+            <a:r>
+              <a:rPr lang="en-GB" dirty="0"/>
+              <a:t>Das Spiel </a:t>
+            </a:r>
+            <a:r>
+              <a:rPr lang="en-GB" dirty="0" err="1"/>
+              <a:t>begonnen</a:t>
+            </a:r>
+            <a:r>
+              <a:rPr lang="en-GB" dirty="0"/>
+              <a:t> </a:t>
+            </a:r>
+            <a:r>
+              <a:rPr lang="en-GB" dirty="0" err="1"/>
+              <a:t>wird</a:t>
+            </a:r>
+            <a:r>
+              <a:rPr lang="en-GB" dirty="0"/>
+              <a:t> </a:t>
+            </a:r>
+          </a:p>
+          <a:p>
+            <a:pPr marL="171450" indent="-171450">
+              <a:buFontTx/>
+              <a:buChar char="-"/>
+            </a:pPr>
+            <a:r>
+              <a:rPr lang="en-GB" dirty="0"/>
+              <a:t>Und die </a:t>
+            </a:r>
+            <a:r>
+              <a:rPr lang="en-GB" dirty="0" err="1"/>
+              <a:t>Testfragen</a:t>
+            </a:r>
+            <a:r>
+              <a:rPr lang="en-GB" dirty="0"/>
+              <a:t> </a:t>
+            </a:r>
+            <a:r>
+              <a:rPr lang="en-GB" dirty="0" err="1"/>
+              <a:t>beantwortet</a:t>
+            </a:r>
+            <a:r>
+              <a:rPr lang="en-GB" dirty="0"/>
+              <a:t> warden.</a:t>
+            </a:r>
+          </a:p>
+          <a:p>
+            <a:pPr marL="171450" indent="-171450">
+              <a:buFontTx/>
+              <a:buChar char="-"/>
+            </a:pPr>
+            <a:r>
+              <a:rPr lang="en-GB" dirty="0"/>
+              <a:t>Um den Workload </a:t>
+            </a:r>
+            <a:r>
+              <a:rPr lang="en-GB" dirty="0" err="1"/>
+              <a:t>noch</a:t>
+            </a:r>
+            <a:r>
+              <a:rPr lang="en-GB" dirty="0"/>
+              <a:t> </a:t>
+            </a:r>
+            <a:r>
+              <a:rPr lang="en-GB" dirty="0" err="1"/>
+              <a:t>realistischer</a:t>
+            </a:r>
+            <a:r>
+              <a:rPr lang="en-GB" dirty="0"/>
+              <a:t> </a:t>
+            </a:r>
+            <a:r>
+              <a:rPr lang="en-GB" dirty="0" err="1"/>
+              <a:t>zu</a:t>
+            </a:r>
+            <a:r>
+              <a:rPr lang="en-GB" dirty="0"/>
+              <a:t> </a:t>
+            </a:r>
+            <a:r>
+              <a:rPr lang="en-GB" dirty="0" err="1"/>
+              <a:t>gestalten</a:t>
+            </a:r>
+            <a:r>
+              <a:rPr lang="en-GB" dirty="0"/>
+              <a:t>, </a:t>
+            </a:r>
+            <a:r>
+              <a:rPr lang="en-GB" dirty="0" err="1"/>
+              <a:t>haben</a:t>
+            </a:r>
+            <a:r>
+              <a:rPr lang="en-GB" dirty="0"/>
+              <a:t> </a:t>
+            </a:r>
+            <a:r>
+              <a:rPr lang="en-GB" dirty="0" err="1"/>
+              <a:t>wird</a:t>
+            </a:r>
+            <a:r>
+              <a:rPr lang="en-GB" dirty="0"/>
+              <a:t> die </a:t>
+            </a:r>
+            <a:r>
+              <a:rPr lang="en-GB" dirty="0" err="1"/>
+              <a:t>Nutzer</a:t>
+            </a:r>
+            <a:r>
+              <a:rPr lang="en-GB" dirty="0"/>
+              <a:t> </a:t>
+            </a:r>
+            <a:r>
+              <a:rPr lang="en-GB" dirty="0" err="1"/>
+              <a:t>nicht</a:t>
+            </a:r>
+            <a:r>
+              <a:rPr lang="en-GB" dirty="0"/>
+              <a:t> linear </a:t>
+            </a:r>
+            <a:r>
+              <a:rPr lang="en-GB" dirty="0" err="1"/>
+              <a:t>über</a:t>
+            </a:r>
+            <a:r>
+              <a:rPr lang="en-GB" dirty="0"/>
+              <a:t> die Zeit </a:t>
+            </a:r>
+            <a:r>
+              <a:rPr lang="en-GB" dirty="0" err="1"/>
+              <a:t>hinzugefügt</a:t>
+            </a:r>
+            <a:r>
+              <a:rPr lang="en-GB" dirty="0"/>
+              <a:t>, </a:t>
+            </a:r>
+            <a:r>
+              <a:rPr lang="en-GB" dirty="0" err="1"/>
+              <a:t>sondern</a:t>
+            </a:r>
+            <a:r>
+              <a:rPr lang="en-GB" dirty="0"/>
+              <a:t> </a:t>
+            </a:r>
+            <a:r>
+              <a:rPr lang="en-GB" dirty="0" err="1"/>
+              <a:t>Zufällig</a:t>
+            </a:r>
+            <a:r>
+              <a:rPr lang="en-GB" dirty="0"/>
+              <a:t> </a:t>
+            </a:r>
+            <a:r>
+              <a:rPr lang="en-GB" dirty="0" err="1"/>
+              <a:t>innerhalb</a:t>
+            </a:r>
+            <a:r>
+              <a:rPr lang="en-GB" dirty="0"/>
+              <a:t> des </a:t>
+            </a:r>
+            <a:r>
+              <a:rPr lang="en-GB" dirty="0" err="1"/>
+              <a:t>Intervalls</a:t>
+            </a:r>
+            <a:r>
+              <a:rPr lang="en-GB" dirty="0"/>
+              <a:t> von 15 </a:t>
+            </a:r>
+            <a:r>
+              <a:rPr lang="en-GB" dirty="0" err="1"/>
+              <a:t>Sekunden</a:t>
+            </a:r>
+            <a:r>
+              <a:rPr lang="en-GB" dirty="0"/>
+              <a:t> </a:t>
+            </a:r>
+            <a:r>
+              <a:rPr lang="en-GB" dirty="0" err="1"/>
+              <a:t>hinzugefügt</a:t>
+            </a:r>
+            <a:r>
+              <a:rPr lang="en-GB" dirty="0"/>
+              <a:t>.</a:t>
+            </a:r>
           </a:p>
         </p:txBody>
       </p:sp>
@@ -3109,7 +3658,7 @@
           <a:p>
             <a:fld id="{CFD91270-E865-4658-8F82-5675740E705C}" type="slidenum">
               <a:rPr lang="de-DE" smtClean="0"/>
-              <a:t>21</a:t>
+              <a:t>20</a:t>
             </a:fld>
             <a:endParaRPr lang="de-DE"/>
           </a:p>
@@ -3349,7 +3898,7 @@
             </a:pPr>
             <a:r>
               <a:rPr lang="en-GB" dirty="0"/>
-              <a:t>Jonas + Julian</a:t>
+              <a:t>Jonas</a:t>
             </a:r>
           </a:p>
           <a:p>
@@ -3460,11 +4009,7 @@
               <a:buFontTx/>
               <a:buChar char="-"/>
             </a:pPr>
-            <a:r>
-              <a:rPr lang="en-GB" dirty="0"/>
-              <a:t>2: TODO JULIAN</a:t>
-            </a:r>
-            <a:endParaRPr lang="de-DE" dirty="0"/>
+            <a:endParaRPr lang="en-GB" dirty="0"/>
           </a:p>
         </p:txBody>
       </p:sp>
@@ -3926,6 +4471,204 @@
               <a:buFontTx/>
               <a:buChar char="-"/>
             </a:pPr>
+            <a:endParaRPr lang="en-GB" dirty="0"/>
+          </a:p>
+          <a:p>
+            <a:pPr marL="171450" indent="-171450">
+              <a:buFontTx/>
+              <a:buChar char="-"/>
+            </a:pPr>
+            <a:r>
+              <a:rPr lang="en-GB" dirty="0"/>
+              <a:t>Rest </a:t>
+            </a:r>
+            <a:r>
+              <a:rPr lang="en-GB" dirty="0" err="1"/>
+              <a:t>Schnittstelle</a:t>
+            </a:r>
+            <a:r>
+              <a:rPr lang="en-GB" dirty="0"/>
+              <a:t> =&gt; </a:t>
+            </a:r>
+            <a:r>
+              <a:rPr lang="en-GB" dirty="0" err="1"/>
+              <a:t>komplette</a:t>
+            </a:r>
+            <a:r>
+              <a:rPr lang="en-GB" dirty="0"/>
+              <a:t> spiel </a:t>
+            </a:r>
+            <a:r>
+              <a:rPr lang="en-GB" dirty="0" err="1"/>
+              <a:t>spielbar</a:t>
+            </a:r>
+            <a:endParaRPr lang="en-GB" dirty="0"/>
+          </a:p>
+          <a:p>
+            <a:pPr marL="628650" lvl="1" indent="-171450">
+              <a:buFontTx/>
+              <a:buChar char="-"/>
+            </a:pPr>
+            <a:r>
+              <a:rPr lang="en-GB" dirty="0"/>
+              <a:t>PATHPREFIX</a:t>
+            </a:r>
+          </a:p>
+          <a:p>
+            <a:pPr marL="628650" lvl="1" indent="-171450">
+              <a:buFontTx/>
+              <a:buChar char="-"/>
+            </a:pPr>
+            <a:r>
+              <a:rPr lang="en-GB" dirty="0"/>
+              <a:t>Usage also </a:t>
+            </a:r>
+            <a:r>
+              <a:rPr lang="en-GB" dirty="0" err="1"/>
+              <a:t>geben</a:t>
+            </a:r>
+            <a:r>
+              <a:rPr lang="en-GB" dirty="0"/>
+              <a:t> </a:t>
+            </a:r>
+            <a:r>
+              <a:rPr lang="en-GB" dirty="0" err="1"/>
+              <a:t>aus</a:t>
+            </a:r>
+            <a:r>
+              <a:rPr lang="en-GB" dirty="0"/>
+              <a:t> was </a:t>
+            </a:r>
+            <a:r>
+              <a:rPr lang="en-GB" dirty="0" err="1"/>
+              <a:t>für</a:t>
+            </a:r>
+            <a:r>
+              <a:rPr lang="en-GB" dirty="0"/>
+              <a:t> </a:t>
+            </a:r>
+            <a:r>
+              <a:rPr lang="en-GB" dirty="0" err="1"/>
+              <a:t>routen</a:t>
+            </a:r>
+            <a:r>
+              <a:rPr lang="en-GB" dirty="0"/>
+              <a:t> </a:t>
+            </a:r>
+            <a:r>
+              <a:rPr lang="en-GB" dirty="0" err="1"/>
+              <a:t>es</a:t>
+            </a:r>
+            <a:r>
+              <a:rPr lang="en-GB" dirty="0"/>
+              <a:t> </a:t>
+            </a:r>
+            <a:r>
+              <a:rPr lang="en-GB" dirty="0" err="1"/>
+              <a:t>überhaupt</a:t>
+            </a:r>
+            <a:r>
+              <a:rPr lang="en-GB" dirty="0"/>
+              <a:t> </a:t>
+            </a:r>
+            <a:r>
+              <a:rPr lang="en-GB" dirty="0" err="1"/>
+              <a:t>gibt</a:t>
+            </a:r>
+            <a:endParaRPr lang="en-GB" dirty="0"/>
+          </a:p>
+          <a:p>
+            <a:pPr marL="628650" lvl="1" indent="-171450">
+              <a:buFontTx/>
+              <a:buChar char="-"/>
+            </a:pPr>
+            <a:r>
+              <a:rPr lang="en-GB" dirty="0" err="1"/>
+              <a:t>Versionen</a:t>
+            </a:r>
+            <a:r>
+              <a:rPr lang="en-GB" dirty="0"/>
+              <a:t> in den </a:t>
+            </a:r>
+            <a:r>
+              <a:rPr lang="en-GB" dirty="0" err="1"/>
+              <a:t>einzelnen</a:t>
+            </a:r>
+            <a:r>
+              <a:rPr lang="en-GB" dirty="0"/>
+              <a:t> request =&gt; </a:t>
+            </a:r>
+            <a:r>
+              <a:rPr lang="en-GB" dirty="0" err="1"/>
+              <a:t>unterschiedliche</a:t>
+            </a:r>
+            <a:r>
+              <a:rPr lang="en-GB" dirty="0"/>
+              <a:t> </a:t>
+            </a:r>
+            <a:r>
+              <a:rPr lang="en-GB" dirty="0" err="1"/>
+              <a:t>Clientversionen</a:t>
+            </a:r>
+            <a:endParaRPr lang="en-GB" dirty="0"/>
+          </a:p>
+          <a:p>
+            <a:pPr marL="628650" lvl="1" indent="-171450">
+              <a:buFontTx/>
+              <a:buChar char="-"/>
+            </a:pPr>
+            <a:r>
+              <a:rPr lang="en-GB" dirty="0"/>
+              <a:t>Substantive!</a:t>
+            </a:r>
+          </a:p>
+          <a:p>
+            <a:pPr marL="628650" lvl="1" indent="-171450">
+              <a:buFontTx/>
+              <a:buChar char="-"/>
+            </a:pPr>
+            <a:r>
+              <a:rPr lang="en-GB" dirty="0"/>
+              <a:t>GET; POST; PUT; DELETE</a:t>
+            </a:r>
+          </a:p>
+          <a:p>
+            <a:pPr marL="628650" lvl="1" indent="-171450">
+              <a:buFontTx/>
+              <a:buChar char="-"/>
+            </a:pPr>
+            <a:r>
+              <a:rPr lang="en-GB" dirty="0" err="1"/>
+              <a:t>StatusCodes</a:t>
+            </a:r>
+            <a:endParaRPr lang="en-GB" dirty="0"/>
+          </a:p>
+          <a:p>
+            <a:pPr marL="628650" lvl="1" indent="-171450">
+              <a:buFontTx/>
+              <a:buChar char="-"/>
+            </a:pPr>
+            <a:endParaRPr lang="en-GB" dirty="0"/>
+          </a:p>
+          <a:p>
+            <a:pPr marL="628650" lvl="1" indent="-171450">
+              <a:buFontTx/>
+              <a:buChar char="-"/>
+            </a:pPr>
+            <a:endParaRPr lang="en-GB" dirty="0"/>
+          </a:p>
+          <a:p>
+            <a:pPr marL="171450" indent="-171450">
+              <a:buFontTx/>
+              <a:buChar char="-"/>
+            </a:pPr>
+            <a:endParaRPr lang="en-GB" dirty="0"/>
+          </a:p>
+          <a:p>
+            <a:pPr marL="171450" indent="-171450">
+              <a:buFontTx/>
+              <a:buChar char="-"/>
+            </a:pPr>
             <a:r>
               <a:rPr lang="en-GB" dirty="0"/>
               <a:t>TODO JULIAN</a:t>
@@ -4030,9 +4773,277 @@
             </a:pPr>
             <a:r>
               <a:rPr lang="en-GB" dirty="0"/>
-              <a:t>TODO JULIAN</a:t>
-            </a:r>
-            <a:endParaRPr lang="de-DE" dirty="0"/>
+              <a:t>Model </a:t>
+            </a:r>
+            <a:r>
+              <a:rPr lang="en-GB" dirty="0" err="1"/>
+              <a:t>schicht</a:t>
+            </a:r>
+            <a:r>
+              <a:rPr lang="en-GB" dirty="0"/>
+              <a:t> </a:t>
+            </a:r>
+            <a:r>
+              <a:rPr lang="en-GB" dirty="0" err="1"/>
+              <a:t>implementiert</a:t>
+            </a:r>
+            <a:r>
+              <a:rPr lang="en-GB" dirty="0"/>
+              <a:t>, </a:t>
+            </a:r>
+            <a:r>
+              <a:rPr lang="en-GB" dirty="0" err="1"/>
+              <a:t>trenner</a:t>
+            </a:r>
+            <a:r>
+              <a:rPr lang="en-GB" dirty="0"/>
+              <a:t> </a:t>
+            </a:r>
+            <a:r>
+              <a:rPr lang="en-GB" dirty="0" err="1"/>
+              <a:t>ist</a:t>
+            </a:r>
+            <a:r>
+              <a:rPr lang="en-GB" dirty="0"/>
+              <a:t> </a:t>
+            </a:r>
+            <a:r>
+              <a:rPr lang="en-GB" dirty="0" err="1"/>
+              <a:t>immer</a:t>
+            </a:r>
+            <a:r>
+              <a:rPr lang="en-GB" dirty="0"/>
+              <a:t> das interface</a:t>
+            </a:r>
+          </a:p>
+          <a:p>
+            <a:pPr marL="171450" indent="-171450">
+              <a:buFontTx/>
+              <a:buChar char="-"/>
+            </a:pPr>
+            <a:r>
+              <a:rPr lang="en-GB" dirty="0"/>
+              <a:t>Companion-Object, das das </a:t>
+            </a:r>
+            <a:r>
+              <a:rPr lang="en-GB" dirty="0" err="1"/>
+              <a:t>eigentliche</a:t>
+            </a:r>
+            <a:r>
+              <a:rPr lang="en-GB" dirty="0"/>
+              <a:t> Interface </a:t>
+            </a:r>
+            <a:r>
+              <a:rPr lang="en-GB" dirty="0" err="1"/>
+              <a:t>implementiert</a:t>
+            </a:r>
+            <a:r>
+              <a:rPr lang="en-GB" dirty="0"/>
+              <a:t> und </a:t>
+            </a:r>
+            <a:r>
+              <a:rPr lang="en-GB" dirty="0" err="1"/>
+              <a:t>dann</a:t>
+            </a:r>
+            <a:r>
+              <a:rPr lang="en-GB" dirty="0"/>
+              <a:t> HTTP-Requests </a:t>
+            </a:r>
+            <a:r>
+              <a:rPr lang="en-GB" dirty="0" err="1"/>
+              <a:t>macht</a:t>
+            </a:r>
+            <a:r>
+              <a:rPr lang="en-GB" dirty="0"/>
+              <a:t> um </a:t>
+            </a:r>
+            <a:r>
+              <a:rPr lang="en-GB" dirty="0" err="1"/>
+              <a:t>sich</a:t>
+            </a:r>
+            <a:r>
+              <a:rPr lang="en-GB" dirty="0"/>
+              <a:t> die </a:t>
+            </a:r>
+            <a:r>
+              <a:rPr lang="en-GB" dirty="0" err="1"/>
+              <a:t>Daten</a:t>
+            </a:r>
+            <a:r>
+              <a:rPr lang="en-GB" dirty="0"/>
+              <a:t> </a:t>
+            </a:r>
+            <a:r>
+              <a:rPr lang="en-GB" dirty="0" err="1"/>
+              <a:t>zu</a:t>
+            </a:r>
+            <a:r>
+              <a:rPr lang="en-GB" dirty="0"/>
+              <a:t> </a:t>
+            </a:r>
+            <a:r>
+              <a:rPr lang="en-GB" dirty="0" err="1"/>
+              <a:t>holen</a:t>
+            </a:r>
+            <a:r>
+              <a:rPr lang="en-GB" dirty="0"/>
+              <a:t> (</a:t>
+            </a:r>
+            <a:r>
+              <a:rPr lang="en-GB" dirty="0" err="1"/>
+              <a:t>rechte</a:t>
+            </a:r>
+            <a:r>
+              <a:rPr lang="en-GB" dirty="0"/>
+              <a:t> </a:t>
+            </a:r>
+            <a:r>
+              <a:rPr lang="en-GB" dirty="0" err="1"/>
+              <a:t>Seite</a:t>
+            </a:r>
+            <a:r>
+              <a:rPr lang="en-GB" dirty="0"/>
+              <a:t>)</a:t>
+            </a:r>
+          </a:p>
+          <a:p>
+            <a:pPr marL="171450" indent="-171450">
+              <a:buFontTx/>
+              <a:buChar char="-"/>
+            </a:pPr>
+            <a:endParaRPr lang="en-GB" dirty="0"/>
+          </a:p>
+          <a:p>
+            <a:pPr marL="171450" marR="0" lvl="0" indent="-171450" algn="l" defTabSz="914400" rtl="0" eaLnBrk="1" fontAlgn="auto" latinLnBrk="0" hangingPunct="1">
+              <a:lnSpc>
+                <a:spcPct val="100000"/>
+              </a:lnSpc>
+              <a:spcBef>
+                <a:spcPts val="0"/>
+              </a:spcBef>
+              <a:spcAft>
+                <a:spcPts val="0"/>
+              </a:spcAft>
+              <a:buClrTx/>
+              <a:buSzTx/>
+              <a:buFontTx/>
+              <a:buChar char="-"/>
+              <a:tabLst/>
+              <a:defRPr/>
+            </a:pPr>
+            <a:r>
+              <a:rPr lang="en-GB" dirty="0"/>
+              <a:t>overkill </a:t>
+            </a:r>
+            <a:r>
+              <a:rPr lang="en-GB" dirty="0" err="1"/>
+              <a:t>zb</a:t>
+            </a:r>
+            <a:r>
+              <a:rPr lang="en-GB" dirty="0"/>
+              <a:t> pro user </a:t>
+            </a:r>
+            <a:r>
+              <a:rPr lang="en-GB" dirty="0" err="1"/>
+              <a:t>ein</a:t>
+            </a:r>
+            <a:r>
+              <a:rPr lang="en-GB" dirty="0"/>
+              <a:t> server pro user </a:t>
+            </a:r>
+            <a:r>
+              <a:rPr lang="en-GB" dirty="0" err="1"/>
+              <a:t>erzeugt</a:t>
+            </a:r>
+            <a:r>
+              <a:rPr lang="en-GB" dirty="0"/>
+              <a:t> </a:t>
+            </a:r>
+            <a:r>
+              <a:rPr lang="en-GB" dirty="0" err="1"/>
+              <a:t>ziemlich</a:t>
+            </a:r>
+            <a:r>
+              <a:rPr lang="en-GB" dirty="0"/>
+              <a:t> </a:t>
+            </a:r>
+            <a:r>
+              <a:rPr lang="en-GB" dirty="0" err="1"/>
+              <a:t>viel</a:t>
+            </a:r>
+            <a:r>
+              <a:rPr lang="en-GB" dirty="0"/>
+              <a:t> last und </a:t>
+            </a:r>
+            <a:r>
+              <a:rPr lang="en-GB" dirty="0" err="1"/>
+              <a:t>iwann</a:t>
+            </a:r>
+            <a:r>
+              <a:rPr lang="en-GB" dirty="0"/>
+              <a:t> </a:t>
+            </a:r>
+            <a:r>
+              <a:rPr lang="en-GB" dirty="0" err="1"/>
+              <a:t>gehen</a:t>
+            </a:r>
+            <a:r>
+              <a:rPr lang="en-GB" dirty="0"/>
+              <a:t> ports </a:t>
+            </a:r>
+            <a:r>
+              <a:rPr lang="en-GB" dirty="0" err="1"/>
+              <a:t>aus</a:t>
+            </a:r>
+            <a:r>
+              <a:rPr lang="en-GB" dirty="0"/>
+              <a:t>, </a:t>
+            </a:r>
+            <a:r>
+              <a:rPr lang="en-GB" dirty="0" err="1"/>
+              <a:t>eher</a:t>
+            </a:r>
+            <a:r>
+              <a:rPr lang="en-GB" dirty="0"/>
+              <a:t> was </a:t>
+            </a:r>
+            <a:r>
+              <a:rPr lang="en-GB" dirty="0" err="1"/>
+              <a:t>für</a:t>
+            </a:r>
+            <a:r>
+              <a:rPr lang="en-GB" dirty="0"/>
+              <a:t> controller und </a:t>
+            </a:r>
+            <a:r>
+              <a:rPr lang="en-GB" dirty="0" err="1"/>
+              <a:t>zb</a:t>
+            </a:r>
+            <a:r>
+              <a:rPr lang="en-GB" dirty="0"/>
+              <a:t> die </a:t>
+            </a:r>
+            <a:r>
+              <a:rPr lang="en-GB" dirty="0" err="1"/>
+              <a:t>komplette</a:t>
+            </a:r>
+            <a:r>
+              <a:rPr lang="en-GB" dirty="0"/>
+              <a:t> </a:t>
+            </a:r>
+            <a:r>
+              <a:rPr lang="en-GB" dirty="0" err="1"/>
+              <a:t>modell</a:t>
+            </a:r>
+            <a:r>
+              <a:rPr lang="en-GB" dirty="0"/>
+              <a:t> </a:t>
+            </a:r>
+            <a:r>
+              <a:rPr lang="en-GB" dirty="0" err="1"/>
+              <a:t>schicht</a:t>
+            </a:r>
+            <a:endParaRPr lang="en-GB" dirty="0"/>
           </a:p>
         </p:txBody>
       </p:sp>
@@ -4133,9 +5144,334 @@
             </a:pPr>
             <a:r>
               <a:rPr lang="en-GB" dirty="0"/>
-              <a:t>TODO LIO</a:t>
-            </a:r>
-            <a:endParaRPr lang="de-DE" dirty="0"/>
+              <a:t>Big true data hat auf docker hub </a:t>
+            </a:r>
+            <a:r>
+              <a:rPr lang="en-GB" dirty="0" err="1"/>
+              <a:t>bereits</a:t>
+            </a:r>
+            <a:r>
+              <a:rPr lang="en-GB" dirty="0"/>
+              <a:t> </a:t>
+            </a:r>
+            <a:r>
+              <a:rPr lang="en-GB" dirty="0" err="1"/>
+              <a:t>ein</a:t>
+            </a:r>
+            <a:r>
+              <a:rPr lang="en-GB" dirty="0"/>
+              <a:t> Image </a:t>
+            </a:r>
+            <a:r>
+              <a:rPr lang="en-GB" dirty="0" err="1"/>
+              <a:t>bereit</a:t>
+            </a:r>
+            <a:r>
+              <a:rPr lang="en-GB" dirty="0"/>
+              <a:t> </a:t>
+            </a:r>
+            <a:r>
+              <a:rPr lang="en-GB" dirty="0" err="1"/>
+              <a:t>gestellt</a:t>
+            </a:r>
+            <a:r>
+              <a:rPr lang="en-GB" dirty="0"/>
+              <a:t>, welches Scala und SBT </a:t>
+            </a:r>
+            <a:r>
+              <a:rPr lang="en-GB" dirty="0" err="1"/>
+              <a:t>bereitstellt</a:t>
+            </a:r>
+            <a:r>
+              <a:rPr lang="en-GB" dirty="0"/>
+              <a:t>.</a:t>
+            </a:r>
+          </a:p>
+          <a:p>
+            <a:pPr marL="171450" indent="-171450">
+              <a:buFontTx/>
+              <a:buChar char="-"/>
+            </a:pPr>
+            <a:r>
+              <a:rPr lang="en-GB" dirty="0" err="1"/>
+              <a:t>Weitere</a:t>
+            </a:r>
+            <a:r>
+              <a:rPr lang="en-GB" dirty="0"/>
+              <a:t> </a:t>
+            </a:r>
+            <a:r>
+              <a:rPr lang="en-GB" dirty="0" err="1"/>
+              <a:t>Anforderungen</a:t>
+            </a:r>
+            <a:r>
+              <a:rPr lang="en-GB" dirty="0"/>
+              <a:t> an </a:t>
+            </a:r>
+            <a:r>
+              <a:rPr lang="en-GB" dirty="0" err="1"/>
+              <a:t>unser</a:t>
+            </a:r>
+            <a:r>
+              <a:rPr lang="en-GB" dirty="0"/>
+              <a:t> </a:t>
+            </a:r>
+            <a:r>
+              <a:rPr lang="en-GB" dirty="0" err="1"/>
+              <a:t>Projekt</a:t>
+            </a:r>
+            <a:r>
+              <a:rPr lang="en-GB" dirty="0"/>
+              <a:t> </a:t>
+            </a:r>
+            <a:r>
+              <a:rPr lang="en-GB" dirty="0" err="1"/>
+              <a:t>waren</a:t>
+            </a:r>
+            <a:r>
+              <a:rPr lang="en-GB" dirty="0"/>
+              <a:t>, </a:t>
+            </a:r>
+            <a:r>
+              <a:rPr lang="en-GB" dirty="0" err="1"/>
+              <a:t>javafx</a:t>
+            </a:r>
+            <a:r>
+              <a:rPr lang="en-GB" dirty="0"/>
+              <a:t>, h2 und </a:t>
+            </a:r>
+            <a:r>
+              <a:rPr lang="en-GB" dirty="0" err="1"/>
+              <a:t>mongodb</a:t>
+            </a:r>
+            <a:endParaRPr lang="en-GB" dirty="0"/>
+          </a:p>
+          <a:p>
+            <a:pPr marL="171450" indent="-171450">
+              <a:buFontTx/>
+              <a:buChar char="-"/>
+            </a:pPr>
+            <a:r>
+              <a:rPr lang="en-GB" dirty="0"/>
+              <a:t>Um den Docker Container </a:t>
+            </a:r>
+            <a:r>
+              <a:rPr lang="en-GB" dirty="0" err="1"/>
+              <a:t>lauffähig</a:t>
+            </a:r>
+            <a:r>
+              <a:rPr lang="en-GB" dirty="0"/>
+              <a:t> </a:t>
+            </a:r>
+            <a:r>
+              <a:rPr lang="en-GB" dirty="0" err="1"/>
+              <a:t>zu</a:t>
+            </a:r>
+            <a:r>
+              <a:rPr lang="en-GB" dirty="0"/>
+              <a:t> </a:t>
+            </a:r>
+            <a:r>
+              <a:rPr lang="en-GB" dirty="0" err="1"/>
+              <a:t>machen</a:t>
+            </a:r>
+            <a:r>
+              <a:rPr lang="en-GB" dirty="0"/>
+              <a:t>, </a:t>
+            </a:r>
+            <a:r>
+              <a:rPr lang="en-GB" dirty="0" err="1"/>
+              <a:t>musste</a:t>
+            </a:r>
+            <a:r>
+              <a:rPr lang="en-GB" dirty="0"/>
+              <a:t> </a:t>
+            </a:r>
+            <a:r>
+              <a:rPr lang="en-GB" dirty="0" err="1"/>
+              <a:t>noch</a:t>
+            </a:r>
+            <a:r>
+              <a:rPr lang="en-GB" dirty="0"/>
+              <a:t> </a:t>
+            </a:r>
+            <a:r>
+              <a:rPr lang="en-GB" dirty="0" err="1"/>
+              <a:t>xvfb</a:t>
+            </a:r>
+            <a:r>
+              <a:rPr lang="en-GB" dirty="0"/>
+              <a:t> </a:t>
+            </a:r>
+            <a:r>
+              <a:rPr lang="en-GB" dirty="0" err="1"/>
+              <a:t>installiert</a:t>
+            </a:r>
+            <a:r>
+              <a:rPr lang="en-GB" dirty="0"/>
+              <a:t> </a:t>
+            </a:r>
+            <a:r>
+              <a:rPr lang="en-GB" dirty="0" err="1"/>
+              <a:t>werden</a:t>
+            </a:r>
+            <a:r>
+              <a:rPr lang="en-GB" dirty="0"/>
+              <a:t>. </a:t>
+            </a:r>
+            <a:r>
+              <a:rPr lang="en-GB" dirty="0" err="1"/>
+              <a:t>Xvfb</a:t>
+            </a:r>
+            <a:r>
+              <a:rPr lang="en-GB" dirty="0"/>
+              <a:t> </a:t>
+            </a:r>
+            <a:r>
+              <a:rPr lang="en-GB" dirty="0" err="1"/>
+              <a:t>dient</a:t>
+            </a:r>
+            <a:r>
+              <a:rPr lang="en-GB" dirty="0"/>
+              <a:t> </a:t>
+            </a:r>
+            <a:r>
+              <a:rPr lang="en-GB" dirty="0" err="1"/>
+              <a:t>als</a:t>
+            </a:r>
+            <a:r>
+              <a:rPr lang="en-GB" dirty="0"/>
+              <a:t> </a:t>
+            </a:r>
+            <a:r>
+              <a:rPr lang="en-GB" dirty="0" err="1"/>
+              <a:t>virtueller</a:t>
+            </a:r>
+            <a:r>
+              <a:rPr lang="en-GB" dirty="0"/>
+              <a:t> Display und </a:t>
+            </a:r>
+            <a:r>
+              <a:rPr lang="en-GB" dirty="0" err="1"/>
+              <a:t>emuliert</a:t>
+            </a:r>
+            <a:r>
+              <a:rPr lang="en-GB" dirty="0"/>
+              <a:t> </a:t>
+            </a:r>
+            <a:r>
+              <a:rPr lang="en-GB" dirty="0" err="1"/>
+              <a:t>unser</a:t>
+            </a:r>
+            <a:r>
+              <a:rPr lang="en-GB" dirty="0"/>
+              <a:t> Display-output.  </a:t>
+            </a:r>
+          </a:p>
+          <a:p>
+            <a:pPr marL="171450" indent="-171450">
+              <a:buFontTx/>
+              <a:buChar char="-"/>
+            </a:pPr>
+            <a:r>
+              <a:rPr lang="en-GB" dirty="0"/>
+              <a:t>Die </a:t>
+            </a:r>
+            <a:r>
+              <a:rPr lang="en-GB" dirty="0" err="1"/>
+              <a:t>Sourcen</a:t>
+            </a:r>
+            <a:r>
+              <a:rPr lang="en-GB" dirty="0"/>
+              <a:t> </a:t>
+            </a:r>
+            <a:r>
+              <a:rPr lang="en-GB" dirty="0" err="1"/>
+              <a:t>wurden</a:t>
+            </a:r>
+            <a:r>
+              <a:rPr lang="en-GB" dirty="0"/>
+              <a:t> </a:t>
+            </a:r>
+            <a:r>
+              <a:rPr lang="en-GB" dirty="0" err="1"/>
+              <a:t>dynamisch</a:t>
+            </a:r>
+            <a:r>
+              <a:rPr lang="en-GB" dirty="0"/>
+              <a:t> an den Container </a:t>
+            </a:r>
+            <a:r>
+              <a:rPr lang="en-GB" dirty="0" err="1"/>
+              <a:t>gebunden</a:t>
+            </a:r>
+            <a:r>
+              <a:rPr lang="en-GB" dirty="0"/>
+              <a:t> </a:t>
+            </a:r>
+            <a:r>
+              <a:rPr lang="en-GB" dirty="0" err="1"/>
+              <a:t>über</a:t>
+            </a:r>
+            <a:r>
+              <a:rPr lang="en-GB" dirty="0"/>
+              <a:t> </a:t>
+            </a:r>
+            <a:r>
+              <a:rPr lang="en-GB" dirty="0" err="1"/>
+              <a:t>deine</a:t>
+            </a:r>
+            <a:r>
+              <a:rPr lang="en-GB" dirty="0"/>
+              <a:t> </a:t>
+            </a:r>
+            <a:r>
+              <a:rPr lang="en-GB" dirty="0" err="1"/>
+              <a:t>sogn</a:t>
+            </a:r>
+            <a:r>
+              <a:rPr lang="en-GB" dirty="0"/>
+              <a:t>. Volume.</a:t>
+            </a:r>
+          </a:p>
+          <a:p>
+            <a:pPr marL="171450" indent="-171450">
+              <a:buFontTx/>
+              <a:buChar char="-"/>
+            </a:pPr>
+            <a:r>
+              <a:rPr lang="en-GB" dirty="0"/>
+              <a:t>Dann </a:t>
+            </a:r>
+            <a:r>
+              <a:rPr lang="en-GB" dirty="0" err="1"/>
+              <a:t>starten</a:t>
+            </a:r>
+            <a:r>
+              <a:rPr lang="en-GB" dirty="0"/>
+              <a:t> </a:t>
+            </a:r>
+            <a:r>
+              <a:rPr lang="en-GB" dirty="0" err="1"/>
+              <a:t>wir</a:t>
+            </a:r>
+            <a:r>
+              <a:rPr lang="en-GB" dirty="0"/>
+              <a:t> den Container in der Shell und </a:t>
+            </a:r>
+            <a:r>
+              <a:rPr lang="en-GB" dirty="0" err="1"/>
+              <a:t>starten</a:t>
+            </a:r>
+            <a:r>
+              <a:rPr lang="en-GB" dirty="0"/>
+              <a:t> das </a:t>
+            </a:r>
+            <a:r>
+              <a:rPr lang="en-GB" dirty="0" err="1"/>
+              <a:t>Programm</a:t>
+            </a:r>
+            <a:endParaRPr lang="en-GB" dirty="0"/>
           </a:p>
         </p:txBody>
       </p:sp>
@@ -4324,7 +5660,7 @@
           <a:p>
             <a:fld id="{78ED61D8-61CA-4D1F-9555-82B6FF3A8AB5}" type="datetimeFigureOut">
               <a:rPr lang="de-DE" smtClean="0"/>
-              <a:t>26.06.2018</a:t>
+              <a:t>26.06.18</a:t>
             </a:fld>
             <a:endParaRPr lang="de-DE"/>
           </a:p>
@@ -4548,7 +5884,7 @@
           <a:p>
             <a:fld id="{78ED61D8-61CA-4D1F-9555-82B6FF3A8AB5}" type="datetimeFigureOut">
               <a:rPr lang="de-DE" smtClean="0"/>
-              <a:t>26.06.2018</a:t>
+              <a:t>26.06.18</a:t>
             </a:fld>
             <a:endParaRPr lang="de-DE"/>
           </a:p>
@@ -4758,7 +6094,7 @@
           <a:p>
             <a:fld id="{78ED61D8-61CA-4D1F-9555-82B6FF3A8AB5}" type="datetimeFigureOut">
               <a:rPr lang="de-DE" smtClean="0"/>
-              <a:t>26.06.2018</a:t>
+              <a:t>26.06.18</a:t>
             </a:fld>
             <a:endParaRPr lang="de-DE"/>
           </a:p>
@@ -4958,7 +6294,7 @@
           <a:p>
             <a:fld id="{78ED61D8-61CA-4D1F-9555-82B6FF3A8AB5}" type="datetimeFigureOut">
               <a:rPr lang="de-DE" smtClean="0"/>
-              <a:t>26.06.2018</a:t>
+              <a:t>26.06.18</a:t>
             </a:fld>
             <a:endParaRPr lang="de-DE"/>
           </a:p>
@@ -5234,7 +6570,7 @@
           <a:p>
             <a:fld id="{78ED61D8-61CA-4D1F-9555-82B6FF3A8AB5}" type="datetimeFigureOut">
               <a:rPr lang="de-DE" smtClean="0"/>
-              <a:t>26.06.2018</a:t>
+              <a:t>26.06.18</a:t>
             </a:fld>
             <a:endParaRPr lang="de-DE"/>
           </a:p>
@@ -5502,7 +6838,7 @@
           <a:p>
             <a:fld id="{78ED61D8-61CA-4D1F-9555-82B6FF3A8AB5}" type="datetimeFigureOut">
               <a:rPr lang="de-DE" smtClean="0"/>
-              <a:t>26.06.2018</a:t>
+              <a:t>26.06.18</a:t>
             </a:fld>
             <a:endParaRPr lang="de-DE"/>
           </a:p>
@@ -5917,7 +7253,7 @@
           <a:p>
             <a:fld id="{78ED61D8-61CA-4D1F-9555-82B6FF3A8AB5}" type="datetimeFigureOut">
               <a:rPr lang="de-DE" smtClean="0"/>
-              <a:t>26.06.2018</a:t>
+              <a:t>26.06.18</a:t>
             </a:fld>
             <a:endParaRPr lang="de-DE"/>
           </a:p>
@@ -6059,7 +7395,7 @@
           <a:p>
             <a:fld id="{78ED61D8-61CA-4D1F-9555-82B6FF3A8AB5}" type="datetimeFigureOut">
               <a:rPr lang="de-DE" smtClean="0"/>
-              <a:t>26.06.2018</a:t>
+              <a:t>26.06.18</a:t>
             </a:fld>
             <a:endParaRPr lang="de-DE"/>
           </a:p>
@@ -6172,7 +7508,7 @@
           <a:p>
             <a:fld id="{78ED61D8-61CA-4D1F-9555-82B6FF3A8AB5}" type="datetimeFigureOut">
               <a:rPr lang="de-DE" smtClean="0"/>
-              <a:t>26.06.2018</a:t>
+              <a:t>26.06.18</a:t>
             </a:fld>
             <a:endParaRPr lang="de-DE"/>
           </a:p>
@@ -6485,7 +7821,7 @@
           <a:p>
             <a:fld id="{78ED61D8-61CA-4D1F-9555-82B6FF3A8AB5}" type="datetimeFigureOut">
               <a:rPr lang="de-DE" smtClean="0"/>
-              <a:t>26.06.2018</a:t>
+              <a:t>26.06.18</a:t>
             </a:fld>
             <a:endParaRPr lang="de-DE"/>
           </a:p>
@@ -6774,7 +8110,7 @@
           <a:p>
             <a:fld id="{78ED61D8-61CA-4D1F-9555-82B6FF3A8AB5}" type="datetimeFigureOut">
               <a:rPr lang="de-DE" smtClean="0"/>
-              <a:t>26.06.2018</a:t>
+              <a:t>26.06.18</a:t>
             </a:fld>
             <a:endParaRPr lang="de-DE"/>
           </a:p>
@@ -7017,7 +8353,7 @@
           <a:p>
             <a:fld id="{78ED61D8-61CA-4D1F-9555-82B6FF3A8AB5}" type="datetimeFigureOut">
               <a:rPr lang="de-DE" smtClean="0"/>
-              <a:t>26.06.2018</a:t>
+              <a:t>26.06.18</a:t>
             </a:fld>
             <a:endParaRPr lang="de-DE"/>
           </a:p>
@@ -7490,7 +8826,7 @@
                 <a16:creationId xmlns:a16="http://schemas.microsoft.com/office/drawing/2014/main" id="{793EF0C2-EE57-40DD-B754-BF1477FABABB}"/>
               </a:ext>
               <a:ext uri="{C183D7F6-B498-43B3-948B-1728B52AA6E4}">
-                <adec:decorative xmlns:adec="http://schemas.microsoft.com/office/drawing/2017/decorative" xmlns="" val="1"/>
+                <adec:decorative xmlns:adec="http://schemas.microsoft.com/office/drawing/2017/decorative" val="1"/>
               </a:ext>
             </a:extLst>
           </p:cNvPr>
@@ -7679,7 +9015,7 @@
                 <a16:creationId xmlns:a16="http://schemas.microsoft.com/office/drawing/2014/main" id="{EA67B5B4-3A24-436E-B663-1B2EBFF8A0CD}"/>
               </a:ext>
               <a:ext uri="{C183D7F6-B498-43B3-948B-1728B52AA6E4}">
-                <adec:decorative xmlns:adec="http://schemas.microsoft.com/office/drawing/2017/decorative" xmlns="" val="1"/>
+                <adec:decorative xmlns:adec="http://schemas.microsoft.com/office/drawing/2017/decorative" val="1"/>
               </a:ext>
             </a:extLst>
           </p:cNvPr>
@@ -7742,7 +9078,7 @@
                 <a16:creationId xmlns:a16="http://schemas.microsoft.com/office/drawing/2014/main" id="{987FDF89-C993-41F4-A1B8-DBAFF16008A9}"/>
               </a:ext>
               <a:ext uri="{C183D7F6-B498-43B3-948B-1728B52AA6E4}">
-                <adec:decorative xmlns:adec="http://schemas.microsoft.com/office/drawing/2017/decorative" xmlns="" val="1"/>
+                <adec:decorative xmlns:adec="http://schemas.microsoft.com/office/drawing/2017/decorative" val="1"/>
               </a:ext>
             </a:extLst>
           </p:cNvPr>
@@ -7850,7 +9186,7 @@
                 <a16:creationId xmlns:a16="http://schemas.microsoft.com/office/drawing/2014/main" id="{64E585EA-75FD-4025-8270-F66A58A15CDA}"/>
               </a:ext>
               <a:ext uri="{C183D7F6-B498-43B3-948B-1728B52AA6E4}">
-                <adec:decorative xmlns:adec="http://schemas.microsoft.com/office/drawing/2017/decorative" xmlns="" val="1"/>
+                <adec:decorative xmlns:adec="http://schemas.microsoft.com/office/drawing/2017/decorative" val="1"/>
               </a:ext>
             </a:extLst>
           </p:cNvPr>
@@ -8102,7 +9438,7 @@
                 <a16:creationId xmlns:a16="http://schemas.microsoft.com/office/drawing/2014/main" id="{EA67B5B4-3A24-436E-B663-1B2EBFF8A0CD}"/>
               </a:ext>
               <a:ext uri="{C183D7F6-B498-43B3-948B-1728B52AA6E4}">
-                <adec:decorative xmlns:adec="http://schemas.microsoft.com/office/drawing/2017/decorative" xmlns="" val="1"/>
+                <adec:decorative xmlns:adec="http://schemas.microsoft.com/office/drawing/2017/decorative" val="1"/>
               </a:ext>
             </a:extLst>
           </p:cNvPr>
@@ -8165,7 +9501,7 @@
                 <a16:creationId xmlns:a16="http://schemas.microsoft.com/office/drawing/2014/main" id="{987FDF89-C993-41F4-A1B8-DBAFF16008A9}"/>
               </a:ext>
               <a:ext uri="{C183D7F6-B498-43B3-948B-1728B52AA6E4}">
-                <adec:decorative xmlns:adec="http://schemas.microsoft.com/office/drawing/2017/decorative" xmlns="" val="1"/>
+                <adec:decorative xmlns:adec="http://schemas.microsoft.com/office/drawing/2017/decorative" val="1"/>
               </a:ext>
             </a:extLst>
           </p:cNvPr>
@@ -8273,7 +9609,7 @@
                 <a16:creationId xmlns:a16="http://schemas.microsoft.com/office/drawing/2014/main" id="{64E585EA-75FD-4025-8270-F66A58A15CDA}"/>
               </a:ext>
               <a:ext uri="{C183D7F6-B498-43B3-948B-1728B52AA6E4}">
-                <adec:decorative xmlns:adec="http://schemas.microsoft.com/office/drawing/2017/decorative" xmlns="" val="1"/>
+                <adec:decorative xmlns:adec="http://schemas.microsoft.com/office/drawing/2017/decorative" val="1"/>
               </a:ext>
             </a:extLst>
           </p:cNvPr>
@@ -8514,7 +9850,7 @@
                 <a16:creationId xmlns:a16="http://schemas.microsoft.com/office/drawing/2014/main" id="{EA67B5B4-3A24-436E-B663-1B2EBFF8A0CD}"/>
               </a:ext>
               <a:ext uri="{C183D7F6-B498-43B3-948B-1728B52AA6E4}">
-                <adec:decorative xmlns:adec="http://schemas.microsoft.com/office/drawing/2017/decorative" xmlns="" val="1"/>
+                <adec:decorative xmlns:adec="http://schemas.microsoft.com/office/drawing/2017/decorative" val="1"/>
               </a:ext>
             </a:extLst>
           </p:cNvPr>
@@ -8577,7 +9913,7 @@
                 <a16:creationId xmlns:a16="http://schemas.microsoft.com/office/drawing/2014/main" id="{987FDF89-C993-41F4-A1B8-DBAFF16008A9}"/>
               </a:ext>
               <a:ext uri="{C183D7F6-B498-43B3-948B-1728B52AA6E4}">
-                <adec:decorative xmlns:adec="http://schemas.microsoft.com/office/drawing/2017/decorative" xmlns="" val="1"/>
+                <adec:decorative xmlns:adec="http://schemas.microsoft.com/office/drawing/2017/decorative" val="1"/>
               </a:ext>
             </a:extLst>
           </p:cNvPr>
@@ -8685,7 +10021,7 @@
                 <a16:creationId xmlns:a16="http://schemas.microsoft.com/office/drawing/2014/main" id="{64E585EA-75FD-4025-8270-F66A58A15CDA}"/>
               </a:ext>
               <a:ext uri="{C183D7F6-B498-43B3-948B-1728B52AA6E4}">
-                <adec:decorative xmlns:adec="http://schemas.microsoft.com/office/drawing/2017/decorative" xmlns="" val="1"/>
+                <adec:decorative xmlns:adec="http://schemas.microsoft.com/office/drawing/2017/decorative" val="1"/>
               </a:ext>
             </a:extLst>
           </p:cNvPr>
@@ -8926,7 +10262,7 @@
                 <a16:creationId xmlns:a16="http://schemas.microsoft.com/office/drawing/2014/main" id="{EA67B5B4-3A24-436E-B663-1B2EBFF8A0CD}"/>
               </a:ext>
               <a:ext uri="{C183D7F6-B498-43B3-948B-1728B52AA6E4}">
-                <adec:decorative xmlns:adec="http://schemas.microsoft.com/office/drawing/2017/decorative" xmlns="" val="1"/>
+                <adec:decorative xmlns:adec="http://schemas.microsoft.com/office/drawing/2017/decorative" val="1"/>
               </a:ext>
             </a:extLst>
           </p:cNvPr>
@@ -8989,7 +10325,7 @@
                 <a16:creationId xmlns:a16="http://schemas.microsoft.com/office/drawing/2014/main" id="{987FDF89-C993-41F4-A1B8-DBAFF16008A9}"/>
               </a:ext>
               <a:ext uri="{C183D7F6-B498-43B3-948B-1728B52AA6E4}">
-                <adec:decorative xmlns:adec="http://schemas.microsoft.com/office/drawing/2017/decorative" xmlns="" val="1"/>
+                <adec:decorative xmlns:adec="http://schemas.microsoft.com/office/drawing/2017/decorative" val="1"/>
               </a:ext>
             </a:extLst>
           </p:cNvPr>
@@ -9097,7 +10433,7 @@
                 <a16:creationId xmlns:a16="http://schemas.microsoft.com/office/drawing/2014/main" id="{64E585EA-75FD-4025-8270-F66A58A15CDA}"/>
               </a:ext>
               <a:ext uri="{C183D7F6-B498-43B3-948B-1728B52AA6E4}">
-                <adec:decorative xmlns:adec="http://schemas.microsoft.com/office/drawing/2017/decorative" xmlns="" val="1"/>
+                <adec:decorative xmlns:adec="http://schemas.microsoft.com/office/drawing/2017/decorative" val="1"/>
               </a:ext>
             </a:extLst>
           </p:cNvPr>
@@ -9319,7 +10655,7 @@
                 <a16:creationId xmlns:a16="http://schemas.microsoft.com/office/drawing/2014/main" id="{EA67B5B4-3A24-436E-B663-1B2EBFF8A0CD}"/>
               </a:ext>
               <a:ext uri="{C183D7F6-B498-43B3-948B-1728B52AA6E4}">
-                <adec:decorative xmlns:adec="http://schemas.microsoft.com/office/drawing/2017/decorative" xmlns="" val="1"/>
+                <adec:decorative xmlns:adec="http://schemas.microsoft.com/office/drawing/2017/decorative" val="1"/>
               </a:ext>
             </a:extLst>
           </p:cNvPr>
@@ -9382,7 +10718,7 @@
                 <a16:creationId xmlns:a16="http://schemas.microsoft.com/office/drawing/2014/main" id="{987FDF89-C993-41F4-A1B8-DBAFF16008A9}"/>
               </a:ext>
               <a:ext uri="{C183D7F6-B498-43B3-948B-1728B52AA6E4}">
-                <adec:decorative xmlns:adec="http://schemas.microsoft.com/office/drawing/2017/decorative" xmlns="" val="1"/>
+                <adec:decorative xmlns:adec="http://schemas.microsoft.com/office/drawing/2017/decorative" val="1"/>
               </a:ext>
             </a:extLst>
           </p:cNvPr>
@@ -9490,7 +10826,7 @@
                 <a16:creationId xmlns:a16="http://schemas.microsoft.com/office/drawing/2014/main" id="{64E585EA-75FD-4025-8270-F66A58A15CDA}"/>
               </a:ext>
               <a:ext uri="{C183D7F6-B498-43B3-948B-1728B52AA6E4}">
-                <adec:decorative xmlns:adec="http://schemas.microsoft.com/office/drawing/2017/decorative" xmlns="" val="1"/>
+                <adec:decorative xmlns:adec="http://schemas.microsoft.com/office/drawing/2017/decorative" val="1"/>
               </a:ext>
             </a:extLst>
           </p:cNvPr>
@@ -9742,7 +11078,7 @@
                 <a16:creationId xmlns:a16="http://schemas.microsoft.com/office/drawing/2014/main" id="{EA67B5B4-3A24-436E-B663-1B2EBFF8A0CD}"/>
               </a:ext>
               <a:ext uri="{C183D7F6-B498-43B3-948B-1728B52AA6E4}">
-                <adec:decorative xmlns:adec="http://schemas.microsoft.com/office/drawing/2017/decorative" xmlns="" val="1"/>
+                <adec:decorative xmlns:adec="http://schemas.microsoft.com/office/drawing/2017/decorative" val="1"/>
               </a:ext>
             </a:extLst>
           </p:cNvPr>
@@ -9805,7 +11141,7 @@
                 <a16:creationId xmlns:a16="http://schemas.microsoft.com/office/drawing/2014/main" id="{987FDF89-C993-41F4-A1B8-DBAFF16008A9}"/>
               </a:ext>
               <a:ext uri="{C183D7F6-B498-43B3-948B-1728B52AA6E4}">
-                <adec:decorative xmlns:adec="http://schemas.microsoft.com/office/drawing/2017/decorative" xmlns="" val="1"/>
+                <adec:decorative xmlns:adec="http://schemas.microsoft.com/office/drawing/2017/decorative" val="1"/>
               </a:ext>
             </a:extLst>
           </p:cNvPr>
@@ -9913,7 +11249,7 @@
                 <a16:creationId xmlns:a16="http://schemas.microsoft.com/office/drawing/2014/main" id="{64E585EA-75FD-4025-8270-F66A58A15CDA}"/>
               </a:ext>
               <a:ext uri="{C183D7F6-B498-43B3-948B-1728B52AA6E4}">
-                <adec:decorative xmlns:adec="http://schemas.microsoft.com/office/drawing/2017/decorative" xmlns="" val="1"/>
+                <adec:decorative xmlns:adec="http://schemas.microsoft.com/office/drawing/2017/decorative" val="1"/>
               </a:ext>
             </a:extLst>
           </p:cNvPr>
@@ -10260,7 +11596,7 @@
                 <a16:creationId xmlns:a16="http://schemas.microsoft.com/office/drawing/2014/main" id="{EA67B5B4-3A24-436E-B663-1B2EBFF8A0CD}"/>
               </a:ext>
               <a:ext uri="{C183D7F6-B498-43B3-948B-1728B52AA6E4}">
-                <adec:decorative xmlns:adec="http://schemas.microsoft.com/office/drawing/2017/decorative" xmlns="" val="1"/>
+                <adec:decorative xmlns:adec="http://schemas.microsoft.com/office/drawing/2017/decorative" val="1"/>
               </a:ext>
             </a:extLst>
           </p:cNvPr>
@@ -10323,7 +11659,7 @@
                 <a16:creationId xmlns:a16="http://schemas.microsoft.com/office/drawing/2014/main" id="{987FDF89-C993-41F4-A1B8-DBAFF16008A9}"/>
               </a:ext>
               <a:ext uri="{C183D7F6-B498-43B3-948B-1728B52AA6E4}">
-                <adec:decorative xmlns:adec="http://schemas.microsoft.com/office/drawing/2017/decorative" xmlns="" val="1"/>
+                <adec:decorative xmlns:adec="http://schemas.microsoft.com/office/drawing/2017/decorative" val="1"/>
               </a:ext>
             </a:extLst>
           </p:cNvPr>
@@ -10431,7 +11767,7 @@
                 <a16:creationId xmlns:a16="http://schemas.microsoft.com/office/drawing/2014/main" id="{64E585EA-75FD-4025-8270-F66A58A15CDA}"/>
               </a:ext>
               <a:ext uri="{C183D7F6-B498-43B3-948B-1728B52AA6E4}">
-                <adec:decorative xmlns:adec="http://schemas.microsoft.com/office/drawing/2017/decorative" xmlns="" val="1"/>
+                <adec:decorative xmlns:adec="http://schemas.microsoft.com/office/drawing/2017/decorative" val="1"/>
               </a:ext>
             </a:extLst>
           </p:cNvPr>
@@ -10577,47 +11913,37 @@
           </a:p>
         </p:txBody>
       </p:sp>
+      <p:sp>
+        <p:nvSpPr>
+          <p:cNvPr id="4" name="Content Placeholder 3">
+            <a:extLst>
+              <a:ext uri="{FF2B5EF4-FFF2-40B4-BE49-F238E27FC236}">
+                <a16:creationId xmlns:a16="http://schemas.microsoft.com/office/drawing/2014/main" id="{E85D3087-2EC6-9946-A138-B82CD38742AA}"/>
+              </a:ext>
+            </a:extLst>
+          </p:cNvPr>
+          <p:cNvSpPr>
+            <a:spLocks noGrp="1"/>
+          </p:cNvSpPr>
+          <p:nvPr>
+            <p:ph idx="1"/>
+          </p:nvPr>
+        </p:nvSpPr>
+        <p:spPr/>
+        <p:txBody>
+          <a:bodyPr/>
+          <a:lstStyle/>
+          <a:p>
+            <a:endParaRPr lang="en-GB" dirty="0"/>
+          </a:p>
+        </p:txBody>
+      </p:sp>
       <p:pic>
         <p:nvPicPr>
-          <p:cNvPr id="5" name="Content Placeholder 4">
+          <p:cNvPr id="11" name="Content Placeholder 8">
             <a:extLst>
               <a:ext uri="{FF2B5EF4-FFF2-40B4-BE49-F238E27FC236}">
-                <a16:creationId xmlns:a16="http://schemas.microsoft.com/office/drawing/2014/main" id="{0FCFD2CC-8A74-4F9A-A34A-A48566E9F61B}"/>
-              </a:ext>
-            </a:extLst>
-          </p:cNvPr>
-          <p:cNvPicPr>
-            <a:picLocks noGrp="1" noChangeAspect="1"/>
-          </p:cNvPicPr>
-          <p:nvPr>
-            <p:ph idx="1"/>
-          </p:nvPr>
-        </p:nvPicPr>
-        <p:blipFill>
-          <a:blip r:embed="rId3">
-            <a:extLst>
-              <a:ext uri="{28A0092B-C50C-407E-A947-70E740481C1C}">
-                <a14:useLocalDpi xmlns:a14="http://schemas.microsoft.com/office/drawing/2010/main" val="0"/>
-              </a:ext>
-            </a:extLst>
-          </a:blip>
-          <a:stretch>
-            <a:fillRect/>
-          </a:stretch>
-        </p:blipFill>
-        <p:spPr>
-          <a:xfrm>
-            <a:off x="833002" y="1931446"/>
-            <a:ext cx="10555434" cy="4574526"/>
-          </a:xfrm>
-        </p:spPr>
-      </p:pic>
-      <p:pic>
-        <p:nvPicPr>
-          <p:cNvPr id="7" name="Picture 6">
-            <a:extLst>
-              <a:ext uri="{FF2B5EF4-FFF2-40B4-BE49-F238E27FC236}">
-                <a16:creationId xmlns:a16="http://schemas.microsoft.com/office/drawing/2014/main" id="{4634124D-110F-4C39-8B4C-669D04D070F5}"/>
+                <a16:creationId xmlns:a16="http://schemas.microsoft.com/office/drawing/2014/main" id="{8958399F-7835-2B46-990F-71698986A071}"/>
               </a:ext>
             </a:extLst>
           </p:cNvPr>
@@ -10626,22 +11952,56 @@
           </p:cNvPicPr>
           <p:nvPr/>
         </p:nvPicPr>
-        <p:blipFill>
-          <a:blip r:embed="rId4">
+        <p:blipFill rotWithShape="1">
+          <a:blip r:embed="rId3">
             <a:extLst>
               <a:ext uri="{28A0092B-C50C-407E-A947-70E740481C1C}">
                 <a14:useLocalDpi xmlns:a14="http://schemas.microsoft.com/office/drawing/2010/main" val="0"/>
               </a:ext>
             </a:extLst>
           </a:blip>
-          <a:stretch>
-            <a:fillRect/>
-          </a:stretch>
+          <a:srcRect b="9048"/>
+          <a:stretch/>
         </p:blipFill>
         <p:spPr>
           <a:xfrm>
-            <a:off x="5601422" y="565943"/>
-            <a:ext cx="6185332" cy="1013475"/>
+            <a:off x="988317" y="1690688"/>
+            <a:ext cx="8134027" cy="4486275"/>
+          </a:xfrm>
+          <a:prstGeom prst="rect">
+            <a:avLst/>
+          </a:prstGeom>
+        </p:spPr>
+      </p:pic>
+      <p:pic>
+        <p:nvPicPr>
+          <p:cNvPr id="13" name="Picture 12">
+            <a:extLst>
+              <a:ext uri="{FF2B5EF4-FFF2-40B4-BE49-F238E27FC236}">
+                <a16:creationId xmlns:a16="http://schemas.microsoft.com/office/drawing/2014/main" id="{0193F5BE-ACA2-2342-BAD8-817B8A6844DB}"/>
+              </a:ext>
+            </a:extLst>
+          </p:cNvPr>
+          <p:cNvPicPr>
+            <a:picLocks noChangeAspect="1"/>
+          </p:cNvPicPr>
+          <p:nvPr/>
+        </p:nvPicPr>
+        <p:blipFill rotWithShape="1">
+          <a:blip r:embed="rId4">
+            <a:extLst>
+              <a:ext uri="{28A0092B-C50C-407E-A947-70E740481C1C}">
+                <a14:useLocalDpi xmlns:a14="http://schemas.microsoft.com/office/drawing/2010/main" val="0"/>
+              </a:ext>
+            </a:extLst>
+          </a:blip>
+          <a:srcRect t="6340"/>
+          <a:stretch/>
+        </p:blipFill>
+        <p:spPr>
+          <a:xfrm>
+            <a:off x="5168468" y="630195"/>
+            <a:ext cx="6185332" cy="949223"/>
           </a:xfrm>
           <a:prstGeom prst="rect">
             <a:avLst/>
@@ -10694,7 +12054,7 @@
                 <a16:creationId xmlns:a16="http://schemas.microsoft.com/office/drawing/2014/main" id="{EA67B5B4-3A24-436E-B663-1B2EBFF8A0CD}"/>
               </a:ext>
               <a:ext uri="{C183D7F6-B498-43B3-948B-1728B52AA6E4}">
-                <adec:decorative xmlns:adec="http://schemas.microsoft.com/office/drawing/2017/decorative" xmlns="" val="1"/>
+                <adec:decorative xmlns:adec="http://schemas.microsoft.com/office/drawing/2017/decorative" val="1"/>
               </a:ext>
             </a:extLst>
           </p:cNvPr>
@@ -10757,7 +12117,7 @@
                 <a16:creationId xmlns:a16="http://schemas.microsoft.com/office/drawing/2014/main" id="{987FDF89-C993-41F4-A1B8-DBAFF16008A9}"/>
               </a:ext>
               <a:ext uri="{C183D7F6-B498-43B3-948B-1728B52AA6E4}">
-                <adec:decorative xmlns:adec="http://schemas.microsoft.com/office/drawing/2017/decorative" xmlns="" val="1"/>
+                <adec:decorative xmlns:adec="http://schemas.microsoft.com/office/drawing/2017/decorative" val="1"/>
               </a:ext>
             </a:extLst>
           </p:cNvPr>
@@ -10865,7 +12225,7 @@
                 <a16:creationId xmlns:a16="http://schemas.microsoft.com/office/drawing/2014/main" id="{64E585EA-75FD-4025-8270-F66A58A15CDA}"/>
               </a:ext>
               <a:ext uri="{C183D7F6-B498-43B3-948B-1728B52AA6E4}">
-                <adec:decorative xmlns:adec="http://schemas.microsoft.com/office/drawing/2017/decorative" xmlns="" val="1"/>
+                <adec:decorative xmlns:adec="http://schemas.microsoft.com/office/drawing/2017/decorative" val="1"/>
               </a:ext>
             </a:extLst>
           </p:cNvPr>
@@ -10969,39 +12329,58 @@
       </p:sp>
       <p:sp>
         <p:nvSpPr>
-          <p:cNvPr id="2" name="Title 1">
+          <p:cNvPr id="15" name="Title 1">
             <a:extLst>
               <a:ext uri="{FF2B5EF4-FFF2-40B4-BE49-F238E27FC236}">
-                <a16:creationId xmlns:a16="http://schemas.microsoft.com/office/drawing/2014/main" id="{73E58393-FEB3-4B08-B74E-4ACC83A6772C}"/>
+                <a16:creationId xmlns:a16="http://schemas.microsoft.com/office/drawing/2014/main" id="{A777DF69-59BC-554B-B283-4FD871EE2719}"/>
               </a:ext>
             </a:extLst>
           </p:cNvPr>
-          <p:cNvSpPr>
-            <a:spLocks noGrp="1"/>
-          </p:cNvSpPr>
-          <p:nvPr>
-            <p:ph type="title"/>
-          </p:nvPr>
+          <p:cNvSpPr txBox="1">
+            <a:spLocks/>
+          </p:cNvSpPr>
+          <p:nvPr/>
         </p:nvSpPr>
         <p:spPr>
           <a:xfrm>
             <a:off x="833002" y="365125"/>
             <a:ext cx="10520702" cy="1325563"/>
           </a:xfrm>
+          <a:prstGeom prst="rect">
+            <a:avLst/>
+          </a:prstGeom>
         </p:spPr>
         <p:txBody>
-          <a:bodyPr>
+          <a:bodyPr vert="horz" lIns="91440" tIns="45720" rIns="91440" bIns="45720" rtlCol="0" anchor="ctr">
             <a:normAutofit/>
           </a:bodyPr>
-          <a:lstStyle/>
-          <a:p>
-            <a:r>
-              <a:rPr lang="en-GB" dirty="0">
+          <a:lstStyle>
+            <a:lvl1pPr algn="l" defTabSz="914400" rtl="0" eaLnBrk="1" latinLnBrk="0" hangingPunct="1">
+              <a:lnSpc>
+                <a:spcPct val="90000"/>
+              </a:lnSpc>
+              <a:spcBef>
+                <a:spcPct val="0"/>
+              </a:spcBef>
+              <a:buNone/>
+              <a:defRPr sz="4400" kern="1200">
+                <a:solidFill>
+                  <a:schemeClr val="tx1"/>
+                </a:solidFill>
+                <a:latin typeface="+mj-lt"/>
+                <a:ea typeface="+mj-ea"/>
+                <a:cs typeface="+mj-cs"/>
+              </a:defRPr>
+            </a:lvl1pPr>
+          </a:lstStyle>
+          <a:p>
+            <a:r>
+              <a:rPr lang="en-GB">
                 <a:solidFill>
                   <a:srgbClr val="FFFFFF"/>
                 </a:solidFill>
               </a:rPr>
-              <a:t>Performance Testing – h2</a:t>
+              <a:t>Performance Testing – MongoDB</a:t>
             </a:r>
             <a:endParaRPr lang="de-DE" dirty="0">
               <a:solidFill>
@@ -11013,21 +12392,19 @@
       </p:sp>
       <p:pic>
         <p:nvPicPr>
-          <p:cNvPr id="11" name="Content Placeholder 8">
+          <p:cNvPr id="16" name="Picture 15">
             <a:extLst>
               <a:ext uri="{FF2B5EF4-FFF2-40B4-BE49-F238E27FC236}">
-                <a16:creationId xmlns:a16="http://schemas.microsoft.com/office/drawing/2014/main" id="{A94844D6-82EC-4BB7-BBE9-5167B540BE09}"/>
+                <a16:creationId xmlns:a16="http://schemas.microsoft.com/office/drawing/2014/main" id="{B06BD312-182F-C043-94D6-5E0FE8328D98}"/>
               </a:ext>
             </a:extLst>
           </p:cNvPr>
           <p:cNvPicPr>
-            <a:picLocks noGrp="1" noChangeAspect="1"/>
+            <a:picLocks noChangeAspect="1"/>
           </p:cNvPicPr>
-          <p:nvPr>
-            <p:ph idx="1"/>
-          </p:nvPr>
+          <p:nvPr/>
         </p:nvPicPr>
-        <p:blipFill>
+        <p:blipFill rotWithShape="1">
           <a:blip r:embed="rId3">
             <a:extLst>
               <a:ext uri="{28A0092B-C50C-407E-A947-70E740481C1C}">
@@ -11035,15 +12412,354 @@
               </a:ext>
             </a:extLst>
           </a:blip>
-          <a:stretch>
-            <a:fillRect/>
-          </a:stretch>
+          <a:srcRect t="50371" b="-23449"/>
+          <a:stretch/>
         </p:blipFill>
         <p:spPr>
           <a:xfrm>
-            <a:off x="334208" y="2055813"/>
-            <a:ext cx="11518290" cy="3497060"/>
+            <a:off x="822990" y="1556949"/>
+            <a:ext cx="6599961" cy="782127"/>
           </a:xfrm>
+          <a:prstGeom prst="rect">
+            <a:avLst/>
+          </a:prstGeom>
+        </p:spPr>
+      </p:pic>
+      <p:pic>
+        <p:nvPicPr>
+          <p:cNvPr id="17" name="Picture 16">
+            <a:extLst>
+              <a:ext uri="{FF2B5EF4-FFF2-40B4-BE49-F238E27FC236}">
+                <a16:creationId xmlns:a16="http://schemas.microsoft.com/office/drawing/2014/main" id="{23646029-E2BB-4F42-8AD3-543F289619FB}"/>
+              </a:ext>
+            </a:extLst>
+          </p:cNvPr>
+          <p:cNvPicPr>
+            <a:picLocks noChangeAspect="1"/>
+          </p:cNvPicPr>
+          <p:nvPr/>
+        </p:nvPicPr>
+        <p:blipFill rotWithShape="1">
+          <a:blip r:embed="rId4">
+            <a:extLst>
+              <a:ext uri="{28A0092B-C50C-407E-A947-70E740481C1C}">
+                <a14:useLocalDpi xmlns:a14="http://schemas.microsoft.com/office/drawing/2010/main" val="0"/>
+              </a:ext>
+            </a:extLst>
+          </a:blip>
+          <a:srcRect r="24190"/>
+          <a:stretch/>
+        </p:blipFill>
+        <p:spPr>
+          <a:xfrm>
+            <a:off x="822990" y="2461253"/>
+            <a:ext cx="8839996" cy="1208727"/>
+          </a:xfrm>
+          <a:prstGeom prst="rect">
+            <a:avLst/>
+          </a:prstGeom>
+        </p:spPr>
+      </p:pic>
+      <p:sp>
+        <p:nvSpPr>
+          <p:cNvPr id="18" name="Content Placeholder 2">
+            <a:extLst>
+              <a:ext uri="{FF2B5EF4-FFF2-40B4-BE49-F238E27FC236}">
+                <a16:creationId xmlns:a16="http://schemas.microsoft.com/office/drawing/2014/main" id="{43B04751-BAD9-D444-87DB-6D8CB16CD288}"/>
+              </a:ext>
+            </a:extLst>
+          </p:cNvPr>
+          <p:cNvSpPr txBox="1">
+            <a:spLocks/>
+          </p:cNvSpPr>
+          <p:nvPr/>
+        </p:nvSpPr>
+        <p:spPr>
+          <a:xfrm>
+            <a:off x="838200" y="4151941"/>
+            <a:ext cx="5562599" cy="2025021"/>
+          </a:xfrm>
+          <a:prstGeom prst="rect">
+            <a:avLst/>
+          </a:prstGeom>
+        </p:spPr>
+        <p:txBody>
+          <a:bodyPr vert="horz" lIns="91440" tIns="45720" rIns="91440" bIns="45720" rtlCol="0">
+            <a:normAutofit/>
+          </a:bodyPr>
+          <a:lstStyle>
+            <a:lvl1pPr marL="228600" indent="-228600" algn="l" defTabSz="914400" rtl="0" eaLnBrk="1" latinLnBrk="0" hangingPunct="1">
+              <a:lnSpc>
+                <a:spcPct val="90000"/>
+              </a:lnSpc>
+              <a:spcBef>
+                <a:spcPts val="1000"/>
+              </a:spcBef>
+              <a:buFont typeface="Arial" panose="020B0604020202020204" pitchFamily="34" charset="0"/>
+              <a:buChar char="•"/>
+              <a:defRPr sz="2800" kern="1200">
+                <a:solidFill>
+                  <a:schemeClr val="tx1"/>
+                </a:solidFill>
+                <a:latin typeface="+mn-lt"/>
+                <a:ea typeface="+mn-ea"/>
+                <a:cs typeface="+mn-cs"/>
+              </a:defRPr>
+            </a:lvl1pPr>
+            <a:lvl2pPr marL="685800" indent="-228600" algn="l" defTabSz="914400" rtl="0" eaLnBrk="1" latinLnBrk="0" hangingPunct="1">
+              <a:lnSpc>
+                <a:spcPct val="90000"/>
+              </a:lnSpc>
+              <a:spcBef>
+                <a:spcPts val="500"/>
+              </a:spcBef>
+              <a:buFont typeface="Arial" panose="020B0604020202020204" pitchFamily="34" charset="0"/>
+              <a:buChar char="•"/>
+              <a:defRPr sz="2400" kern="1200">
+                <a:solidFill>
+                  <a:schemeClr val="tx1"/>
+                </a:solidFill>
+                <a:latin typeface="+mn-lt"/>
+                <a:ea typeface="+mn-ea"/>
+                <a:cs typeface="+mn-cs"/>
+              </a:defRPr>
+            </a:lvl2pPr>
+            <a:lvl3pPr marL="1143000" indent="-228600" algn="l" defTabSz="914400" rtl="0" eaLnBrk="1" latinLnBrk="0" hangingPunct="1">
+              <a:lnSpc>
+                <a:spcPct val="90000"/>
+              </a:lnSpc>
+              <a:spcBef>
+                <a:spcPts val="500"/>
+              </a:spcBef>
+              <a:buFont typeface="Arial" panose="020B0604020202020204" pitchFamily="34" charset="0"/>
+              <a:buChar char="•"/>
+              <a:defRPr sz="2000" kern="1200">
+                <a:solidFill>
+                  <a:schemeClr val="tx1"/>
+                </a:solidFill>
+                <a:latin typeface="+mn-lt"/>
+                <a:ea typeface="+mn-ea"/>
+                <a:cs typeface="+mn-cs"/>
+              </a:defRPr>
+            </a:lvl3pPr>
+            <a:lvl4pPr marL="1600200" indent="-228600" algn="l" defTabSz="914400" rtl="0" eaLnBrk="1" latinLnBrk="0" hangingPunct="1">
+              <a:lnSpc>
+                <a:spcPct val="90000"/>
+              </a:lnSpc>
+              <a:spcBef>
+                <a:spcPts val="500"/>
+              </a:spcBef>
+              <a:buFont typeface="Arial" panose="020B0604020202020204" pitchFamily="34" charset="0"/>
+              <a:buChar char="•"/>
+              <a:defRPr sz="1800" kern="1200">
+                <a:solidFill>
+                  <a:schemeClr val="tx1"/>
+                </a:solidFill>
+                <a:latin typeface="+mn-lt"/>
+                <a:ea typeface="+mn-ea"/>
+                <a:cs typeface="+mn-cs"/>
+              </a:defRPr>
+            </a:lvl4pPr>
+            <a:lvl5pPr marL="2057400" indent="-228600" algn="l" defTabSz="914400" rtl="0" eaLnBrk="1" latinLnBrk="0" hangingPunct="1">
+              <a:lnSpc>
+                <a:spcPct val="90000"/>
+              </a:lnSpc>
+              <a:spcBef>
+                <a:spcPts val="500"/>
+              </a:spcBef>
+              <a:buFont typeface="Arial" panose="020B0604020202020204" pitchFamily="34" charset="0"/>
+              <a:buChar char="•"/>
+              <a:defRPr sz="1800" kern="1200">
+                <a:solidFill>
+                  <a:schemeClr val="tx1"/>
+                </a:solidFill>
+                <a:latin typeface="+mn-lt"/>
+                <a:ea typeface="+mn-ea"/>
+                <a:cs typeface="+mn-cs"/>
+              </a:defRPr>
+            </a:lvl5pPr>
+            <a:lvl6pPr marL="2514600" indent="-228600" algn="l" defTabSz="914400" rtl="0" eaLnBrk="1" latinLnBrk="0" hangingPunct="1">
+              <a:lnSpc>
+                <a:spcPct val="90000"/>
+              </a:lnSpc>
+              <a:spcBef>
+                <a:spcPts val="500"/>
+              </a:spcBef>
+              <a:buFont typeface="Arial" panose="020B0604020202020204" pitchFamily="34" charset="0"/>
+              <a:buChar char="•"/>
+              <a:defRPr sz="1800" kern="1200">
+                <a:solidFill>
+                  <a:schemeClr val="tx1"/>
+                </a:solidFill>
+                <a:latin typeface="+mn-lt"/>
+                <a:ea typeface="+mn-ea"/>
+                <a:cs typeface="+mn-cs"/>
+              </a:defRPr>
+            </a:lvl6pPr>
+            <a:lvl7pPr marL="2971800" indent="-228600" algn="l" defTabSz="914400" rtl="0" eaLnBrk="1" latinLnBrk="0" hangingPunct="1">
+              <a:lnSpc>
+                <a:spcPct val="90000"/>
+              </a:lnSpc>
+              <a:spcBef>
+                <a:spcPts val="500"/>
+              </a:spcBef>
+              <a:buFont typeface="Arial" panose="020B0604020202020204" pitchFamily="34" charset="0"/>
+              <a:buChar char="•"/>
+              <a:defRPr sz="1800" kern="1200">
+                <a:solidFill>
+                  <a:schemeClr val="tx1"/>
+                </a:solidFill>
+                <a:latin typeface="+mn-lt"/>
+                <a:ea typeface="+mn-ea"/>
+                <a:cs typeface="+mn-cs"/>
+              </a:defRPr>
+            </a:lvl7pPr>
+            <a:lvl8pPr marL="3429000" indent="-228600" algn="l" defTabSz="914400" rtl="0" eaLnBrk="1" latinLnBrk="0" hangingPunct="1">
+              <a:lnSpc>
+                <a:spcPct val="90000"/>
+              </a:lnSpc>
+              <a:spcBef>
+                <a:spcPts val="500"/>
+              </a:spcBef>
+              <a:buFont typeface="Arial" panose="020B0604020202020204" pitchFamily="34" charset="0"/>
+              <a:buChar char="•"/>
+              <a:defRPr sz="1800" kern="1200">
+                <a:solidFill>
+                  <a:schemeClr val="tx1"/>
+                </a:solidFill>
+                <a:latin typeface="+mn-lt"/>
+                <a:ea typeface="+mn-ea"/>
+                <a:cs typeface="+mn-cs"/>
+              </a:defRPr>
+            </a:lvl8pPr>
+            <a:lvl9pPr marL="3886200" indent="-228600" algn="l" defTabSz="914400" rtl="0" eaLnBrk="1" latinLnBrk="0" hangingPunct="1">
+              <a:lnSpc>
+                <a:spcPct val="90000"/>
+              </a:lnSpc>
+              <a:spcBef>
+                <a:spcPts val="500"/>
+              </a:spcBef>
+              <a:buFont typeface="Arial" panose="020B0604020202020204" pitchFamily="34" charset="0"/>
+              <a:buChar char="•"/>
+              <a:defRPr sz="1800" kern="1200">
+                <a:solidFill>
+                  <a:schemeClr val="tx1"/>
+                </a:solidFill>
+                <a:latin typeface="+mn-lt"/>
+                <a:ea typeface="+mn-ea"/>
+                <a:cs typeface="+mn-cs"/>
+              </a:defRPr>
+            </a:lvl9pPr>
+          </a:lstStyle>
+          <a:p>
+            <a:r>
+              <a:rPr lang="en-GB" sz="2000" dirty="0">
+                <a:solidFill>
+                  <a:srgbClr val="FFFFFF"/>
+                </a:solidFill>
+              </a:rPr>
+              <a:t>~ 14 mal </a:t>
+            </a:r>
+            <a:r>
+              <a:rPr lang="en-GB" sz="2000" dirty="0" err="1">
+                <a:solidFill>
+                  <a:srgbClr val="FFFFFF"/>
+                </a:solidFill>
+              </a:rPr>
+              <a:t>schneller</a:t>
+            </a:r>
+            <a:r>
+              <a:rPr lang="en-GB" sz="2000" dirty="0">
+                <a:solidFill>
+                  <a:srgbClr val="FFFFFF"/>
+                </a:solidFill>
+              </a:rPr>
+              <a:t> </a:t>
+            </a:r>
+            <a:r>
+              <a:rPr lang="en-GB" sz="2000" dirty="0" err="1">
+                <a:solidFill>
+                  <a:srgbClr val="FFFFFF"/>
+                </a:solidFill>
+              </a:rPr>
+              <a:t>im</a:t>
+            </a:r>
+            <a:r>
+              <a:rPr lang="en-GB" sz="2000" dirty="0">
+                <a:solidFill>
+                  <a:srgbClr val="FFFFFF"/>
+                </a:solidFill>
+              </a:rPr>
+              <a:t> </a:t>
+            </a:r>
+            <a:r>
+              <a:rPr lang="en-GB" sz="2000" dirty="0" err="1">
+                <a:solidFill>
+                  <a:srgbClr val="FFFFFF"/>
+                </a:solidFill>
+              </a:rPr>
+              <a:t>Vergleich</a:t>
+            </a:r>
+            <a:r>
+              <a:rPr lang="en-GB" sz="2000" dirty="0">
+                <a:solidFill>
+                  <a:srgbClr val="FFFFFF"/>
+                </a:solidFill>
+              </a:rPr>
+              <a:t> </a:t>
+            </a:r>
+            <a:r>
+              <a:rPr lang="en-GB" sz="2000" dirty="0" err="1">
+                <a:solidFill>
+                  <a:srgbClr val="FFFFFF"/>
+                </a:solidFill>
+              </a:rPr>
+              <a:t>zu</a:t>
+            </a:r>
+            <a:r>
+              <a:rPr lang="en-GB" sz="2000" dirty="0">
+                <a:solidFill>
+                  <a:srgbClr val="FFFFFF"/>
+                </a:solidFill>
+              </a:rPr>
+              <a:t> h2</a:t>
+            </a:r>
+          </a:p>
+        </p:txBody>
+      </p:sp>
+      <p:pic>
+        <p:nvPicPr>
+          <p:cNvPr id="19" name="Picture 18">
+            <a:extLst>
+              <a:ext uri="{FF2B5EF4-FFF2-40B4-BE49-F238E27FC236}">
+                <a16:creationId xmlns:a16="http://schemas.microsoft.com/office/drawing/2014/main" id="{20CA4D11-9D95-FC42-B3D9-9DFCE9DFE799}"/>
+              </a:ext>
+            </a:extLst>
+          </p:cNvPr>
+          <p:cNvPicPr>
+            <a:picLocks noChangeAspect="1"/>
+          </p:cNvPicPr>
+          <p:nvPr/>
+        </p:nvPicPr>
+        <p:blipFill rotWithShape="1">
+          <a:blip r:embed="rId4">
+            <a:extLst>
+              <a:ext uri="{28A0092B-C50C-407E-A947-70E740481C1C}">
+                <a14:useLocalDpi xmlns:a14="http://schemas.microsoft.com/office/drawing/2010/main" val="0"/>
+              </a:ext>
+            </a:extLst>
+          </a:blip>
+          <a:srcRect l="67121"/>
+          <a:stretch/>
+        </p:blipFill>
+        <p:spPr>
+          <a:xfrm>
+            <a:off x="6808564" y="2461253"/>
+            <a:ext cx="3833917" cy="1208727"/>
+          </a:xfrm>
+          <a:prstGeom prst="rect">
+            <a:avLst/>
+          </a:prstGeom>
         </p:spPr>
       </p:pic>
     </p:spTree>
@@ -11092,7 +12808,7 @@
                 <a16:creationId xmlns:a16="http://schemas.microsoft.com/office/drawing/2014/main" id="{EA67B5B4-3A24-436E-B663-1B2EBFF8A0CD}"/>
               </a:ext>
               <a:ext uri="{C183D7F6-B498-43B3-948B-1728B52AA6E4}">
-                <adec:decorative xmlns:adec="http://schemas.microsoft.com/office/drawing/2017/decorative" xmlns="" val="1"/>
+                <adec:decorative xmlns:adec="http://schemas.microsoft.com/office/drawing/2017/decorative" val="1"/>
               </a:ext>
             </a:extLst>
           </p:cNvPr>
@@ -11155,7 +12871,7 @@
                 <a16:creationId xmlns:a16="http://schemas.microsoft.com/office/drawing/2014/main" id="{987FDF89-C993-41F4-A1B8-DBAFF16008A9}"/>
               </a:ext>
               <a:ext uri="{C183D7F6-B498-43B3-948B-1728B52AA6E4}">
-                <adec:decorative xmlns:adec="http://schemas.microsoft.com/office/drawing/2017/decorative" xmlns="" val="1"/>
+                <adec:decorative xmlns:adec="http://schemas.microsoft.com/office/drawing/2017/decorative" val="1"/>
               </a:ext>
             </a:extLst>
           </p:cNvPr>
@@ -11263,7 +12979,7 @@
                 <a16:creationId xmlns:a16="http://schemas.microsoft.com/office/drawing/2014/main" id="{64E585EA-75FD-4025-8270-F66A58A15CDA}"/>
               </a:ext>
               <a:ext uri="{C183D7F6-B498-43B3-948B-1728B52AA6E4}">
-                <adec:decorative xmlns:adec="http://schemas.microsoft.com/office/drawing/2017/decorative" xmlns="" val="1"/>
+                <adec:decorative xmlns:adec="http://schemas.microsoft.com/office/drawing/2017/decorative" val="1"/>
               </a:ext>
             </a:extLst>
           </p:cNvPr>
@@ -11399,7 +13115,7 @@
                   <a:srgbClr val="FFFFFF"/>
                 </a:solidFill>
               </a:rPr>
-              <a:t>Performance Testing – MongoDB</a:t>
+              <a:t>Performance Profiling</a:t>
             </a:r>
             <a:endParaRPr lang="de-DE" dirty="0">
               <a:solidFill>
@@ -11409,12 +13125,188 @@
           </a:p>
         </p:txBody>
       </p:sp>
+      <p:sp>
+        <p:nvSpPr>
+          <p:cNvPr id="3" name="Content Placeholder 2">
+            <a:extLst>
+              <a:ext uri="{FF2B5EF4-FFF2-40B4-BE49-F238E27FC236}">
+                <a16:creationId xmlns:a16="http://schemas.microsoft.com/office/drawing/2014/main" id="{28C27B4B-ACD4-45BA-A576-ADEB5F08A5FC}"/>
+              </a:ext>
+            </a:extLst>
+          </p:cNvPr>
+          <p:cNvSpPr>
+            <a:spLocks noGrp="1"/>
+          </p:cNvSpPr>
+          <p:nvPr>
+            <p:ph idx="1"/>
+          </p:nvPr>
+        </p:nvSpPr>
+        <p:spPr>
+          <a:xfrm>
+            <a:off x="838201" y="2022601"/>
+            <a:ext cx="10515598" cy="4154361"/>
+          </a:xfrm>
+        </p:spPr>
+        <p:txBody>
+          <a:bodyPr>
+            <a:normAutofit/>
+          </a:bodyPr>
+          <a:lstStyle/>
+          <a:p>
+            <a:r>
+              <a:rPr lang="en-GB" sz="2000" dirty="0">
+                <a:solidFill>
+                  <a:srgbClr val="FFFFFF"/>
+                </a:solidFill>
+              </a:rPr>
+              <a:t>Gatling</a:t>
+            </a:r>
+          </a:p>
+          <a:p>
+            <a:r>
+              <a:rPr lang="en-GB" sz="2000" dirty="0" err="1">
+                <a:solidFill>
+                  <a:srgbClr val="FFFFFF"/>
+                </a:solidFill>
+              </a:rPr>
+              <a:t>Senden</a:t>
+            </a:r>
+            <a:r>
+              <a:rPr lang="en-GB" sz="2000" dirty="0">
+                <a:solidFill>
+                  <a:srgbClr val="FFFFFF"/>
+                </a:solidFill>
+              </a:rPr>
+              <a:t> von n </a:t>
+            </a:r>
+            <a:r>
+              <a:rPr lang="en-GB" sz="2000" dirty="0" err="1">
+                <a:solidFill>
+                  <a:srgbClr val="FFFFFF"/>
+                </a:solidFill>
+              </a:rPr>
+              <a:t>Anfragen</a:t>
+            </a:r>
+            <a:r>
+              <a:rPr lang="en-GB" sz="2000" dirty="0">
+                <a:solidFill>
+                  <a:srgbClr val="FFFFFF"/>
+                </a:solidFill>
+              </a:rPr>
+              <a:t> pro </a:t>
+            </a:r>
+            <a:r>
+              <a:rPr lang="en-GB" sz="2000" dirty="0" err="1">
+                <a:solidFill>
+                  <a:srgbClr val="FFFFFF"/>
+                </a:solidFill>
+              </a:rPr>
+              <a:t>Sekunde</a:t>
+            </a:r>
+            <a:r>
+              <a:rPr lang="en-GB" sz="2000" dirty="0">
+                <a:solidFill>
+                  <a:srgbClr val="FFFFFF"/>
+                </a:solidFill>
+              </a:rPr>
+              <a:t> (</a:t>
+            </a:r>
+            <a:r>
+              <a:rPr lang="en-GB" sz="2000" dirty="0" err="1">
+                <a:solidFill>
+                  <a:srgbClr val="FFFFFF"/>
+                </a:solidFill>
+              </a:rPr>
+              <a:t>über</a:t>
+            </a:r>
+            <a:r>
+              <a:rPr lang="en-GB" sz="2000" dirty="0">
+                <a:solidFill>
+                  <a:srgbClr val="FFFFFF"/>
+                </a:solidFill>
+              </a:rPr>
+              <a:t> </a:t>
+            </a:r>
+            <a:r>
+              <a:rPr lang="en-GB" sz="2000" dirty="0" err="1">
+                <a:solidFill>
+                  <a:srgbClr val="FFFFFF"/>
+                </a:solidFill>
+              </a:rPr>
+              <a:t>einen</a:t>
+            </a:r>
+            <a:r>
+              <a:rPr lang="en-GB" sz="2000" dirty="0">
+                <a:solidFill>
+                  <a:srgbClr val="FFFFFF"/>
+                </a:solidFill>
+              </a:rPr>
+              <a:t> </a:t>
+            </a:r>
+            <a:r>
+              <a:rPr lang="en-GB" sz="2000" dirty="0" err="1">
+                <a:solidFill>
+                  <a:srgbClr val="FFFFFF"/>
+                </a:solidFill>
+              </a:rPr>
+              <a:t>Zeitraum</a:t>
+            </a:r>
+            <a:r>
+              <a:rPr lang="en-GB" sz="2000" dirty="0">
+                <a:solidFill>
+                  <a:srgbClr val="FFFFFF"/>
+                </a:solidFill>
+              </a:rPr>
+              <a:t> von 15s) an die Rest API</a:t>
+            </a:r>
+          </a:p>
+          <a:p>
+            <a:r>
+              <a:rPr lang="en-GB" sz="2000" dirty="0" err="1">
+                <a:solidFill>
+                  <a:srgbClr val="FFFFFF"/>
+                </a:solidFill>
+              </a:rPr>
+              <a:t>Ausgeführt</a:t>
+            </a:r>
+            <a:r>
+              <a:rPr lang="en-GB" sz="2000" dirty="0">
+                <a:solidFill>
+                  <a:srgbClr val="FFFFFF"/>
+                </a:solidFill>
+              </a:rPr>
+              <a:t> auf </a:t>
+            </a:r>
+            <a:r>
+              <a:rPr lang="en-GB" sz="2000" dirty="0" err="1">
+                <a:solidFill>
+                  <a:srgbClr val="FFFFFF"/>
+                </a:solidFill>
+              </a:rPr>
+              <a:t>folgender</a:t>
+            </a:r>
+            <a:r>
+              <a:rPr lang="en-GB" sz="2000" dirty="0">
+                <a:solidFill>
+                  <a:srgbClr val="FFFFFF"/>
+                </a:solidFill>
+              </a:rPr>
+              <a:t> Hardware</a:t>
+            </a:r>
+            <a:endParaRPr lang="de-DE" sz="2000" dirty="0">
+              <a:solidFill>
+                <a:srgbClr val="FFFFFF"/>
+              </a:solidFill>
+            </a:endParaRPr>
+          </a:p>
+        </p:txBody>
+      </p:sp>
       <p:pic>
         <p:nvPicPr>
-          <p:cNvPr id="11" name="Picture 10">
+          <p:cNvPr id="7" name="Content Placeholder 14">
             <a:extLst>
               <a:ext uri="{FF2B5EF4-FFF2-40B4-BE49-F238E27FC236}">
-                <a16:creationId xmlns:a16="http://schemas.microsoft.com/office/drawing/2014/main" id="{A94B93EA-0FEE-4DE6-BB39-429796F2C376}"/>
+                <a16:creationId xmlns:a16="http://schemas.microsoft.com/office/drawing/2014/main" id="{CC49589A-A587-4F31-97AB-F7644755AAFA}"/>
               </a:ext>
             </a:extLst>
           </p:cNvPr>
@@ -11437,8 +13329,8 @@
         </p:blipFill>
         <p:spPr>
           <a:xfrm>
-            <a:off x="833002" y="2306782"/>
-            <a:ext cx="6599961" cy="1070264"/>
+            <a:off x="1136522" y="3341586"/>
+            <a:ext cx="4158561" cy="1267854"/>
           </a:xfrm>
           <a:prstGeom prst="rect">
             <a:avLst/>
@@ -11448,7 +13340,7 @@
     </p:spTree>
     <p:extLst>
       <p:ext uri="{BB962C8B-B14F-4D97-AF65-F5344CB8AC3E}">
-        <p14:creationId xmlns:p14="http://schemas.microsoft.com/office/powerpoint/2010/main" val="2682676773"/>
+        <p14:creationId xmlns:p14="http://schemas.microsoft.com/office/powerpoint/2010/main" val="3337000110"/>
       </p:ext>
     </p:extLst>
   </p:cSld>
@@ -11491,7 +13383,7 @@
                 <a16:creationId xmlns:a16="http://schemas.microsoft.com/office/drawing/2014/main" id="{EA67B5B4-3A24-436E-B663-1B2EBFF8A0CD}"/>
               </a:ext>
               <a:ext uri="{C183D7F6-B498-43B3-948B-1728B52AA6E4}">
-                <adec:decorative xmlns:adec="http://schemas.microsoft.com/office/drawing/2017/decorative" xmlns="" val="1"/>
+                <adec:decorative xmlns:adec="http://schemas.microsoft.com/office/drawing/2017/decorative" val="1"/>
               </a:ext>
             </a:extLst>
           </p:cNvPr>
@@ -11554,7 +13446,7 @@
                 <a16:creationId xmlns:a16="http://schemas.microsoft.com/office/drawing/2014/main" id="{987FDF89-C993-41F4-A1B8-DBAFF16008A9}"/>
               </a:ext>
               <a:ext uri="{C183D7F6-B498-43B3-948B-1728B52AA6E4}">
-                <adec:decorative xmlns:adec="http://schemas.microsoft.com/office/drawing/2017/decorative" xmlns="" val="1"/>
+                <adec:decorative xmlns:adec="http://schemas.microsoft.com/office/drawing/2017/decorative" val="1"/>
               </a:ext>
             </a:extLst>
           </p:cNvPr>
@@ -11662,7 +13554,7 @@
                 <a16:creationId xmlns:a16="http://schemas.microsoft.com/office/drawing/2014/main" id="{64E585EA-75FD-4025-8270-F66A58A15CDA}"/>
               </a:ext>
               <a:ext uri="{C183D7F6-B498-43B3-948B-1728B52AA6E4}">
-                <adec:decorative xmlns:adec="http://schemas.microsoft.com/office/drawing/2017/decorative" xmlns="" val="1"/>
+                <adec:decorative xmlns:adec="http://schemas.microsoft.com/office/drawing/2017/decorative" val="1"/>
               </a:ext>
             </a:extLst>
           </p:cNvPr>
@@ -11808,188 +13700,12 @@
           </a:p>
         </p:txBody>
       </p:sp>
-      <p:sp>
-        <p:nvSpPr>
-          <p:cNvPr id="3" name="Content Placeholder 2">
-            <a:extLst>
-              <a:ext uri="{FF2B5EF4-FFF2-40B4-BE49-F238E27FC236}">
-                <a16:creationId xmlns:a16="http://schemas.microsoft.com/office/drawing/2014/main" id="{28C27B4B-ACD4-45BA-A576-ADEB5F08A5FC}"/>
-              </a:ext>
-            </a:extLst>
-          </p:cNvPr>
-          <p:cNvSpPr>
-            <a:spLocks noGrp="1"/>
-          </p:cNvSpPr>
-          <p:nvPr>
-            <p:ph idx="1"/>
-          </p:nvPr>
-        </p:nvSpPr>
-        <p:spPr>
-          <a:xfrm>
-            <a:off x="838201" y="2022601"/>
-            <a:ext cx="10515598" cy="4154361"/>
-          </a:xfrm>
-        </p:spPr>
-        <p:txBody>
-          <a:bodyPr>
-            <a:normAutofit/>
-          </a:bodyPr>
-          <a:lstStyle/>
-          <a:p>
-            <a:r>
-              <a:rPr lang="en-GB" sz="2000" dirty="0">
-                <a:solidFill>
-                  <a:srgbClr val="FFFFFF"/>
-                </a:solidFill>
-              </a:rPr>
-              <a:t>Gatling</a:t>
-            </a:r>
-          </a:p>
-          <a:p>
-            <a:r>
-              <a:rPr lang="en-GB" sz="2000" dirty="0" err="1">
-                <a:solidFill>
-                  <a:srgbClr val="FFFFFF"/>
-                </a:solidFill>
-              </a:rPr>
-              <a:t>Senden</a:t>
-            </a:r>
-            <a:r>
-              <a:rPr lang="en-GB" sz="2000" dirty="0">
-                <a:solidFill>
-                  <a:srgbClr val="FFFFFF"/>
-                </a:solidFill>
-              </a:rPr>
-              <a:t> von n </a:t>
-            </a:r>
-            <a:r>
-              <a:rPr lang="en-GB" sz="2000" dirty="0" err="1">
-                <a:solidFill>
-                  <a:srgbClr val="FFFFFF"/>
-                </a:solidFill>
-              </a:rPr>
-              <a:t>Anfragen</a:t>
-            </a:r>
-            <a:r>
-              <a:rPr lang="en-GB" sz="2000" dirty="0">
-                <a:solidFill>
-                  <a:srgbClr val="FFFFFF"/>
-                </a:solidFill>
-              </a:rPr>
-              <a:t> pro </a:t>
-            </a:r>
-            <a:r>
-              <a:rPr lang="en-GB" sz="2000" dirty="0" err="1">
-                <a:solidFill>
-                  <a:srgbClr val="FFFFFF"/>
-                </a:solidFill>
-              </a:rPr>
-              <a:t>Sekunde</a:t>
-            </a:r>
-            <a:r>
-              <a:rPr lang="en-GB" sz="2000" dirty="0">
-                <a:solidFill>
-                  <a:srgbClr val="FFFFFF"/>
-                </a:solidFill>
-              </a:rPr>
-              <a:t> (</a:t>
-            </a:r>
-            <a:r>
-              <a:rPr lang="en-GB" sz="2000" dirty="0" err="1">
-                <a:solidFill>
-                  <a:srgbClr val="FFFFFF"/>
-                </a:solidFill>
-              </a:rPr>
-              <a:t>über</a:t>
-            </a:r>
-            <a:r>
-              <a:rPr lang="en-GB" sz="2000" dirty="0">
-                <a:solidFill>
-                  <a:srgbClr val="FFFFFF"/>
-                </a:solidFill>
-              </a:rPr>
-              <a:t> </a:t>
-            </a:r>
-            <a:r>
-              <a:rPr lang="en-GB" sz="2000" dirty="0" err="1">
-                <a:solidFill>
-                  <a:srgbClr val="FFFFFF"/>
-                </a:solidFill>
-              </a:rPr>
-              <a:t>einen</a:t>
-            </a:r>
-            <a:r>
-              <a:rPr lang="en-GB" sz="2000" dirty="0">
-                <a:solidFill>
-                  <a:srgbClr val="FFFFFF"/>
-                </a:solidFill>
-              </a:rPr>
-              <a:t> </a:t>
-            </a:r>
-            <a:r>
-              <a:rPr lang="en-GB" sz="2000" dirty="0" err="1">
-                <a:solidFill>
-                  <a:srgbClr val="FFFFFF"/>
-                </a:solidFill>
-              </a:rPr>
-              <a:t>Zeitraum</a:t>
-            </a:r>
-            <a:r>
-              <a:rPr lang="en-GB" sz="2000" dirty="0">
-                <a:solidFill>
-                  <a:srgbClr val="FFFFFF"/>
-                </a:solidFill>
-              </a:rPr>
-              <a:t> von 15s) an die Rest API</a:t>
-            </a:r>
-          </a:p>
-          <a:p>
-            <a:r>
-              <a:rPr lang="en-GB" sz="2000" dirty="0" err="1">
-                <a:solidFill>
-                  <a:srgbClr val="FFFFFF"/>
-                </a:solidFill>
-              </a:rPr>
-              <a:t>Ausgeführt</a:t>
-            </a:r>
-            <a:r>
-              <a:rPr lang="en-GB" sz="2000" dirty="0">
-                <a:solidFill>
-                  <a:srgbClr val="FFFFFF"/>
-                </a:solidFill>
-              </a:rPr>
-              <a:t> auf </a:t>
-            </a:r>
-            <a:r>
-              <a:rPr lang="en-GB" sz="2000" dirty="0" err="1">
-                <a:solidFill>
-                  <a:srgbClr val="FFFFFF"/>
-                </a:solidFill>
-              </a:rPr>
-              <a:t>folgender</a:t>
-            </a:r>
-            <a:r>
-              <a:rPr lang="en-GB" sz="2000" dirty="0">
-                <a:solidFill>
-                  <a:srgbClr val="FFFFFF"/>
-                </a:solidFill>
-              </a:rPr>
-              <a:t> Hardware</a:t>
-            </a:r>
-            <a:endParaRPr lang="de-DE" sz="2000" dirty="0">
-              <a:solidFill>
-                <a:srgbClr val="FFFFFF"/>
-              </a:solidFill>
-            </a:endParaRPr>
-          </a:p>
-        </p:txBody>
-      </p:sp>
       <p:pic>
         <p:nvPicPr>
-          <p:cNvPr id="7" name="Content Placeholder 14">
+          <p:cNvPr id="4" name="Picture 3">
             <a:extLst>
               <a:ext uri="{FF2B5EF4-FFF2-40B4-BE49-F238E27FC236}">
-                <a16:creationId xmlns:a16="http://schemas.microsoft.com/office/drawing/2014/main" id="{CC49589A-A587-4F31-97AB-F7644755AAFA}"/>
+                <a16:creationId xmlns:a16="http://schemas.microsoft.com/office/drawing/2014/main" id="{3BBF0171-737A-47B1-96DB-62EE5EAD424C}"/>
               </a:ext>
             </a:extLst>
           </p:cNvPr>
@@ -11999,21 +13715,15 @@
           <p:nvPr/>
         </p:nvPicPr>
         <p:blipFill>
-          <a:blip r:embed="rId3">
-            <a:extLst>
-              <a:ext uri="{28A0092B-C50C-407E-A947-70E740481C1C}">
-                <a14:useLocalDpi xmlns:a14="http://schemas.microsoft.com/office/drawing/2010/main" val="0"/>
-              </a:ext>
-            </a:extLst>
-          </a:blip>
+          <a:blip r:embed="rId3"/>
           <a:stretch>
             <a:fillRect/>
           </a:stretch>
         </p:blipFill>
         <p:spPr>
           <a:xfrm>
-            <a:off x="1136522" y="3341586"/>
-            <a:ext cx="4158561" cy="1267854"/>
+            <a:off x="833002" y="1690688"/>
+            <a:ext cx="7994073" cy="4552180"/>
           </a:xfrm>
           <a:prstGeom prst="rect">
             <a:avLst/>
@@ -12023,7 +13733,7 @@
     </p:spTree>
     <p:extLst>
       <p:ext uri="{BB962C8B-B14F-4D97-AF65-F5344CB8AC3E}">
-        <p14:creationId xmlns:p14="http://schemas.microsoft.com/office/powerpoint/2010/main" val="3337000110"/>
+        <p14:creationId xmlns:p14="http://schemas.microsoft.com/office/powerpoint/2010/main" val="1109959963"/>
       </p:ext>
     </p:extLst>
   </p:cSld>
@@ -12066,7 +13776,7 @@
                 <a16:creationId xmlns:a16="http://schemas.microsoft.com/office/drawing/2014/main" id="{EA67B5B4-3A24-436E-B663-1B2EBFF8A0CD}"/>
               </a:ext>
               <a:ext uri="{C183D7F6-B498-43B3-948B-1728B52AA6E4}">
-                <adec:decorative xmlns:adec="http://schemas.microsoft.com/office/drawing/2017/decorative" xmlns="" val="1"/>
+                <adec:decorative xmlns:adec="http://schemas.microsoft.com/office/drawing/2017/decorative" val="1"/>
               </a:ext>
             </a:extLst>
           </p:cNvPr>
@@ -12129,7 +13839,7 @@
                 <a16:creationId xmlns:a16="http://schemas.microsoft.com/office/drawing/2014/main" id="{987FDF89-C993-41F4-A1B8-DBAFF16008A9}"/>
               </a:ext>
               <a:ext uri="{C183D7F6-B498-43B3-948B-1728B52AA6E4}">
-                <adec:decorative xmlns:adec="http://schemas.microsoft.com/office/drawing/2017/decorative" xmlns="" val="1"/>
+                <adec:decorative xmlns:adec="http://schemas.microsoft.com/office/drawing/2017/decorative" val="1"/>
               </a:ext>
             </a:extLst>
           </p:cNvPr>
@@ -12237,7 +13947,7 @@
                 <a16:creationId xmlns:a16="http://schemas.microsoft.com/office/drawing/2014/main" id="{64E585EA-75FD-4025-8270-F66A58A15CDA}"/>
               </a:ext>
               <a:ext uri="{C183D7F6-B498-43B3-948B-1728B52AA6E4}">
-                <adec:decorative xmlns:adec="http://schemas.microsoft.com/office/drawing/2017/decorative" xmlns="" val="1"/>
+                <adec:decorative xmlns:adec="http://schemas.microsoft.com/office/drawing/2017/decorative" val="1"/>
               </a:ext>
             </a:extLst>
           </p:cNvPr>
@@ -12581,7 +14291,7 @@
                 <a16:creationId xmlns:a16="http://schemas.microsoft.com/office/drawing/2014/main" id="{EA67B5B4-3A24-436E-B663-1B2EBFF8A0CD}"/>
               </a:ext>
               <a:ext uri="{C183D7F6-B498-43B3-948B-1728B52AA6E4}">
-                <adec:decorative xmlns:adec="http://schemas.microsoft.com/office/drawing/2017/decorative" xmlns="" val="1"/>
+                <adec:decorative xmlns:adec="http://schemas.microsoft.com/office/drawing/2017/decorative" val="1"/>
               </a:ext>
             </a:extLst>
           </p:cNvPr>
@@ -12644,7 +14354,7 @@
                 <a16:creationId xmlns:a16="http://schemas.microsoft.com/office/drawing/2014/main" id="{987FDF89-C993-41F4-A1B8-DBAFF16008A9}"/>
               </a:ext>
               <a:ext uri="{C183D7F6-B498-43B3-948B-1728B52AA6E4}">
-                <adec:decorative xmlns:adec="http://schemas.microsoft.com/office/drawing/2017/decorative" xmlns="" val="1"/>
+                <adec:decorative xmlns:adec="http://schemas.microsoft.com/office/drawing/2017/decorative" val="1"/>
               </a:ext>
             </a:extLst>
           </p:cNvPr>
@@ -12752,7 +14462,7 @@
                 <a16:creationId xmlns:a16="http://schemas.microsoft.com/office/drawing/2014/main" id="{64E585EA-75FD-4025-8270-F66A58A15CDA}"/>
               </a:ext>
               <a:ext uri="{C183D7F6-B498-43B3-948B-1728B52AA6E4}">
-                <adec:decorative xmlns:adec="http://schemas.microsoft.com/office/drawing/2017/decorative" xmlns="" val="1"/>
+                <adec:decorative xmlns:adec="http://schemas.microsoft.com/office/drawing/2017/decorative" val="1"/>
               </a:ext>
             </a:extLst>
           </p:cNvPr>
@@ -12900,10 +14610,10 @@
       </p:sp>
       <p:pic>
         <p:nvPicPr>
-          <p:cNvPr id="4" name="Picture 3">
+          <p:cNvPr id="5" name="Picture 4">
             <a:extLst>
               <a:ext uri="{FF2B5EF4-FFF2-40B4-BE49-F238E27FC236}">
-                <a16:creationId xmlns:a16="http://schemas.microsoft.com/office/drawing/2014/main" id="{3BBF0171-737A-47B1-96DB-62EE5EAD424C}"/>
+                <a16:creationId xmlns:a16="http://schemas.microsoft.com/office/drawing/2014/main" id="{D9C442D2-2261-4F10-AB1F-0221DB51B9E3}"/>
               </a:ext>
             </a:extLst>
           </p:cNvPr>
@@ -12920,8 +14630,8 @@
         </p:blipFill>
         <p:spPr>
           <a:xfrm>
-            <a:off x="833002" y="1690688"/>
-            <a:ext cx="7994073" cy="4552180"/>
+            <a:off x="833001" y="1597169"/>
+            <a:ext cx="8092789" cy="4989020"/>
           </a:xfrm>
           <a:prstGeom prst="rect">
             <a:avLst/>
@@ -12931,7 +14641,7 @@
     </p:spTree>
     <p:extLst>
       <p:ext uri="{BB962C8B-B14F-4D97-AF65-F5344CB8AC3E}">
-        <p14:creationId xmlns:p14="http://schemas.microsoft.com/office/powerpoint/2010/main" val="1109959963"/>
+        <p14:creationId xmlns:p14="http://schemas.microsoft.com/office/powerpoint/2010/main" val="2323105924"/>
       </p:ext>
     </p:extLst>
   </p:cSld>
@@ -12941,7 +14651,7 @@
 </p:sld>
 </file>
 
-<file path=ppt/slides/slide21.xml><?xml version="1.0" encoding="utf-8"?>
+<file path=ppt/slides/slide3.xml><?xml version="1.0" encoding="utf-8"?>
 <p:sld xmlns:a="http://schemas.openxmlformats.org/drawingml/2006/main" xmlns:r="http://schemas.openxmlformats.org/officeDocument/2006/relationships" xmlns:p="http://schemas.openxmlformats.org/presentationml/2006/main">
   <p:cSld>
     <p:bg>
@@ -12974,7 +14684,7 @@
                 <a16:creationId xmlns:a16="http://schemas.microsoft.com/office/drawing/2014/main" id="{EA67B5B4-3A24-436E-B663-1B2EBFF8A0CD}"/>
               </a:ext>
               <a:ext uri="{C183D7F6-B498-43B3-948B-1728B52AA6E4}">
-                <adec:decorative xmlns:adec="http://schemas.microsoft.com/office/drawing/2017/decorative" xmlns="" val="1"/>
+                <adec:decorative xmlns:adec="http://schemas.microsoft.com/office/drawing/2017/decorative" val="1"/>
               </a:ext>
             </a:extLst>
           </p:cNvPr>
@@ -13037,7 +14747,7 @@
                 <a16:creationId xmlns:a16="http://schemas.microsoft.com/office/drawing/2014/main" id="{987FDF89-C993-41F4-A1B8-DBAFF16008A9}"/>
               </a:ext>
               <a:ext uri="{C183D7F6-B498-43B3-948B-1728B52AA6E4}">
-                <adec:decorative xmlns:adec="http://schemas.microsoft.com/office/drawing/2017/decorative" xmlns="" val="1"/>
+                <adec:decorative xmlns:adec="http://schemas.microsoft.com/office/drawing/2017/decorative" val="1"/>
               </a:ext>
             </a:extLst>
           </p:cNvPr>
@@ -13145,7 +14855,7 @@
                 <a16:creationId xmlns:a16="http://schemas.microsoft.com/office/drawing/2014/main" id="{64E585EA-75FD-4025-8270-F66A58A15CDA}"/>
               </a:ext>
               <a:ext uri="{C183D7F6-B498-43B3-948B-1728B52AA6E4}">
-                <adec:decorative xmlns:adec="http://schemas.microsoft.com/office/drawing/2017/decorative" xmlns="" val="1"/>
+                <adec:decorative xmlns:adec="http://schemas.microsoft.com/office/drawing/2017/decorative" val="1"/>
               </a:ext>
             </a:extLst>
           </p:cNvPr>
@@ -13252,7 +14962,7 @@
           <p:cNvPr id="2" name="Title 1">
             <a:extLst>
               <a:ext uri="{FF2B5EF4-FFF2-40B4-BE49-F238E27FC236}">
-                <a16:creationId xmlns:a16="http://schemas.microsoft.com/office/drawing/2014/main" id="{73E58393-FEB3-4B08-B74E-4ACC83A6772C}"/>
+                <a16:creationId xmlns:a16="http://schemas.microsoft.com/office/drawing/2014/main" id="{730A6C2E-3584-4528-BE31-20992C19070F}"/>
               </a:ext>
             </a:extLst>
           </p:cNvPr>
@@ -13276,14 +14986,14 @@
           <a:lstStyle/>
           <a:p>
             <a:r>
-              <a:rPr lang="en-GB" dirty="0">
+              <a:rPr lang="en-GB">
                 <a:solidFill>
                   <a:srgbClr val="FFFFFF"/>
                 </a:solidFill>
               </a:rPr>
-              <a:t>Performance Profiling</a:t>
-            </a:r>
-            <a:endParaRPr lang="de-DE" dirty="0">
+              <a:t>Monads</a:t>
+            </a:r>
+            <a:endParaRPr lang="de-DE">
               <a:solidFill>
                 <a:srgbClr val="FFFFFF"/>
               </a:solidFill>
@@ -13293,17 +15003,19 @@
       </p:sp>
       <p:pic>
         <p:nvPicPr>
-          <p:cNvPr id="5" name="Picture 4">
+          <p:cNvPr id="4" name="Content Placeholder 3">
             <a:extLst>
               <a:ext uri="{FF2B5EF4-FFF2-40B4-BE49-F238E27FC236}">
-                <a16:creationId xmlns:a16="http://schemas.microsoft.com/office/drawing/2014/main" id="{D9C442D2-2261-4F10-AB1F-0221DB51B9E3}"/>
+                <a16:creationId xmlns:a16="http://schemas.microsoft.com/office/drawing/2014/main" id="{1C25F50A-568E-4352-B64A-B06A1976DB9A}"/>
               </a:ext>
             </a:extLst>
           </p:cNvPr>
           <p:cNvPicPr>
-            <a:picLocks noChangeAspect="1"/>
+            <a:picLocks noGrp="1" noChangeAspect="1"/>
           </p:cNvPicPr>
-          <p:nvPr/>
+          <p:nvPr>
+            <p:ph idx="1"/>
+          </p:nvPr>
         </p:nvPicPr>
         <p:blipFill>
           <a:blip r:embed="rId3"/>
@@ -13313,18 +15025,238 @@
         </p:blipFill>
         <p:spPr>
           <a:xfrm>
-            <a:off x="833001" y="1597169"/>
-            <a:ext cx="8092789" cy="4989020"/>
+            <a:off x="5067250" y="3613427"/>
+            <a:ext cx="4034057" cy="1031968"/>
           </a:xfrm>
           <a:prstGeom prst="rect">
             <a:avLst/>
           </a:prstGeom>
         </p:spPr>
       </p:pic>
+      <p:pic>
+        <p:nvPicPr>
+          <p:cNvPr id="5" name="Picture 4">
+            <a:extLst>
+              <a:ext uri="{FF2B5EF4-FFF2-40B4-BE49-F238E27FC236}">
+                <a16:creationId xmlns:a16="http://schemas.microsoft.com/office/drawing/2014/main" id="{344D8CFC-7D84-4339-B046-00DF916CC362}"/>
+              </a:ext>
+            </a:extLst>
+          </p:cNvPr>
+          <p:cNvPicPr>
+            <a:picLocks noChangeAspect="1"/>
+          </p:cNvPicPr>
+          <p:nvPr/>
+        </p:nvPicPr>
+        <p:blipFill>
+          <a:blip r:embed="rId4"/>
+          <a:stretch>
+            <a:fillRect/>
+          </a:stretch>
+        </p:blipFill>
+        <p:spPr>
+          <a:xfrm>
+            <a:off x="5067251" y="1779216"/>
+            <a:ext cx="5071110" cy="1508218"/>
+          </a:xfrm>
+          <a:prstGeom prst="rect">
+            <a:avLst/>
+          </a:prstGeom>
+        </p:spPr>
+      </p:pic>
+      <p:pic>
+        <p:nvPicPr>
+          <p:cNvPr id="6" name="Picture 5">
+            <a:extLst>
+              <a:ext uri="{FF2B5EF4-FFF2-40B4-BE49-F238E27FC236}">
+                <a16:creationId xmlns:a16="http://schemas.microsoft.com/office/drawing/2014/main" id="{1BFF282E-D7FD-44ED-B247-865E5CA094DE}"/>
+              </a:ext>
+            </a:extLst>
+          </p:cNvPr>
+          <p:cNvPicPr>
+            <a:picLocks noChangeAspect="1"/>
+          </p:cNvPicPr>
+          <p:nvPr/>
+        </p:nvPicPr>
+        <p:blipFill>
+          <a:blip r:embed="rId5"/>
+          <a:stretch>
+            <a:fillRect/>
+          </a:stretch>
+        </p:blipFill>
+        <p:spPr>
+          <a:xfrm>
+            <a:off x="5067251" y="4971388"/>
+            <a:ext cx="4009118" cy="826739"/>
+          </a:xfrm>
+          <a:prstGeom prst="rect">
+            <a:avLst/>
+          </a:prstGeom>
+        </p:spPr>
+      </p:pic>
+      <p:sp>
+        <p:nvSpPr>
+          <p:cNvPr id="7" name="TextBox 6">
+            <a:extLst>
+              <a:ext uri="{FF2B5EF4-FFF2-40B4-BE49-F238E27FC236}">
+                <a16:creationId xmlns:a16="http://schemas.microsoft.com/office/drawing/2014/main" id="{7BA56E54-18BD-46C5-8755-EDA9F6CC0A69}"/>
+              </a:ext>
+            </a:extLst>
+          </p:cNvPr>
+          <p:cNvSpPr txBox="1"/>
+          <p:nvPr/>
+        </p:nvSpPr>
+        <p:spPr>
+          <a:xfrm>
+            <a:off x="931258" y="1783556"/>
+            <a:ext cx="4191460" cy="400110"/>
+          </a:xfrm>
+          <a:prstGeom prst="rect">
+            <a:avLst/>
+          </a:prstGeom>
+          <a:noFill/>
+        </p:spPr>
+        <p:txBody>
+          <a:bodyPr wrap="square" rtlCol="0">
+            <a:spAutoFit/>
+          </a:bodyPr>
+          <a:lstStyle/>
+          <a:p>
+            <a:pPr marL="285750" indent="-285750">
+              <a:buFont typeface="Arial" panose="020B0604020202020204" pitchFamily="34" charset="0"/>
+              <a:buChar char="•"/>
+            </a:pPr>
+            <a:r>
+              <a:rPr lang="en-GB" sz="2000" dirty="0" err="1"/>
+              <a:t>Optionale</a:t>
+            </a:r>
+            <a:r>
+              <a:rPr lang="en-GB" sz="2000" dirty="0"/>
+              <a:t> </a:t>
+            </a:r>
+            <a:r>
+              <a:rPr lang="en-GB" sz="2000" dirty="0" err="1"/>
+              <a:t>Daten</a:t>
+            </a:r>
+            <a:r>
+              <a:rPr lang="en-GB" sz="2000" dirty="0"/>
+              <a:t> </a:t>
+            </a:r>
+            <a:r>
+              <a:rPr lang="en-GB" sz="2000" dirty="0" err="1"/>
+              <a:t>im</a:t>
+            </a:r>
+            <a:r>
+              <a:rPr lang="en-GB" sz="2000" dirty="0"/>
+              <a:t> Model</a:t>
+            </a:r>
+            <a:endParaRPr lang="de-DE" sz="2000" dirty="0"/>
+          </a:p>
+        </p:txBody>
+      </p:sp>
+      <p:sp>
+        <p:nvSpPr>
+          <p:cNvPr id="11" name="TextBox 10">
+            <a:extLst>
+              <a:ext uri="{FF2B5EF4-FFF2-40B4-BE49-F238E27FC236}">
+                <a16:creationId xmlns:a16="http://schemas.microsoft.com/office/drawing/2014/main" id="{E9141DFE-154A-4192-9DB4-6C80A087DE81}"/>
+              </a:ext>
+            </a:extLst>
+          </p:cNvPr>
+          <p:cNvSpPr txBox="1"/>
+          <p:nvPr/>
+        </p:nvSpPr>
+        <p:spPr>
+          <a:xfrm>
+            <a:off x="931258" y="3613427"/>
+            <a:ext cx="4191460" cy="400110"/>
+          </a:xfrm>
+          <a:prstGeom prst="rect">
+            <a:avLst/>
+          </a:prstGeom>
+          <a:noFill/>
+        </p:spPr>
+        <p:txBody>
+          <a:bodyPr wrap="square" rtlCol="0">
+            <a:spAutoFit/>
+          </a:bodyPr>
+          <a:lstStyle/>
+          <a:p>
+            <a:pPr marL="285750" indent="-285750">
+              <a:buFont typeface="Arial" panose="020B0604020202020204" pitchFamily="34" charset="0"/>
+              <a:buChar char="•"/>
+            </a:pPr>
+            <a:r>
+              <a:rPr lang="en-GB" sz="2000" dirty="0" err="1"/>
+              <a:t>Komposition</a:t>
+            </a:r>
+            <a:r>
+              <a:rPr lang="en-GB" sz="2000" dirty="0"/>
+              <a:t> von </a:t>
+            </a:r>
+            <a:r>
+              <a:rPr lang="en-GB" sz="2000" dirty="0" err="1"/>
+              <a:t>Funktionen</a:t>
+            </a:r>
+            <a:endParaRPr lang="de-DE" sz="2000" dirty="0"/>
+          </a:p>
+        </p:txBody>
+      </p:sp>
+      <p:sp>
+        <p:nvSpPr>
+          <p:cNvPr id="13" name="TextBox 12">
+            <a:extLst>
+              <a:ext uri="{FF2B5EF4-FFF2-40B4-BE49-F238E27FC236}">
+                <a16:creationId xmlns:a16="http://schemas.microsoft.com/office/drawing/2014/main" id="{4E18CF23-6D22-4B6F-89E4-60D2BB786D81}"/>
+              </a:ext>
+            </a:extLst>
+          </p:cNvPr>
+          <p:cNvSpPr txBox="1"/>
+          <p:nvPr/>
+        </p:nvSpPr>
+        <p:spPr>
+          <a:xfrm>
+            <a:off x="931258" y="4971388"/>
+            <a:ext cx="4191460" cy="400110"/>
+          </a:xfrm>
+          <a:prstGeom prst="rect">
+            <a:avLst/>
+          </a:prstGeom>
+          <a:noFill/>
+        </p:spPr>
+        <p:txBody>
+          <a:bodyPr wrap="square" rtlCol="0">
+            <a:spAutoFit/>
+          </a:bodyPr>
+          <a:lstStyle/>
+          <a:p>
+            <a:pPr marL="285750" indent="-285750">
+              <a:buFont typeface="Arial" panose="020B0604020202020204" pitchFamily="34" charset="0"/>
+              <a:buChar char="•"/>
+            </a:pPr>
+            <a:r>
+              <a:rPr lang="en-GB" sz="2000" dirty="0" err="1"/>
+              <a:t>Entpacken</a:t>
+            </a:r>
+            <a:r>
+              <a:rPr lang="en-GB" sz="2000" dirty="0"/>
+              <a:t> von </a:t>
+            </a:r>
+            <a:r>
+              <a:rPr lang="en-GB" sz="2000" dirty="0" err="1"/>
+              <a:t>Daten</a:t>
+            </a:r>
+            <a:r>
+              <a:rPr lang="en-GB" sz="2000" dirty="0"/>
+              <a:t> in Tests</a:t>
+            </a:r>
+            <a:endParaRPr lang="de-DE" sz="2000" dirty="0"/>
+          </a:p>
+        </p:txBody>
+      </p:sp>
     </p:spTree>
     <p:extLst>
       <p:ext uri="{BB962C8B-B14F-4D97-AF65-F5344CB8AC3E}">
-        <p14:creationId xmlns:p14="http://schemas.microsoft.com/office/powerpoint/2010/main" val="2323105924"/>
+        <p14:creationId xmlns:p14="http://schemas.microsoft.com/office/powerpoint/2010/main" val="446685469"/>
       </p:ext>
     </p:extLst>
   </p:cSld>
@@ -13334,7 +15266,7 @@
 </p:sld>
 </file>
 
-<file path=ppt/slides/slide3.xml><?xml version="1.0" encoding="utf-8"?>
+<file path=ppt/slides/slide4.xml><?xml version="1.0" encoding="utf-8"?>
 <p:sld xmlns:a="http://schemas.openxmlformats.org/drawingml/2006/main" xmlns:r="http://schemas.openxmlformats.org/officeDocument/2006/relationships" xmlns:p="http://schemas.openxmlformats.org/presentationml/2006/main">
   <p:cSld>
     <p:bg>
@@ -13367,7 +15299,7 @@
                 <a16:creationId xmlns:a16="http://schemas.microsoft.com/office/drawing/2014/main" id="{EA67B5B4-3A24-436E-B663-1B2EBFF8A0CD}"/>
               </a:ext>
               <a:ext uri="{C183D7F6-B498-43B3-948B-1728B52AA6E4}">
-                <adec:decorative xmlns:adec="http://schemas.microsoft.com/office/drawing/2017/decorative" xmlns="" val="1"/>
+                <adec:decorative xmlns:adec="http://schemas.microsoft.com/office/drawing/2017/decorative" val="1"/>
               </a:ext>
             </a:extLst>
           </p:cNvPr>
@@ -13430,7 +15362,7 @@
                 <a16:creationId xmlns:a16="http://schemas.microsoft.com/office/drawing/2014/main" id="{987FDF89-C993-41F4-A1B8-DBAFF16008A9}"/>
               </a:ext>
               <a:ext uri="{C183D7F6-B498-43B3-948B-1728B52AA6E4}">
-                <adec:decorative xmlns:adec="http://schemas.microsoft.com/office/drawing/2017/decorative" xmlns="" val="1"/>
+                <adec:decorative xmlns:adec="http://schemas.microsoft.com/office/drawing/2017/decorative" val="1"/>
               </a:ext>
             </a:extLst>
           </p:cNvPr>
@@ -13538,7 +15470,7 @@
                 <a16:creationId xmlns:a16="http://schemas.microsoft.com/office/drawing/2014/main" id="{64E585EA-75FD-4025-8270-F66A58A15CDA}"/>
               </a:ext>
               <a:ext uri="{C183D7F6-B498-43B3-948B-1728B52AA6E4}">
-                <adec:decorative xmlns:adec="http://schemas.microsoft.com/office/drawing/2017/decorative" xmlns="" val="1"/>
+                <adec:decorative xmlns:adec="http://schemas.microsoft.com/office/drawing/2017/decorative" val="1"/>
               </a:ext>
             </a:extLst>
           </p:cNvPr>
@@ -13645,7 +15577,7 @@
           <p:cNvPr id="2" name="Title 1">
             <a:extLst>
               <a:ext uri="{FF2B5EF4-FFF2-40B4-BE49-F238E27FC236}">
-                <a16:creationId xmlns:a16="http://schemas.microsoft.com/office/drawing/2014/main" id="{730A6C2E-3584-4528-BE31-20992C19070F}"/>
+                <a16:creationId xmlns:a16="http://schemas.microsoft.com/office/drawing/2014/main" id="{73E58393-FEB3-4B08-B74E-4ACC83A6772C}"/>
               </a:ext>
             </a:extLst>
           </p:cNvPr>
@@ -13669,14 +15601,14 @@
           <a:lstStyle/>
           <a:p>
             <a:r>
-              <a:rPr lang="en-GB">
+              <a:rPr lang="en-GB" dirty="0">
                 <a:solidFill>
                   <a:srgbClr val="FFFFFF"/>
                 </a:solidFill>
               </a:rPr>
-              <a:t>Monads</a:t>
-            </a:r>
-            <a:endParaRPr lang="de-DE">
+              <a:t>Futures</a:t>
+            </a:r>
+            <a:endParaRPr lang="de-DE" dirty="0">
               <a:solidFill>
                 <a:srgbClr val="FFFFFF"/>
               </a:solidFill>
@@ -13689,7 +15621,7 @@
           <p:cNvPr id="4" name="Content Placeholder 3">
             <a:extLst>
               <a:ext uri="{FF2B5EF4-FFF2-40B4-BE49-F238E27FC236}">
-                <a16:creationId xmlns:a16="http://schemas.microsoft.com/office/drawing/2014/main" id="{1C25F50A-568E-4352-B64A-B06A1976DB9A}"/>
+                <a16:creationId xmlns:a16="http://schemas.microsoft.com/office/drawing/2014/main" id="{56F6BEA3-7606-459D-829D-7BD1420C8FE9}"/>
               </a:ext>
             </a:extLst>
           </p:cNvPr>
@@ -13708,20 +15640,93 @@
         </p:blipFill>
         <p:spPr>
           <a:xfrm>
-            <a:off x="5067250" y="3613427"/>
-            <a:ext cx="4034057" cy="1031968"/>
+            <a:off x="6555435" y="1690688"/>
+            <a:ext cx="4056487" cy="2471737"/>
           </a:xfrm>
           <a:prstGeom prst="rect">
             <a:avLst/>
           </a:prstGeom>
         </p:spPr>
       </p:pic>
+      <p:sp>
+        <p:nvSpPr>
+          <p:cNvPr id="5" name="TextBox 4">
+            <a:extLst>
+              <a:ext uri="{FF2B5EF4-FFF2-40B4-BE49-F238E27FC236}">
+                <a16:creationId xmlns:a16="http://schemas.microsoft.com/office/drawing/2014/main" id="{7959328E-29E6-44DE-BF4F-BFC67078FA7D}"/>
+              </a:ext>
+            </a:extLst>
+          </p:cNvPr>
+          <p:cNvSpPr txBox="1"/>
+          <p:nvPr/>
+        </p:nvSpPr>
+        <p:spPr>
+          <a:xfrm>
+            <a:off x="1007918" y="2171700"/>
+            <a:ext cx="3522518" cy="1938992"/>
+          </a:xfrm>
+          <a:prstGeom prst="rect">
+            <a:avLst/>
+          </a:prstGeom>
+          <a:noFill/>
+        </p:spPr>
+        <p:txBody>
+          <a:bodyPr wrap="square" rtlCol="0">
+            <a:spAutoFit/>
+          </a:bodyPr>
+          <a:lstStyle/>
+          <a:p>
+            <a:pPr marL="285750" indent="-285750">
+              <a:buFont typeface="Arial" panose="020B0604020202020204" pitchFamily="34" charset="0"/>
+              <a:buChar char="•"/>
+            </a:pPr>
+            <a:r>
+              <a:rPr lang="en-GB" sz="2000" dirty="0" err="1"/>
+              <a:t>Akka</a:t>
+            </a:r>
+            <a:br>
+              <a:rPr lang="en-GB" sz="2000" dirty="0"/>
+            </a:br>
+            <a:r>
+              <a:rPr lang="en-GB" sz="2000" dirty="0"/>
+              <a:t> </a:t>
+            </a:r>
+          </a:p>
+          <a:p>
+            <a:pPr marL="285750" indent="-285750">
+              <a:buFont typeface="Arial" panose="020B0604020202020204" pitchFamily="34" charset="0"/>
+              <a:buChar char="•"/>
+            </a:pPr>
+            <a:r>
+              <a:rPr lang="en-GB" sz="2000" dirty="0"/>
+              <a:t>Slick</a:t>
+            </a:r>
+            <a:br>
+              <a:rPr lang="en-GB" sz="2000" dirty="0"/>
+            </a:br>
+            <a:endParaRPr lang="en-GB" sz="2000" dirty="0"/>
+          </a:p>
+          <a:p>
+            <a:pPr marL="285750" indent="-285750">
+              <a:buFont typeface="Arial" panose="020B0604020202020204" pitchFamily="34" charset="0"/>
+              <a:buChar char="•"/>
+            </a:pPr>
+            <a:r>
+              <a:rPr lang="en-GB" sz="2000" dirty="0"/>
+              <a:t>MongoDB</a:t>
+            </a:r>
+          </a:p>
+          <a:p>
+            <a:endParaRPr lang="de-DE" sz="2000" dirty="0"/>
+          </a:p>
+        </p:txBody>
+      </p:sp>
       <p:pic>
         <p:nvPicPr>
-          <p:cNvPr id="5" name="Picture 4">
+          <p:cNvPr id="7" name="Picture 6">
             <a:extLst>
               <a:ext uri="{FF2B5EF4-FFF2-40B4-BE49-F238E27FC236}">
-                <a16:creationId xmlns:a16="http://schemas.microsoft.com/office/drawing/2014/main" id="{344D8CFC-7D84-4339-B046-00DF916CC362}"/>
+                <a16:creationId xmlns:a16="http://schemas.microsoft.com/office/drawing/2014/main" id="{57B5414B-447B-4632-B699-6EA191C1F06A}"/>
               </a:ext>
             </a:extLst>
           </p:cNvPr>
@@ -13731,215 +15736,31 @@
           <p:nvPr/>
         </p:nvPicPr>
         <p:blipFill>
-          <a:blip r:embed="rId4"/>
+          <a:blip r:embed="rId4">
+            <a:extLst>
+              <a:ext uri="{28A0092B-C50C-407E-A947-70E740481C1C}">
+                <a14:useLocalDpi xmlns:a14="http://schemas.microsoft.com/office/drawing/2010/main" val="0"/>
+              </a:ext>
+            </a:extLst>
+          </a:blip>
           <a:stretch>
             <a:fillRect/>
           </a:stretch>
         </p:blipFill>
         <p:spPr>
           <a:xfrm>
-            <a:off x="5067251" y="1779216"/>
-            <a:ext cx="5071110" cy="1508218"/>
+            <a:off x="1007918" y="4799982"/>
+            <a:ext cx="9604004" cy="987753"/>
           </a:xfrm>
           <a:prstGeom prst="rect">
             <a:avLst/>
           </a:prstGeom>
         </p:spPr>
       </p:pic>
-      <p:pic>
-        <p:nvPicPr>
-          <p:cNvPr id="6" name="Picture 5">
-            <a:extLst>
-              <a:ext uri="{FF2B5EF4-FFF2-40B4-BE49-F238E27FC236}">
-                <a16:creationId xmlns:a16="http://schemas.microsoft.com/office/drawing/2014/main" id="{1BFF282E-D7FD-44ED-B247-865E5CA094DE}"/>
-              </a:ext>
-            </a:extLst>
-          </p:cNvPr>
-          <p:cNvPicPr>
-            <a:picLocks noChangeAspect="1"/>
-          </p:cNvPicPr>
-          <p:nvPr/>
-        </p:nvPicPr>
-        <p:blipFill>
-          <a:blip r:embed="rId5"/>
-          <a:stretch>
-            <a:fillRect/>
-          </a:stretch>
-        </p:blipFill>
-        <p:spPr>
-          <a:xfrm>
-            <a:off x="5067251" y="4971388"/>
-            <a:ext cx="4009118" cy="826739"/>
-          </a:xfrm>
-          <a:prstGeom prst="rect">
-            <a:avLst/>
-          </a:prstGeom>
-        </p:spPr>
-      </p:pic>
-      <p:sp>
-        <p:nvSpPr>
-          <p:cNvPr id="7" name="TextBox 6">
-            <a:extLst>
-              <a:ext uri="{FF2B5EF4-FFF2-40B4-BE49-F238E27FC236}">
-                <a16:creationId xmlns:a16="http://schemas.microsoft.com/office/drawing/2014/main" id="{7BA56E54-18BD-46C5-8755-EDA9F6CC0A69}"/>
-              </a:ext>
-            </a:extLst>
-          </p:cNvPr>
-          <p:cNvSpPr txBox="1"/>
-          <p:nvPr/>
-        </p:nvSpPr>
-        <p:spPr>
-          <a:xfrm>
-            <a:off x="931258" y="1783556"/>
-            <a:ext cx="4191460" cy="369332"/>
-          </a:xfrm>
-          <a:prstGeom prst="rect">
-            <a:avLst/>
-          </a:prstGeom>
-          <a:noFill/>
-        </p:spPr>
-        <p:txBody>
-          <a:bodyPr wrap="square" rtlCol="0">
-            <a:spAutoFit/>
-          </a:bodyPr>
-          <a:lstStyle/>
-          <a:p>
-            <a:pPr marL="285750" indent="-285750">
-              <a:buFont typeface="Arial" panose="020B0604020202020204" pitchFamily="34" charset="0"/>
-              <a:buChar char="•"/>
-            </a:pPr>
-            <a:r>
-              <a:rPr lang="en-GB" dirty="0" err="1"/>
-              <a:t>Optionale</a:t>
-            </a:r>
-            <a:r>
-              <a:rPr lang="en-GB" dirty="0"/>
-              <a:t> </a:t>
-            </a:r>
-            <a:r>
-              <a:rPr lang="en-GB" dirty="0" err="1"/>
-              <a:t>Daten</a:t>
-            </a:r>
-            <a:r>
-              <a:rPr lang="en-GB" dirty="0"/>
-              <a:t> </a:t>
-            </a:r>
-            <a:r>
-              <a:rPr lang="en-GB" dirty="0" err="1"/>
-              <a:t>im</a:t>
-            </a:r>
-            <a:r>
-              <a:rPr lang="en-GB" dirty="0"/>
-              <a:t> Model</a:t>
-            </a:r>
-            <a:endParaRPr lang="de-DE" dirty="0"/>
-          </a:p>
-        </p:txBody>
-      </p:sp>
-      <p:sp>
-        <p:nvSpPr>
-          <p:cNvPr id="11" name="TextBox 10">
-            <a:extLst>
-              <a:ext uri="{FF2B5EF4-FFF2-40B4-BE49-F238E27FC236}">
-                <a16:creationId xmlns:a16="http://schemas.microsoft.com/office/drawing/2014/main" id="{E9141DFE-154A-4192-9DB4-6C80A087DE81}"/>
-              </a:ext>
-            </a:extLst>
-          </p:cNvPr>
-          <p:cNvSpPr txBox="1"/>
-          <p:nvPr/>
-        </p:nvSpPr>
-        <p:spPr>
-          <a:xfrm>
-            <a:off x="931258" y="3613427"/>
-            <a:ext cx="4191460" cy="369332"/>
-          </a:xfrm>
-          <a:prstGeom prst="rect">
-            <a:avLst/>
-          </a:prstGeom>
-          <a:noFill/>
-        </p:spPr>
-        <p:txBody>
-          <a:bodyPr wrap="square" rtlCol="0">
-            <a:spAutoFit/>
-          </a:bodyPr>
-          <a:lstStyle/>
-          <a:p>
-            <a:pPr marL="285750" indent="-285750">
-              <a:buFont typeface="Arial" panose="020B0604020202020204" pitchFamily="34" charset="0"/>
-              <a:buChar char="•"/>
-            </a:pPr>
-            <a:r>
-              <a:rPr lang="en-GB" dirty="0" err="1"/>
-              <a:t>Komposition</a:t>
-            </a:r>
-            <a:r>
-              <a:rPr lang="en-GB" dirty="0"/>
-              <a:t> von </a:t>
-            </a:r>
-            <a:r>
-              <a:rPr lang="en-GB" dirty="0" err="1"/>
-              <a:t>Funktionen</a:t>
-            </a:r>
-            <a:endParaRPr lang="de-DE" dirty="0"/>
-          </a:p>
-        </p:txBody>
-      </p:sp>
-      <p:sp>
-        <p:nvSpPr>
-          <p:cNvPr id="13" name="TextBox 12">
-            <a:extLst>
-              <a:ext uri="{FF2B5EF4-FFF2-40B4-BE49-F238E27FC236}">
-                <a16:creationId xmlns:a16="http://schemas.microsoft.com/office/drawing/2014/main" id="{4E18CF23-6D22-4B6F-89E4-60D2BB786D81}"/>
-              </a:ext>
-            </a:extLst>
-          </p:cNvPr>
-          <p:cNvSpPr txBox="1"/>
-          <p:nvPr/>
-        </p:nvSpPr>
-        <p:spPr>
-          <a:xfrm>
-            <a:off x="931258" y="4971388"/>
-            <a:ext cx="4191460" cy="369332"/>
-          </a:xfrm>
-          <a:prstGeom prst="rect">
-            <a:avLst/>
-          </a:prstGeom>
-          <a:noFill/>
-        </p:spPr>
-        <p:txBody>
-          <a:bodyPr wrap="square" rtlCol="0">
-            <a:spAutoFit/>
-          </a:bodyPr>
-          <a:lstStyle/>
-          <a:p>
-            <a:pPr marL="285750" indent="-285750">
-              <a:buFont typeface="Arial" panose="020B0604020202020204" pitchFamily="34" charset="0"/>
-              <a:buChar char="•"/>
-            </a:pPr>
-            <a:r>
-              <a:rPr lang="en-GB" dirty="0" err="1"/>
-              <a:t>Entpacken</a:t>
-            </a:r>
-            <a:r>
-              <a:rPr lang="en-GB" dirty="0"/>
-              <a:t> von </a:t>
-            </a:r>
-            <a:r>
-              <a:rPr lang="en-GB" dirty="0" err="1"/>
-              <a:t>Daten</a:t>
-            </a:r>
-            <a:r>
-              <a:rPr lang="en-GB" dirty="0"/>
-              <a:t> in Tests</a:t>
-            </a:r>
-            <a:endParaRPr lang="de-DE" dirty="0"/>
-          </a:p>
-        </p:txBody>
-      </p:sp>
     </p:spTree>
     <p:extLst>
       <p:ext uri="{BB962C8B-B14F-4D97-AF65-F5344CB8AC3E}">
-        <p14:creationId xmlns:p14="http://schemas.microsoft.com/office/powerpoint/2010/main" val="446685469"/>
+        <p14:creationId xmlns:p14="http://schemas.microsoft.com/office/powerpoint/2010/main" val="255057666"/>
       </p:ext>
     </p:extLst>
   </p:cSld>
@@ -13949,7 +15770,7 @@
 </p:sld>
 </file>
 
-<file path=ppt/slides/slide4.xml><?xml version="1.0" encoding="utf-8"?>
+<file path=ppt/slides/slide5.xml><?xml version="1.0" encoding="utf-8"?>
 <p:sld xmlns:a="http://schemas.openxmlformats.org/drawingml/2006/main" xmlns:r="http://schemas.openxmlformats.org/officeDocument/2006/relationships" xmlns:p="http://schemas.openxmlformats.org/presentationml/2006/main">
   <p:cSld>
     <p:bg>
@@ -13982,7 +15803,7 @@
                 <a16:creationId xmlns:a16="http://schemas.microsoft.com/office/drawing/2014/main" id="{EA67B5B4-3A24-436E-B663-1B2EBFF8A0CD}"/>
               </a:ext>
               <a:ext uri="{C183D7F6-B498-43B3-948B-1728B52AA6E4}">
-                <adec:decorative xmlns:adec="http://schemas.microsoft.com/office/drawing/2017/decorative" xmlns="" val="1"/>
+                <adec:decorative xmlns:adec="http://schemas.microsoft.com/office/drawing/2017/decorative" val="1"/>
               </a:ext>
             </a:extLst>
           </p:cNvPr>
@@ -14045,7 +15866,7 @@
                 <a16:creationId xmlns:a16="http://schemas.microsoft.com/office/drawing/2014/main" id="{987FDF89-C993-41F4-A1B8-DBAFF16008A9}"/>
               </a:ext>
               <a:ext uri="{C183D7F6-B498-43B3-948B-1728B52AA6E4}">
-                <adec:decorative xmlns:adec="http://schemas.microsoft.com/office/drawing/2017/decorative" xmlns="" val="1"/>
+                <adec:decorative xmlns:adec="http://schemas.microsoft.com/office/drawing/2017/decorative" val="1"/>
               </a:ext>
             </a:extLst>
           </p:cNvPr>
@@ -14153,7 +15974,7 @@
                 <a16:creationId xmlns:a16="http://schemas.microsoft.com/office/drawing/2014/main" id="{64E585EA-75FD-4025-8270-F66A58A15CDA}"/>
               </a:ext>
               <a:ext uri="{C183D7F6-B498-43B3-948B-1728B52AA6E4}">
-                <adec:decorative xmlns:adec="http://schemas.microsoft.com/office/drawing/2017/decorative" xmlns="" val="1"/>
+                <adec:decorative xmlns:adec="http://schemas.microsoft.com/office/drawing/2017/decorative" val="1"/>
               </a:ext>
             </a:extLst>
           </p:cNvPr>
@@ -14289,7 +16110,7 @@
                   <a:srgbClr val="FFFFFF"/>
                 </a:solidFill>
               </a:rPr>
-              <a:t>Futures</a:t>
+              <a:t>Actors</a:t>
             </a:r>
             <a:endParaRPr lang="de-DE" dirty="0">
               <a:solidFill>
@@ -14299,21 +16120,177 @@
           </a:p>
         </p:txBody>
       </p:sp>
+      <p:sp>
+        <p:nvSpPr>
+          <p:cNvPr id="3" name="Content Placeholder 2">
+            <a:extLst>
+              <a:ext uri="{FF2B5EF4-FFF2-40B4-BE49-F238E27FC236}">
+                <a16:creationId xmlns:a16="http://schemas.microsoft.com/office/drawing/2014/main" id="{28C27B4B-ACD4-45BA-A576-ADEB5F08A5FC}"/>
+              </a:ext>
+            </a:extLst>
+          </p:cNvPr>
+          <p:cNvSpPr>
+            <a:spLocks noGrp="1"/>
+          </p:cNvSpPr>
+          <p:nvPr>
+            <p:ph idx="1"/>
+          </p:nvPr>
+        </p:nvSpPr>
+        <p:spPr>
+          <a:xfrm>
+            <a:off x="838201" y="2022601"/>
+            <a:ext cx="10515598" cy="4154361"/>
+          </a:xfrm>
+        </p:spPr>
+        <p:txBody>
+          <a:bodyPr>
+            <a:normAutofit/>
+          </a:bodyPr>
+          <a:lstStyle/>
+          <a:p>
+            <a:r>
+              <a:rPr lang="en-GB" sz="2000" dirty="0">
+                <a:solidFill>
+                  <a:srgbClr val="FFFFFF"/>
+                </a:solidFill>
+              </a:rPr>
+              <a:t>Controller </a:t>
+            </a:r>
+            <a:r>
+              <a:rPr lang="en-GB" sz="2000" dirty="0" err="1">
+                <a:solidFill>
+                  <a:srgbClr val="FFFFFF"/>
+                </a:solidFill>
+              </a:rPr>
+              <a:t>als</a:t>
+            </a:r>
+            <a:r>
+              <a:rPr lang="en-GB" sz="2000" dirty="0">
+                <a:solidFill>
+                  <a:srgbClr val="FFFFFF"/>
+                </a:solidFill>
+              </a:rPr>
+              <a:t> Actor</a:t>
+            </a:r>
+          </a:p>
+          <a:p>
+            <a:endParaRPr lang="en-GB" sz="2000" dirty="0">
+              <a:solidFill>
+                <a:srgbClr val="FFFFFF"/>
+              </a:solidFill>
+            </a:endParaRPr>
+          </a:p>
+          <a:p>
+            <a:r>
+              <a:rPr lang="en-GB" sz="2000" dirty="0" err="1">
+                <a:solidFill>
+                  <a:srgbClr val="FFFFFF"/>
+                </a:solidFill>
+              </a:rPr>
+              <a:t>Wird</a:t>
+            </a:r>
+            <a:r>
+              <a:rPr lang="en-GB" sz="2000" dirty="0">
+                <a:solidFill>
+                  <a:srgbClr val="FFFFFF"/>
+                </a:solidFill>
+              </a:rPr>
+              <a:t> von </a:t>
+            </a:r>
+            <a:r>
+              <a:rPr lang="en-GB" sz="2000" dirty="0" err="1">
+                <a:solidFill>
+                  <a:srgbClr val="FFFFFF"/>
+                </a:solidFill>
+              </a:rPr>
+              <a:t>akka</a:t>
+            </a:r>
+            <a:r>
+              <a:rPr lang="en-GB" sz="2000" dirty="0">
+                <a:solidFill>
+                  <a:srgbClr val="FFFFFF"/>
+                </a:solidFill>
+              </a:rPr>
+              <a:t>-http </a:t>
+            </a:r>
+            <a:r>
+              <a:rPr lang="en-GB" sz="2000" dirty="0" err="1">
+                <a:solidFill>
+                  <a:srgbClr val="FFFFFF"/>
+                </a:solidFill>
+              </a:rPr>
+              <a:t>nach</a:t>
+            </a:r>
+            <a:r>
+              <a:rPr lang="en-GB" sz="2000" dirty="0">
+                <a:solidFill>
+                  <a:srgbClr val="FFFFFF"/>
+                </a:solidFill>
+              </a:rPr>
+              <a:t> </a:t>
+            </a:r>
+            <a:r>
+              <a:rPr lang="en-GB" sz="2000" dirty="0" err="1">
+                <a:solidFill>
+                  <a:srgbClr val="FFFFFF"/>
+                </a:solidFill>
+              </a:rPr>
+              <a:t>Ergebnissen</a:t>
+            </a:r>
+            <a:r>
+              <a:rPr lang="en-GB" sz="2000" dirty="0">
+                <a:solidFill>
+                  <a:srgbClr val="FFFFFF"/>
+                </a:solidFill>
+              </a:rPr>
+              <a:t> “</a:t>
+            </a:r>
+            <a:r>
+              <a:rPr lang="en-GB" sz="2000" dirty="0" err="1">
+                <a:solidFill>
+                  <a:srgbClr val="FFFFFF"/>
+                </a:solidFill>
+              </a:rPr>
+              <a:t>gefragt</a:t>
+            </a:r>
+            <a:r>
+              <a:rPr lang="en-GB" sz="2000" dirty="0">
+                <a:solidFill>
+                  <a:srgbClr val="FFFFFF"/>
+                </a:solidFill>
+              </a:rPr>
+              <a:t>”</a:t>
+            </a:r>
+          </a:p>
+          <a:p>
+            <a:endParaRPr lang="en-GB" sz="2000" dirty="0">
+              <a:solidFill>
+                <a:srgbClr val="FFFFFF"/>
+              </a:solidFill>
+            </a:endParaRPr>
+          </a:p>
+          <a:p>
+            <a:endParaRPr lang="de-DE" sz="2000" dirty="0">
+              <a:solidFill>
+                <a:srgbClr val="FFFFFF"/>
+              </a:solidFill>
+            </a:endParaRPr>
+          </a:p>
+        </p:txBody>
+      </p:sp>
       <p:pic>
         <p:nvPicPr>
-          <p:cNvPr id="4" name="Content Placeholder 3">
+          <p:cNvPr id="5" name="Picture 4">
             <a:extLst>
               <a:ext uri="{FF2B5EF4-FFF2-40B4-BE49-F238E27FC236}">
-                <a16:creationId xmlns:a16="http://schemas.microsoft.com/office/drawing/2014/main" id="{56F6BEA3-7606-459D-829D-7BD1420C8FE9}"/>
+                <a16:creationId xmlns:a16="http://schemas.microsoft.com/office/drawing/2014/main" id="{E58E2507-0C71-4438-8B32-A9E5D794C315}"/>
               </a:ext>
             </a:extLst>
           </p:cNvPr>
           <p:cNvPicPr>
-            <a:picLocks noGrp="1" noChangeAspect="1"/>
+            <a:picLocks noChangeAspect="1"/>
           </p:cNvPicPr>
-          <p:nvPr>
-            <p:ph idx="1"/>
-          </p:nvPr>
+          <p:nvPr/>
         </p:nvPicPr>
         <p:blipFill>
           <a:blip r:embed="rId3"/>
@@ -14323,111 +16300,20 @@
         </p:blipFill>
         <p:spPr>
           <a:xfrm>
-            <a:off x="6555435" y="1690688"/>
-            <a:ext cx="4056487" cy="2471737"/>
+            <a:off x="3513978" y="2066139"/>
+            <a:ext cx="5920430" cy="283151"/>
           </a:xfrm>
           <a:prstGeom prst="rect">
             <a:avLst/>
           </a:prstGeom>
         </p:spPr>
       </p:pic>
-      <p:sp>
-        <p:nvSpPr>
-          <p:cNvPr id="5" name="TextBox 4">
-            <a:extLst>
-              <a:ext uri="{FF2B5EF4-FFF2-40B4-BE49-F238E27FC236}">
-                <a16:creationId xmlns:a16="http://schemas.microsoft.com/office/drawing/2014/main" id="{7959328E-29E6-44DE-BF4F-BFC67078FA7D}"/>
-              </a:ext>
-            </a:extLst>
-          </p:cNvPr>
-          <p:cNvSpPr txBox="1"/>
-          <p:nvPr/>
-        </p:nvSpPr>
-        <p:spPr>
-          <a:xfrm>
-            <a:off x="1007918" y="2171700"/>
-            <a:ext cx="3522518" cy="1477328"/>
-          </a:xfrm>
-          <a:prstGeom prst="rect">
-            <a:avLst/>
-          </a:prstGeom>
-          <a:noFill/>
-        </p:spPr>
-        <p:txBody>
-          <a:bodyPr wrap="square" rtlCol="0">
-            <a:spAutoFit/>
-          </a:bodyPr>
-          <a:lstStyle/>
-          <a:p>
-            <a:pPr marL="285750" indent="-285750">
-              <a:buFont typeface="Arial" panose="020B0604020202020204" pitchFamily="34" charset="0"/>
-              <a:buChar char="•"/>
-            </a:pPr>
-            <a:r>
-              <a:rPr lang="en-GB" sz="2400" dirty="0" err="1"/>
-              <a:t>Akka</a:t>
-            </a:r>
-            <a:r>
-              <a:rPr lang="en-GB" sz="2400" dirty="0"/>
-              <a:t> </a:t>
-            </a:r>
-            <a:r>
-              <a:rPr lang="en-GB" sz="2400" dirty="0" err="1"/>
-              <a:t>benutzt</a:t>
-            </a:r>
-            <a:r>
-              <a:rPr lang="en-GB" sz="2400" dirty="0"/>
-              <a:t> fast </a:t>
-            </a:r>
-            <a:r>
-              <a:rPr lang="en-GB" sz="2400" dirty="0" err="1"/>
-              <a:t>überall</a:t>
-            </a:r>
-            <a:r>
-              <a:rPr lang="en-GB" sz="2400" dirty="0"/>
-              <a:t> Futures, </a:t>
-            </a:r>
-            <a:r>
-              <a:rPr lang="en-GB" sz="2400" dirty="0" err="1"/>
-              <a:t>mehr</a:t>
-            </a:r>
-            <a:r>
-              <a:rPr lang="en-GB" sz="2400" dirty="0"/>
-              <a:t> </a:t>
-            </a:r>
-            <a:r>
-              <a:rPr lang="en-GB" sz="2400" dirty="0" err="1"/>
-              <a:t>Beispiele</a:t>
-            </a:r>
-            <a:r>
-              <a:rPr lang="en-GB" sz="2400" dirty="0"/>
-              <a:t> </a:t>
-            </a:r>
-            <a:r>
-              <a:rPr lang="en-GB" sz="2400" dirty="0" err="1"/>
-              <a:t>dazu</a:t>
-            </a:r>
-            <a:r>
-              <a:rPr lang="en-GB" sz="2400" dirty="0"/>
-              <a:t> </a:t>
-            </a:r>
-            <a:r>
-              <a:rPr lang="en-GB" sz="2400" dirty="0" err="1"/>
-              <a:t>später</a:t>
-            </a:r>
-            <a:endParaRPr lang="en-GB" sz="2400" dirty="0"/>
-          </a:p>
-          <a:p>
-            <a:endParaRPr lang="de-DE" dirty="0"/>
-          </a:p>
-        </p:txBody>
-      </p:sp>
       <p:pic>
         <p:nvPicPr>
           <p:cNvPr id="7" name="Picture 6">
             <a:extLst>
               <a:ext uri="{FF2B5EF4-FFF2-40B4-BE49-F238E27FC236}">
-                <a16:creationId xmlns:a16="http://schemas.microsoft.com/office/drawing/2014/main" id="{57B5414B-447B-4632-B699-6EA191C1F06A}"/>
+                <a16:creationId xmlns:a16="http://schemas.microsoft.com/office/drawing/2014/main" id="{B6643241-61DE-48B9-8836-302F39C178ED}"/>
               </a:ext>
             </a:extLst>
           </p:cNvPr>
@@ -14437,21 +16323,15 @@
           <p:nvPr/>
         </p:nvPicPr>
         <p:blipFill>
-          <a:blip r:embed="rId4">
-            <a:extLst>
-              <a:ext uri="{28A0092B-C50C-407E-A947-70E740481C1C}">
-                <a14:useLocalDpi xmlns:a14="http://schemas.microsoft.com/office/drawing/2010/main" val="0"/>
-              </a:ext>
-            </a:extLst>
-          </a:blip>
+          <a:blip r:embed="rId4"/>
           <a:stretch>
             <a:fillRect/>
           </a:stretch>
         </p:blipFill>
         <p:spPr>
           <a:xfrm>
-            <a:off x="1007918" y="4799982"/>
-            <a:ext cx="9604004" cy="987753"/>
+            <a:off x="1128886" y="3522948"/>
+            <a:ext cx="7129071" cy="2898633"/>
           </a:xfrm>
           <a:prstGeom prst="rect">
             <a:avLst/>
@@ -14461,7 +16341,7 @@
     </p:spTree>
     <p:extLst>
       <p:ext uri="{BB962C8B-B14F-4D97-AF65-F5344CB8AC3E}">
-        <p14:creationId xmlns:p14="http://schemas.microsoft.com/office/powerpoint/2010/main" val="255057666"/>
+        <p14:creationId xmlns:p14="http://schemas.microsoft.com/office/powerpoint/2010/main" val="313982088"/>
       </p:ext>
     </p:extLst>
   </p:cSld>
@@ -14471,7 +16351,7 @@
 </p:sld>
 </file>
 
-<file path=ppt/slides/slide5.xml><?xml version="1.0" encoding="utf-8"?>
+<file path=ppt/slides/slide6.xml><?xml version="1.0" encoding="utf-8"?>
 <p:sld xmlns:a="http://schemas.openxmlformats.org/drawingml/2006/main" xmlns:r="http://schemas.openxmlformats.org/officeDocument/2006/relationships" xmlns:p="http://schemas.openxmlformats.org/presentationml/2006/main">
   <p:cSld>
     <p:bg>
@@ -14504,7 +16384,7 @@
                 <a16:creationId xmlns:a16="http://schemas.microsoft.com/office/drawing/2014/main" id="{EA67B5B4-3A24-436E-B663-1B2EBFF8A0CD}"/>
               </a:ext>
               <a:ext uri="{C183D7F6-B498-43B3-948B-1728B52AA6E4}">
-                <adec:decorative xmlns:adec="http://schemas.microsoft.com/office/drawing/2017/decorative" xmlns="" val="1"/>
+                <adec:decorative xmlns:adec="http://schemas.microsoft.com/office/drawing/2017/decorative" val="1"/>
               </a:ext>
             </a:extLst>
           </p:cNvPr>
@@ -14567,7 +16447,7 @@
                 <a16:creationId xmlns:a16="http://schemas.microsoft.com/office/drawing/2014/main" id="{987FDF89-C993-41F4-A1B8-DBAFF16008A9}"/>
               </a:ext>
               <a:ext uri="{C183D7F6-B498-43B3-948B-1728B52AA6E4}">
-                <adec:decorative xmlns:adec="http://schemas.microsoft.com/office/drawing/2017/decorative" xmlns="" val="1"/>
+                <adec:decorative xmlns:adec="http://schemas.microsoft.com/office/drawing/2017/decorative" val="1"/>
               </a:ext>
             </a:extLst>
           </p:cNvPr>
@@ -14675,7 +16555,7 @@
                 <a16:creationId xmlns:a16="http://schemas.microsoft.com/office/drawing/2014/main" id="{64E585EA-75FD-4025-8270-F66A58A15CDA}"/>
               </a:ext>
               <a:ext uri="{C183D7F6-B498-43B3-948B-1728B52AA6E4}">
-                <adec:decorative xmlns:adec="http://schemas.microsoft.com/office/drawing/2017/decorative" xmlns="" val="1"/>
+                <adec:decorative xmlns:adec="http://schemas.microsoft.com/office/drawing/2017/decorative" val="1"/>
               </a:ext>
             </a:extLst>
           </p:cNvPr>
@@ -14806,14 +16686,14 @@
           <a:lstStyle/>
           <a:p>
             <a:r>
-              <a:rPr lang="en-GB" dirty="0">
+              <a:rPr lang="en-GB">
                 <a:solidFill>
                   <a:srgbClr val="FFFFFF"/>
                 </a:solidFill>
               </a:rPr>
               <a:t>Actors</a:t>
             </a:r>
-            <a:endParaRPr lang="de-DE" dirty="0">
+            <a:endParaRPr lang="de-DE">
               <a:solidFill>
                 <a:srgbClr val="FFFFFF"/>
               </a:solidFill>
@@ -14821,170 +16701,12 @@
           </a:p>
         </p:txBody>
       </p:sp>
-      <p:sp>
-        <p:nvSpPr>
-          <p:cNvPr id="3" name="Content Placeholder 2">
-            <a:extLst>
-              <a:ext uri="{FF2B5EF4-FFF2-40B4-BE49-F238E27FC236}">
-                <a16:creationId xmlns:a16="http://schemas.microsoft.com/office/drawing/2014/main" id="{28C27B4B-ACD4-45BA-A576-ADEB5F08A5FC}"/>
-              </a:ext>
-            </a:extLst>
-          </p:cNvPr>
-          <p:cNvSpPr>
-            <a:spLocks noGrp="1"/>
-          </p:cNvSpPr>
-          <p:nvPr>
-            <p:ph idx="1"/>
-          </p:nvPr>
-        </p:nvSpPr>
-        <p:spPr>
-          <a:xfrm>
-            <a:off x="838201" y="2022601"/>
-            <a:ext cx="10515598" cy="4154361"/>
-          </a:xfrm>
-        </p:spPr>
-        <p:txBody>
-          <a:bodyPr>
-            <a:normAutofit/>
-          </a:bodyPr>
-          <a:lstStyle/>
-          <a:p>
-            <a:r>
-              <a:rPr lang="en-GB" sz="2000" dirty="0">
-                <a:solidFill>
-                  <a:srgbClr val="FFFFFF"/>
-                </a:solidFill>
-              </a:rPr>
-              <a:t>Controller </a:t>
-            </a:r>
-            <a:r>
-              <a:rPr lang="en-GB" sz="2000" dirty="0" err="1">
-                <a:solidFill>
-                  <a:srgbClr val="FFFFFF"/>
-                </a:solidFill>
-              </a:rPr>
-              <a:t>als</a:t>
-            </a:r>
-            <a:r>
-              <a:rPr lang="en-GB" sz="2000" dirty="0">
-                <a:solidFill>
-                  <a:srgbClr val="FFFFFF"/>
-                </a:solidFill>
-              </a:rPr>
-              <a:t> Actor</a:t>
-            </a:r>
-          </a:p>
-          <a:p>
-            <a:endParaRPr lang="en-GB" sz="2000" dirty="0">
-              <a:solidFill>
-                <a:srgbClr val="FFFFFF"/>
-              </a:solidFill>
-            </a:endParaRPr>
-          </a:p>
-          <a:p>
-            <a:r>
-              <a:rPr lang="en-GB" sz="2000" dirty="0" err="1">
-                <a:solidFill>
-                  <a:srgbClr val="FFFFFF"/>
-                </a:solidFill>
-              </a:rPr>
-              <a:t>Wird</a:t>
-            </a:r>
-            <a:r>
-              <a:rPr lang="en-GB" sz="2000" dirty="0">
-                <a:solidFill>
-                  <a:srgbClr val="FFFFFF"/>
-                </a:solidFill>
-              </a:rPr>
-              <a:t> von </a:t>
-            </a:r>
-            <a:r>
-              <a:rPr lang="en-GB" sz="2000" dirty="0" err="1">
-                <a:solidFill>
-                  <a:srgbClr val="FFFFFF"/>
-                </a:solidFill>
-              </a:rPr>
-              <a:t>akka</a:t>
-            </a:r>
-            <a:r>
-              <a:rPr lang="en-GB" sz="2000" dirty="0">
-                <a:solidFill>
-                  <a:srgbClr val="FFFFFF"/>
-                </a:solidFill>
-              </a:rPr>
-              <a:t>-http </a:t>
-            </a:r>
-            <a:r>
-              <a:rPr lang="en-GB" sz="2000" dirty="0" err="1">
-                <a:solidFill>
-                  <a:srgbClr val="FFFFFF"/>
-                </a:solidFill>
-              </a:rPr>
-              <a:t>nach</a:t>
-            </a:r>
-            <a:r>
-              <a:rPr lang="en-GB" sz="2000" dirty="0">
-                <a:solidFill>
-                  <a:srgbClr val="FFFFFF"/>
-                </a:solidFill>
-              </a:rPr>
-              <a:t> </a:t>
-            </a:r>
-            <a:r>
-              <a:rPr lang="en-GB" sz="2000" dirty="0" err="1">
-                <a:solidFill>
-                  <a:srgbClr val="FFFFFF"/>
-                </a:solidFill>
-              </a:rPr>
-              <a:t>Ergebnissen</a:t>
-            </a:r>
-            <a:r>
-              <a:rPr lang="en-GB" sz="2000" dirty="0">
-                <a:solidFill>
-                  <a:srgbClr val="FFFFFF"/>
-                </a:solidFill>
-              </a:rPr>
-              <a:t> “</a:t>
-            </a:r>
-            <a:r>
-              <a:rPr lang="en-GB" sz="2000" dirty="0" err="1">
-                <a:solidFill>
-                  <a:srgbClr val="FFFFFF"/>
-                </a:solidFill>
-              </a:rPr>
-              <a:t>gefragt</a:t>
-            </a:r>
-            <a:r>
-              <a:rPr lang="en-GB" sz="2000" dirty="0">
-                <a:solidFill>
-                  <a:srgbClr val="FFFFFF"/>
-                </a:solidFill>
-              </a:rPr>
-              <a:t>”</a:t>
-            </a:r>
-          </a:p>
-          <a:p>
-            <a:endParaRPr lang="en-GB" sz="2000" dirty="0">
-              <a:solidFill>
-                <a:srgbClr val="FFFFFF"/>
-              </a:solidFill>
-            </a:endParaRPr>
-          </a:p>
-          <a:p>
-            <a:endParaRPr lang="de-DE" sz="2000" dirty="0">
-              <a:solidFill>
-                <a:srgbClr val="FFFFFF"/>
-              </a:solidFill>
-            </a:endParaRPr>
-          </a:p>
-        </p:txBody>
-      </p:sp>
       <p:pic>
         <p:nvPicPr>
-          <p:cNvPr id="5" name="Picture 4">
+          <p:cNvPr id="6" name="Picture 5">
             <a:extLst>
               <a:ext uri="{FF2B5EF4-FFF2-40B4-BE49-F238E27FC236}">
-                <a16:creationId xmlns:a16="http://schemas.microsoft.com/office/drawing/2014/main" id="{E58E2507-0C71-4438-8B32-A9E5D794C315}"/>
+                <a16:creationId xmlns:a16="http://schemas.microsoft.com/office/drawing/2014/main" id="{907177B5-61FF-4583-99B5-38D0BA6F54A0}"/>
               </a:ext>
             </a:extLst>
           </p:cNvPr>
@@ -15001,38 +16723,8 @@
         </p:blipFill>
         <p:spPr>
           <a:xfrm>
-            <a:off x="3513978" y="2066139"/>
-            <a:ext cx="5920430" cy="283151"/>
-          </a:xfrm>
-          <a:prstGeom prst="rect">
-            <a:avLst/>
-          </a:prstGeom>
-        </p:spPr>
-      </p:pic>
-      <p:pic>
-        <p:nvPicPr>
-          <p:cNvPr id="7" name="Picture 6">
-            <a:extLst>
-              <a:ext uri="{FF2B5EF4-FFF2-40B4-BE49-F238E27FC236}">
-                <a16:creationId xmlns:a16="http://schemas.microsoft.com/office/drawing/2014/main" id="{B6643241-61DE-48B9-8836-302F39C178ED}"/>
-              </a:ext>
-            </a:extLst>
-          </p:cNvPr>
-          <p:cNvPicPr>
-            <a:picLocks noChangeAspect="1"/>
-          </p:cNvPicPr>
-          <p:nvPr/>
-        </p:nvPicPr>
-        <p:blipFill>
-          <a:blip r:embed="rId4"/>
-          <a:stretch>
-            <a:fillRect/>
-          </a:stretch>
-        </p:blipFill>
-        <p:spPr>
-          <a:xfrm>
-            <a:off x="1128886" y="3522948"/>
-            <a:ext cx="7129071" cy="2898633"/>
+            <a:off x="2732951" y="1212706"/>
+            <a:ext cx="6720803" cy="5314391"/>
           </a:xfrm>
           <a:prstGeom prst="rect">
             <a:avLst/>
@@ -15042,7 +16734,7 @@
     </p:spTree>
     <p:extLst>
       <p:ext uri="{BB962C8B-B14F-4D97-AF65-F5344CB8AC3E}">
-        <p14:creationId xmlns:p14="http://schemas.microsoft.com/office/powerpoint/2010/main" val="313982088"/>
+        <p14:creationId xmlns:p14="http://schemas.microsoft.com/office/powerpoint/2010/main" val="3030030415"/>
       </p:ext>
     </p:extLst>
   </p:cSld>
@@ -15052,7 +16744,7 @@
 </p:sld>
 </file>
 
-<file path=ppt/slides/slide6.xml><?xml version="1.0" encoding="utf-8"?>
+<file path=ppt/slides/slide7.xml><?xml version="1.0" encoding="utf-8"?>
 <p:sld xmlns:a="http://schemas.openxmlformats.org/drawingml/2006/main" xmlns:r="http://schemas.openxmlformats.org/officeDocument/2006/relationships" xmlns:p="http://schemas.openxmlformats.org/presentationml/2006/main">
   <p:cSld>
     <p:bg>
@@ -15085,7 +16777,7 @@
                 <a16:creationId xmlns:a16="http://schemas.microsoft.com/office/drawing/2014/main" id="{EA67B5B4-3A24-436E-B663-1B2EBFF8A0CD}"/>
               </a:ext>
               <a:ext uri="{C183D7F6-B498-43B3-948B-1728B52AA6E4}">
-                <adec:decorative xmlns:adec="http://schemas.microsoft.com/office/drawing/2017/decorative" xmlns="" val="1"/>
+                <adec:decorative xmlns:adec="http://schemas.microsoft.com/office/drawing/2017/decorative" val="1"/>
               </a:ext>
             </a:extLst>
           </p:cNvPr>
@@ -15148,7 +16840,7 @@
                 <a16:creationId xmlns:a16="http://schemas.microsoft.com/office/drawing/2014/main" id="{987FDF89-C993-41F4-A1B8-DBAFF16008A9}"/>
               </a:ext>
               <a:ext uri="{C183D7F6-B498-43B3-948B-1728B52AA6E4}">
-                <adec:decorative xmlns:adec="http://schemas.microsoft.com/office/drawing/2017/decorative" xmlns="" val="1"/>
+                <adec:decorative xmlns:adec="http://schemas.microsoft.com/office/drawing/2017/decorative" val="1"/>
               </a:ext>
             </a:extLst>
           </p:cNvPr>
@@ -15256,7 +16948,7 @@
                 <a16:creationId xmlns:a16="http://schemas.microsoft.com/office/drawing/2014/main" id="{64E585EA-75FD-4025-8270-F66A58A15CDA}"/>
               </a:ext>
               <a:ext uri="{C183D7F6-B498-43B3-948B-1728B52AA6E4}">
-                <adec:decorative xmlns:adec="http://schemas.microsoft.com/office/drawing/2017/decorative" xmlns="" val="1"/>
+                <adec:decorative xmlns:adec="http://schemas.microsoft.com/office/drawing/2017/decorative" val="1"/>
               </a:ext>
             </a:extLst>
           </p:cNvPr>
@@ -15392,7 +17084,7 @@
                   <a:srgbClr val="FFFFFF"/>
                 </a:solidFill>
               </a:rPr>
-              <a:t>Actors</a:t>
+              <a:t>Distribution</a:t>
             </a:r>
             <a:endParaRPr lang="de-DE">
               <a:solidFill>
@@ -15404,10 +17096,45 @@
       </p:sp>
       <p:pic>
         <p:nvPicPr>
-          <p:cNvPr id="6" name="Picture 5">
+          <p:cNvPr id="14" name="Content Placeholder 13">
             <a:extLst>
               <a:ext uri="{FF2B5EF4-FFF2-40B4-BE49-F238E27FC236}">
-                <a16:creationId xmlns:a16="http://schemas.microsoft.com/office/drawing/2014/main" id="{907177B5-61FF-4583-99B5-38D0BA6F54A0}"/>
+                <a16:creationId xmlns:a16="http://schemas.microsoft.com/office/drawing/2014/main" id="{8B9666BE-3A5E-4D67-945C-C2C94141646E}"/>
+              </a:ext>
+            </a:extLst>
+          </p:cNvPr>
+          <p:cNvPicPr>
+            <a:picLocks noGrp="1" noChangeAspect="1"/>
+          </p:cNvPicPr>
+          <p:nvPr>
+            <p:ph idx="1"/>
+          </p:nvPr>
+        </p:nvPicPr>
+        <p:blipFill>
+          <a:blip r:embed="rId3">
+            <a:extLst>
+              <a:ext uri="{28A0092B-C50C-407E-A947-70E740481C1C}">
+                <a14:useLocalDpi xmlns:a14="http://schemas.microsoft.com/office/drawing/2010/main" val="0"/>
+              </a:ext>
+            </a:extLst>
+          </a:blip>
+          <a:stretch>
+            <a:fillRect/>
+          </a:stretch>
+        </p:blipFill>
+        <p:spPr>
+          <a:xfrm>
+            <a:off x="617857" y="1919591"/>
+            <a:ext cx="5645288" cy="4351338"/>
+          </a:xfrm>
+        </p:spPr>
+      </p:pic>
+      <p:pic>
+        <p:nvPicPr>
+          <p:cNvPr id="16" name="Picture 15">
+            <a:extLst>
+              <a:ext uri="{FF2B5EF4-FFF2-40B4-BE49-F238E27FC236}">
+                <a16:creationId xmlns:a16="http://schemas.microsoft.com/office/drawing/2014/main" id="{EBE9AAA5-E2F2-46B3-86CD-01EDBBE13423}"/>
               </a:ext>
             </a:extLst>
           </p:cNvPr>
@@ -15417,15 +17144,21 @@
           <p:nvPr/>
         </p:nvPicPr>
         <p:blipFill>
-          <a:blip r:embed="rId3"/>
+          <a:blip r:embed="rId4">
+            <a:extLst>
+              <a:ext uri="{28A0092B-C50C-407E-A947-70E740481C1C}">
+                <a14:useLocalDpi xmlns:a14="http://schemas.microsoft.com/office/drawing/2010/main" val="0"/>
+              </a:ext>
+            </a:extLst>
+          </a:blip>
           <a:stretch>
             <a:fillRect/>
           </a:stretch>
         </p:blipFill>
         <p:spPr>
           <a:xfrm>
-            <a:off x="2732951" y="1212706"/>
-            <a:ext cx="6720803" cy="5314391"/>
+            <a:off x="6668391" y="365125"/>
+            <a:ext cx="5118363" cy="5905804"/>
           </a:xfrm>
           <a:prstGeom prst="rect">
             <a:avLst/>
@@ -15435,7 +17168,7 @@
     </p:spTree>
     <p:extLst>
       <p:ext uri="{BB962C8B-B14F-4D97-AF65-F5344CB8AC3E}">
-        <p14:creationId xmlns:p14="http://schemas.microsoft.com/office/powerpoint/2010/main" val="3030030415"/>
+        <p14:creationId xmlns:p14="http://schemas.microsoft.com/office/powerpoint/2010/main" val="1107827331"/>
       </p:ext>
     </p:extLst>
   </p:cSld>
@@ -15445,7 +17178,7 @@
 </p:sld>
 </file>
 
-<file path=ppt/slides/slide7.xml><?xml version="1.0" encoding="utf-8"?>
+<file path=ppt/slides/slide8.xml><?xml version="1.0" encoding="utf-8"?>
 <p:sld xmlns:a="http://schemas.openxmlformats.org/drawingml/2006/main" xmlns:r="http://schemas.openxmlformats.org/officeDocument/2006/relationships" xmlns:p="http://schemas.openxmlformats.org/presentationml/2006/main">
   <p:cSld>
     <p:bg>
@@ -15478,7 +17211,7 @@
                 <a16:creationId xmlns:a16="http://schemas.microsoft.com/office/drawing/2014/main" id="{EA67B5B4-3A24-436E-B663-1B2EBFF8A0CD}"/>
               </a:ext>
               <a:ext uri="{C183D7F6-B498-43B3-948B-1728B52AA6E4}">
-                <adec:decorative xmlns:adec="http://schemas.microsoft.com/office/drawing/2017/decorative" xmlns="" val="1"/>
+                <adec:decorative xmlns:adec="http://schemas.microsoft.com/office/drawing/2017/decorative" val="1"/>
               </a:ext>
             </a:extLst>
           </p:cNvPr>
@@ -15541,7 +17274,7 @@
                 <a16:creationId xmlns:a16="http://schemas.microsoft.com/office/drawing/2014/main" id="{987FDF89-C993-41F4-A1B8-DBAFF16008A9}"/>
               </a:ext>
               <a:ext uri="{C183D7F6-B498-43B3-948B-1728B52AA6E4}">
-                <adec:decorative xmlns:adec="http://schemas.microsoft.com/office/drawing/2017/decorative" xmlns="" val="1"/>
+                <adec:decorative xmlns:adec="http://schemas.microsoft.com/office/drawing/2017/decorative" val="1"/>
               </a:ext>
             </a:extLst>
           </p:cNvPr>
@@ -15649,7 +17382,7 @@
                 <a16:creationId xmlns:a16="http://schemas.microsoft.com/office/drawing/2014/main" id="{64E585EA-75FD-4025-8270-F66A58A15CDA}"/>
               </a:ext>
               <a:ext uri="{C183D7F6-B498-43B3-948B-1728B52AA6E4}">
-                <adec:decorative xmlns:adec="http://schemas.microsoft.com/office/drawing/2017/decorative" xmlns="" val="1"/>
+                <adec:decorative xmlns:adec="http://schemas.microsoft.com/office/drawing/2017/decorative" val="1"/>
               </a:ext>
             </a:extLst>
           </p:cNvPr>
@@ -15785,7 +17518,7 @@
                   <a:srgbClr val="FFFFFF"/>
                 </a:solidFill>
               </a:rPr>
-              <a:t>Distribution</a:t>
+              <a:t>Microservices</a:t>
             </a:r>
             <a:endParaRPr lang="de-DE">
               <a:solidFill>
@@ -15797,19 +17530,17 @@
       </p:sp>
       <p:pic>
         <p:nvPicPr>
-          <p:cNvPr id="14" name="Content Placeholder 13">
+          <p:cNvPr id="7" name="Picture 6">
             <a:extLst>
               <a:ext uri="{FF2B5EF4-FFF2-40B4-BE49-F238E27FC236}">
-                <a16:creationId xmlns:a16="http://schemas.microsoft.com/office/drawing/2014/main" id="{8B9666BE-3A5E-4D67-945C-C2C94141646E}"/>
+                <a16:creationId xmlns:a16="http://schemas.microsoft.com/office/drawing/2014/main" id="{4E100DB7-F144-49BB-A59F-DDAD80246897}"/>
               </a:ext>
             </a:extLst>
           </p:cNvPr>
           <p:cNvPicPr>
-            <a:picLocks noGrp="1" noChangeAspect="1"/>
+            <a:picLocks noChangeAspect="1"/>
           </p:cNvPicPr>
-          <p:nvPr>
-            <p:ph idx="1"/>
-          </p:nvPr>
+          <p:nvPr/>
         </p:nvPicPr>
         <p:blipFill>
           <a:blip r:embed="rId3">
@@ -15825,17 +17556,20 @@
         </p:blipFill>
         <p:spPr>
           <a:xfrm>
-            <a:off x="617857" y="1919591"/>
-            <a:ext cx="5645288" cy="4351338"/>
+            <a:off x="218209" y="1387029"/>
+            <a:ext cx="6440632" cy="4080617"/>
           </a:xfrm>
+          <a:prstGeom prst="rect">
+            <a:avLst/>
+          </a:prstGeom>
         </p:spPr>
       </p:pic>
       <p:pic>
         <p:nvPicPr>
-          <p:cNvPr id="16" name="Picture 15">
+          <p:cNvPr id="4" name="Picture 3">
             <a:extLst>
               <a:ext uri="{FF2B5EF4-FFF2-40B4-BE49-F238E27FC236}">
-                <a16:creationId xmlns:a16="http://schemas.microsoft.com/office/drawing/2014/main" id="{EBE9AAA5-E2F2-46B3-86CD-01EDBBE13423}"/>
+                <a16:creationId xmlns:a16="http://schemas.microsoft.com/office/drawing/2014/main" id="{3B2774F6-DEF4-DA4A-A170-B45B4819441F}"/>
               </a:ext>
             </a:extLst>
           </p:cNvPr>
@@ -15858,8 +17592,8 @@
         </p:blipFill>
         <p:spPr>
           <a:xfrm>
-            <a:off x="6668391" y="365125"/>
-            <a:ext cx="5118363" cy="5905804"/>
+            <a:off x="4831493" y="4560281"/>
+            <a:ext cx="6955261" cy="2183038"/>
           </a:xfrm>
           <a:prstGeom prst="rect">
             <a:avLst/>
@@ -15869,7 +17603,7 @@
     </p:spTree>
     <p:extLst>
       <p:ext uri="{BB962C8B-B14F-4D97-AF65-F5344CB8AC3E}">
-        <p14:creationId xmlns:p14="http://schemas.microsoft.com/office/powerpoint/2010/main" val="1107827331"/>
+        <p14:creationId xmlns:p14="http://schemas.microsoft.com/office/powerpoint/2010/main" val="3470017219"/>
       </p:ext>
     </p:extLst>
   </p:cSld>
@@ -15879,7 +17613,7 @@
 </p:sld>
 </file>
 
-<file path=ppt/slides/slide8.xml><?xml version="1.0" encoding="utf-8"?>
+<file path=ppt/slides/slide9.xml><?xml version="1.0" encoding="utf-8"?>
 <p:sld xmlns:a="http://schemas.openxmlformats.org/drawingml/2006/main" xmlns:r="http://schemas.openxmlformats.org/officeDocument/2006/relationships" xmlns:p="http://schemas.openxmlformats.org/presentationml/2006/main">
   <p:cSld>
     <p:bg>
@@ -15912,7 +17646,7 @@
                 <a16:creationId xmlns:a16="http://schemas.microsoft.com/office/drawing/2014/main" id="{EA67B5B4-3A24-436E-B663-1B2EBFF8A0CD}"/>
               </a:ext>
               <a:ext uri="{C183D7F6-B498-43B3-948B-1728B52AA6E4}">
-                <adec:decorative xmlns:adec="http://schemas.microsoft.com/office/drawing/2017/decorative" xmlns="" val="1"/>
+                <adec:decorative xmlns:adec="http://schemas.microsoft.com/office/drawing/2017/decorative" val="1"/>
               </a:ext>
             </a:extLst>
           </p:cNvPr>
@@ -15975,7 +17709,7 @@
                 <a16:creationId xmlns:a16="http://schemas.microsoft.com/office/drawing/2014/main" id="{987FDF89-C993-41F4-A1B8-DBAFF16008A9}"/>
               </a:ext>
               <a:ext uri="{C183D7F6-B498-43B3-948B-1728B52AA6E4}">
-                <adec:decorative xmlns:adec="http://schemas.microsoft.com/office/drawing/2017/decorative" xmlns="" val="1"/>
+                <adec:decorative xmlns:adec="http://schemas.microsoft.com/office/drawing/2017/decorative" val="1"/>
               </a:ext>
             </a:extLst>
           </p:cNvPr>
@@ -16083,441 +17817,7 @@
                 <a16:creationId xmlns:a16="http://schemas.microsoft.com/office/drawing/2014/main" id="{64E585EA-75FD-4025-8270-F66A58A15CDA}"/>
               </a:ext>
               <a:ext uri="{C183D7F6-B498-43B3-948B-1728B52AA6E4}">
-                <adec:decorative xmlns:adec="http://schemas.microsoft.com/office/drawing/2017/decorative" xmlns="" val="1"/>
-              </a:ext>
-            </a:extLst>
-          </p:cNvPr>
-          <p:cNvSpPr>
-            <a:spLocks noGrp="1" noRot="1" noChangeAspect="1" noMove="1" noResize="1" noEditPoints="1" noAdjustHandles="1" noChangeArrowheads="1" noChangeShapeType="1" noTextEdit="1"/>
-          </p:cNvSpPr>
-          <p:nvPr>
-            <p:extLst>
-              <p:ext uri="{386F3935-93C4-4BCD-93E2-E3B085C9AB24}">
-                <p16:designElem xmlns:p16="http://schemas.microsoft.com/office/powerpoint/2015/main" val="1"/>
-              </p:ext>
-            </p:extLst>
-          </p:nvPr>
-        </p:nvSpPr>
-        <p:spPr>
-          <a:xfrm>
-            <a:off x="0" y="0"/>
-            <a:ext cx="3581400" cy="6858000"/>
-          </a:xfrm>
-          <a:custGeom>
-            <a:avLst/>
-            <a:gdLst>
-              <a:gd name="connsiteX0" fmla="*/ 0 w 3581400"/>
-              <a:gd name="connsiteY0" fmla="*/ 0 h 6858000"/>
-              <a:gd name="connsiteX1" fmla="*/ 405246 w 3581400"/>
-              <a:gd name="connsiteY1" fmla="*/ 0 h 6858000"/>
-              <a:gd name="connsiteX2" fmla="*/ 3581400 w 3581400"/>
-              <a:gd name="connsiteY2" fmla="*/ 6858000 h 6858000"/>
-              <a:gd name="connsiteX3" fmla="*/ 0 w 3581400"/>
-              <a:gd name="connsiteY3" fmla="*/ 6858000 h 6858000"/>
-            </a:gdLst>
-            <a:ahLst/>
-            <a:cxnLst>
-              <a:cxn ang="0">
-                <a:pos x="connsiteX0" y="connsiteY0"/>
-              </a:cxn>
-              <a:cxn ang="0">
-                <a:pos x="connsiteX1" y="connsiteY1"/>
-              </a:cxn>
-              <a:cxn ang="0">
-                <a:pos x="connsiteX2" y="connsiteY2"/>
-              </a:cxn>
-              <a:cxn ang="0">
-                <a:pos x="connsiteX3" y="connsiteY3"/>
-              </a:cxn>
-            </a:cxnLst>
-            <a:rect l="l" t="t" r="r" b="b"/>
-            <a:pathLst>
-              <a:path w="3581400" h="6858000">
-                <a:moveTo>
-                  <a:pt x="0" y="0"/>
-                </a:moveTo>
-                <a:lnTo>
-                  <a:pt x="405246" y="0"/>
-                </a:lnTo>
-                <a:lnTo>
-                  <a:pt x="3581400" y="6858000"/>
-                </a:lnTo>
-                <a:lnTo>
-                  <a:pt x="0" y="6858000"/>
-                </a:lnTo>
-                <a:close/>
-              </a:path>
-            </a:pathLst>
-          </a:custGeom>
-          <a:solidFill>
-            <a:srgbClr val="000000">
-              <a:alpha val="29804"/>
-            </a:srgbClr>
-          </a:solidFill>
-          <a:ln>
-            <a:noFill/>
-          </a:ln>
-        </p:spPr>
-        <p:style>
-          <a:lnRef idx="2">
-            <a:schemeClr val="accent1">
-              <a:shade val="50000"/>
-            </a:schemeClr>
-          </a:lnRef>
-          <a:fillRef idx="1">
-            <a:schemeClr val="accent1"/>
-          </a:fillRef>
-          <a:effectRef idx="0">
-            <a:schemeClr val="accent1"/>
-          </a:effectRef>
-          <a:fontRef idx="minor">
-            <a:schemeClr val="lt1"/>
-          </a:fontRef>
-        </p:style>
-        <p:txBody>
-          <a:bodyPr wrap="square" rtlCol="0" anchor="ctr">
-            <a:noAutofit/>
-          </a:bodyPr>
-          <a:lstStyle/>
-          <a:p>
-            <a:pPr algn="ctr"/>
-            <a:endParaRPr lang="en-US"/>
-          </a:p>
-        </p:txBody>
-      </p:sp>
-      <p:sp>
-        <p:nvSpPr>
-          <p:cNvPr id="2" name="Title 1">
-            <a:extLst>
-              <a:ext uri="{FF2B5EF4-FFF2-40B4-BE49-F238E27FC236}">
-                <a16:creationId xmlns:a16="http://schemas.microsoft.com/office/drawing/2014/main" id="{73E58393-FEB3-4B08-B74E-4ACC83A6772C}"/>
-              </a:ext>
-            </a:extLst>
-          </p:cNvPr>
-          <p:cNvSpPr>
-            <a:spLocks noGrp="1"/>
-          </p:cNvSpPr>
-          <p:nvPr>
-            <p:ph type="title"/>
-          </p:nvPr>
-        </p:nvSpPr>
-        <p:spPr>
-          <a:xfrm>
-            <a:off x="833002" y="365125"/>
-            <a:ext cx="10520702" cy="1325563"/>
-          </a:xfrm>
-        </p:spPr>
-        <p:txBody>
-          <a:bodyPr>
-            <a:normAutofit/>
-          </a:bodyPr>
-          <a:lstStyle/>
-          <a:p>
-            <a:r>
-              <a:rPr lang="en-GB">
-                <a:solidFill>
-                  <a:srgbClr val="FFFFFF"/>
-                </a:solidFill>
-              </a:rPr>
-              <a:t>Microservices</a:t>
-            </a:r>
-            <a:endParaRPr lang="de-DE">
-              <a:solidFill>
-                <a:srgbClr val="FFFFFF"/>
-              </a:solidFill>
-            </a:endParaRPr>
-          </a:p>
-        </p:txBody>
-      </p:sp>
-      <p:pic>
-        <p:nvPicPr>
-          <p:cNvPr id="7" name="Picture 6">
-            <a:extLst>
-              <a:ext uri="{FF2B5EF4-FFF2-40B4-BE49-F238E27FC236}">
-                <a16:creationId xmlns:a16="http://schemas.microsoft.com/office/drawing/2014/main" id="{4E100DB7-F144-49BB-A59F-DDAD80246897}"/>
-              </a:ext>
-            </a:extLst>
-          </p:cNvPr>
-          <p:cNvPicPr>
-            <a:picLocks noChangeAspect="1"/>
-          </p:cNvPicPr>
-          <p:nvPr/>
-        </p:nvPicPr>
-        <p:blipFill>
-          <a:blip r:embed="rId3">
-            <a:extLst>
-              <a:ext uri="{28A0092B-C50C-407E-A947-70E740481C1C}">
-                <a14:useLocalDpi xmlns:a14="http://schemas.microsoft.com/office/drawing/2010/main" val="0"/>
-              </a:ext>
-            </a:extLst>
-          </a:blip>
-          <a:stretch>
-            <a:fillRect/>
-          </a:stretch>
-        </p:blipFill>
-        <p:spPr>
-          <a:xfrm>
-            <a:off x="218209" y="1387029"/>
-            <a:ext cx="6440632" cy="4080617"/>
-          </a:xfrm>
-          <a:prstGeom prst="rect">
-            <a:avLst/>
-          </a:prstGeom>
-        </p:spPr>
-      </p:pic>
-      <p:pic>
-        <p:nvPicPr>
-          <p:cNvPr id="5" name="Content Placeholder 4">
-            <a:extLst>
-              <a:ext uri="{FF2B5EF4-FFF2-40B4-BE49-F238E27FC236}">
-                <a16:creationId xmlns:a16="http://schemas.microsoft.com/office/drawing/2014/main" id="{39810E3F-A294-47B8-A1CC-417EFCDF8E69}"/>
-              </a:ext>
-            </a:extLst>
-          </p:cNvPr>
-          <p:cNvPicPr>
-            <a:picLocks noGrp="1" noChangeAspect="1"/>
-          </p:cNvPicPr>
-          <p:nvPr>
-            <p:ph idx="1"/>
-          </p:nvPr>
-        </p:nvPicPr>
-        <p:blipFill>
-          <a:blip r:embed="rId4">
-            <a:extLst>
-              <a:ext uri="{28A0092B-C50C-407E-A947-70E740481C1C}">
-                <a14:useLocalDpi xmlns:a14="http://schemas.microsoft.com/office/drawing/2010/main" val="0"/>
-              </a:ext>
-            </a:extLst>
-          </a:blip>
-          <a:stretch>
-            <a:fillRect/>
-          </a:stretch>
-        </p:blipFill>
-        <p:spPr>
-          <a:xfrm>
-            <a:off x="4522132" y="4395321"/>
-            <a:ext cx="7264622" cy="2290167"/>
-          </a:xfrm>
-        </p:spPr>
-      </p:pic>
-    </p:spTree>
-    <p:extLst>
-      <p:ext uri="{BB962C8B-B14F-4D97-AF65-F5344CB8AC3E}">
-        <p14:creationId xmlns:p14="http://schemas.microsoft.com/office/powerpoint/2010/main" val="3470017219"/>
-      </p:ext>
-    </p:extLst>
-  </p:cSld>
-  <p:clrMapOvr>
-    <a:overrideClrMapping bg1="dk1" tx1="lt1" bg2="dk2" tx2="lt2" accent1="accent1" accent2="accent2" accent3="accent3" accent4="accent4" accent5="accent5" accent6="accent6" hlink="hlink" folHlink="folHlink"/>
-  </p:clrMapOvr>
-</p:sld>
-</file>
-
-<file path=ppt/slides/slide9.xml><?xml version="1.0" encoding="utf-8"?>
-<p:sld xmlns:a="http://schemas.openxmlformats.org/drawingml/2006/main" xmlns:r="http://schemas.openxmlformats.org/officeDocument/2006/relationships" xmlns:p="http://schemas.openxmlformats.org/presentationml/2006/main">
-  <p:cSld>
-    <p:bg>
-      <p:bgPr>
-        <a:solidFill>
-          <a:srgbClr val="404040"/>
-        </a:solidFill>
-        <a:effectLst/>
-      </p:bgPr>
-    </p:bg>
-    <p:spTree>
-      <p:nvGrpSpPr>
-        <p:cNvPr id="1" name=""/>
-        <p:cNvGrpSpPr/>
-        <p:nvPr/>
-      </p:nvGrpSpPr>
-      <p:grpSpPr>
-        <a:xfrm>
-          <a:off x="0" y="0"/>
-          <a:ext cx="0" cy="0"/>
-          <a:chOff x="0" y="0"/>
-          <a:chExt cx="0" cy="0"/>
-        </a:xfrm>
-      </p:grpSpPr>
-      <p:sp>
-        <p:nvSpPr>
-          <p:cNvPr id="8" name="Rectangle 7">
-            <a:extLst>
-              <a:ext uri="{FF2B5EF4-FFF2-40B4-BE49-F238E27FC236}">
-                <a16:creationId xmlns:a16="http://schemas.microsoft.com/office/drawing/2014/main" id="{EA67B5B4-3A24-436E-B663-1B2EBFF8A0CD}"/>
-              </a:ext>
-              <a:ext uri="{C183D7F6-B498-43B3-948B-1728B52AA6E4}">
-                <adec:decorative xmlns:adec="http://schemas.microsoft.com/office/drawing/2017/decorative" xmlns="" val="1"/>
-              </a:ext>
-            </a:extLst>
-          </p:cNvPr>
-          <p:cNvSpPr>
-            <a:spLocks noGrp="1" noRot="1" noChangeAspect="1" noMove="1" noResize="1" noEditPoints="1" noAdjustHandles="1" noChangeArrowheads="1" noChangeShapeType="1" noTextEdit="1"/>
-          </p:cNvSpPr>
-          <p:nvPr>
-            <p:extLst>
-              <p:ext uri="{386F3935-93C4-4BCD-93E2-E3B085C9AB24}">
-                <p16:designElem xmlns:p16="http://schemas.microsoft.com/office/powerpoint/2015/main" val="1"/>
-              </p:ext>
-            </p:extLst>
-          </p:nvPr>
-        </p:nvSpPr>
-        <p:spPr>
-          <a:xfrm>
-            <a:off x="0" y="-3324"/>
-            <a:ext cx="12192000" cy="6861324"/>
-          </a:xfrm>
-          <a:prstGeom prst="rect">
-            <a:avLst/>
-          </a:prstGeom>
-          <a:solidFill>
-            <a:srgbClr val="404040"/>
-          </a:solidFill>
-          <a:ln>
-            <a:noFill/>
-          </a:ln>
-        </p:spPr>
-        <p:style>
-          <a:lnRef idx="2">
-            <a:schemeClr val="accent1">
-              <a:shade val="50000"/>
-            </a:schemeClr>
-          </a:lnRef>
-          <a:fillRef idx="1">
-            <a:schemeClr val="accent1"/>
-          </a:fillRef>
-          <a:effectRef idx="0">
-            <a:schemeClr val="accent1"/>
-          </a:effectRef>
-          <a:fontRef idx="minor">
-            <a:schemeClr val="lt1"/>
-          </a:fontRef>
-        </p:style>
-        <p:txBody>
-          <a:bodyPr rtlCol="0" anchor="ctr"/>
-          <a:lstStyle/>
-          <a:p>
-            <a:pPr algn="ctr"/>
-            <a:endParaRPr lang="en-US"/>
-          </a:p>
-        </p:txBody>
-      </p:sp>
-      <p:sp>
-        <p:nvSpPr>
-          <p:cNvPr id="10" name="Freeform 13">
-            <a:extLst>
-              <a:ext uri="{FF2B5EF4-FFF2-40B4-BE49-F238E27FC236}">
-                <a16:creationId xmlns:a16="http://schemas.microsoft.com/office/drawing/2014/main" id="{987FDF89-C993-41F4-A1B8-DBAFF16008A9}"/>
-              </a:ext>
-              <a:ext uri="{C183D7F6-B498-43B3-948B-1728B52AA6E4}">
-                <adec:decorative xmlns:adec="http://schemas.microsoft.com/office/drawing/2017/decorative" xmlns="" val="1"/>
-              </a:ext>
-            </a:extLst>
-          </p:cNvPr>
-          <p:cNvSpPr>
-            <a:spLocks noGrp="1" noRot="1" noChangeAspect="1" noMove="1" noResize="1" noEditPoints="1" noAdjustHandles="1" noChangeArrowheads="1" noChangeShapeType="1" noTextEdit="1"/>
-          </p:cNvSpPr>
-          <p:nvPr>
-            <p:extLst>
-              <p:ext uri="{386F3935-93C4-4BCD-93E2-E3B085C9AB24}">
-                <p16:designElem xmlns:p16="http://schemas.microsoft.com/office/powerpoint/2015/main" val="1"/>
-              </p:ext>
-            </p:extLst>
-          </p:nvPr>
-        </p:nvSpPr>
-        <p:spPr>
-          <a:xfrm>
-            <a:off x="0" y="0"/>
-            <a:ext cx="11786754" cy="6858000"/>
-          </a:xfrm>
-          <a:custGeom>
-            <a:avLst/>
-            <a:gdLst>
-              <a:gd name="connsiteX0" fmla="*/ 0 w 11786754"/>
-              <a:gd name="connsiteY0" fmla="*/ 0 h 6858000"/>
-              <a:gd name="connsiteX1" fmla="*/ 8610600 w 11786754"/>
-              <a:gd name="connsiteY1" fmla="*/ 0 h 6858000"/>
-              <a:gd name="connsiteX2" fmla="*/ 11786754 w 11786754"/>
-              <a:gd name="connsiteY2" fmla="*/ 6858000 h 6858000"/>
-              <a:gd name="connsiteX3" fmla="*/ 0 w 11786754"/>
-              <a:gd name="connsiteY3" fmla="*/ 6858000 h 6858000"/>
-            </a:gdLst>
-            <a:ahLst/>
-            <a:cxnLst>
-              <a:cxn ang="0">
-                <a:pos x="connsiteX0" y="connsiteY0"/>
-              </a:cxn>
-              <a:cxn ang="0">
-                <a:pos x="connsiteX1" y="connsiteY1"/>
-              </a:cxn>
-              <a:cxn ang="0">
-                <a:pos x="connsiteX2" y="connsiteY2"/>
-              </a:cxn>
-              <a:cxn ang="0">
-                <a:pos x="connsiteX3" y="connsiteY3"/>
-              </a:cxn>
-            </a:cxnLst>
-            <a:rect l="l" t="t" r="r" b="b"/>
-            <a:pathLst>
-              <a:path w="11786754" h="6858000">
-                <a:moveTo>
-                  <a:pt x="0" y="0"/>
-                </a:moveTo>
-                <a:lnTo>
-                  <a:pt x="8610600" y="0"/>
-                </a:lnTo>
-                <a:lnTo>
-                  <a:pt x="11786754" y="6858000"/>
-                </a:lnTo>
-                <a:lnTo>
-                  <a:pt x="0" y="6858000"/>
-                </a:lnTo>
-                <a:close/>
-              </a:path>
-            </a:pathLst>
-          </a:custGeom>
-          <a:solidFill>
-            <a:srgbClr val="000000">
-              <a:alpha val="29804"/>
-            </a:srgbClr>
-          </a:solidFill>
-          <a:ln>
-            <a:noFill/>
-          </a:ln>
-        </p:spPr>
-        <p:style>
-          <a:lnRef idx="2">
-            <a:schemeClr val="accent1">
-              <a:shade val="50000"/>
-            </a:schemeClr>
-          </a:lnRef>
-          <a:fillRef idx="1">
-            <a:schemeClr val="accent1"/>
-          </a:fillRef>
-          <a:effectRef idx="0">
-            <a:schemeClr val="accent1"/>
-          </a:effectRef>
-          <a:fontRef idx="minor">
-            <a:schemeClr val="lt1"/>
-          </a:fontRef>
-        </p:style>
-        <p:txBody>
-          <a:bodyPr rtlCol="0" anchor="ctr"/>
-          <a:lstStyle/>
-          <a:p>
-            <a:pPr algn="ctr"/>
-            <a:endParaRPr lang="en-US"/>
-          </a:p>
-        </p:txBody>
-      </p:sp>
-      <p:sp>
-        <p:nvSpPr>
-          <p:cNvPr id="12" name="Freeform 11">
-            <a:extLst>
-              <a:ext uri="{FF2B5EF4-FFF2-40B4-BE49-F238E27FC236}">
-                <a16:creationId xmlns:a16="http://schemas.microsoft.com/office/drawing/2014/main" id="{64E585EA-75FD-4025-8270-F66A58A15CDA}"/>
-              </a:ext>
-              <a:ext uri="{C183D7F6-B498-43B3-948B-1728B52AA6E4}">
-                <adec:decorative xmlns:adec="http://schemas.microsoft.com/office/drawing/2017/decorative" xmlns="" val="1"/>
+                <adec:decorative xmlns:adec="http://schemas.microsoft.com/office/drawing/2017/decorative" val="1"/>
               </a:ext>
             </a:extLst>
           </p:cNvPr>
